--- a/aulas/t/SOP-T2-SFDVC.pptx
+++ b/aulas/t/SOP-T2-SFDVC.pptx
@@ -5,22 +5,26 @@
     <p:sldMasterId id="2147483648" r:id="rId1"/>
   </p:sldMasterIdLst>
   <p:notesMasterIdLst>
-    <p:notesMasterId r:id="rId12"/>
+    <p:notesMasterId r:id="rId16"/>
   </p:notesMasterIdLst>
   <p:handoutMasterIdLst>
-    <p:handoutMasterId r:id="rId13"/>
+    <p:handoutMasterId r:id="rId17"/>
   </p:handoutMasterIdLst>
   <p:sldIdLst>
     <p:sldId id="256" r:id="rId2"/>
     <p:sldId id="315" r:id="rId3"/>
     <p:sldId id="396" r:id="rId4"/>
-    <p:sldId id="398" r:id="rId5"/>
-    <p:sldId id="394" r:id="rId6"/>
-    <p:sldId id="389" r:id="rId7"/>
-    <p:sldId id="390" r:id="rId8"/>
-    <p:sldId id="392" r:id="rId9"/>
-    <p:sldId id="395" r:id="rId10"/>
-    <p:sldId id="378" r:id="rId11"/>
+    <p:sldId id="399" r:id="rId5"/>
+    <p:sldId id="401" r:id="rId6"/>
+    <p:sldId id="400" r:id="rId7"/>
+    <p:sldId id="402" r:id="rId8"/>
+    <p:sldId id="398" r:id="rId9"/>
+    <p:sldId id="394" r:id="rId10"/>
+    <p:sldId id="389" r:id="rId11"/>
+    <p:sldId id="390" r:id="rId12"/>
+    <p:sldId id="392" r:id="rId13"/>
+    <p:sldId id="395" r:id="rId14"/>
+    <p:sldId id="378" r:id="rId15"/>
   </p:sldIdLst>
   <p:sldSz cx="9144000" cy="5715000" type="screen16x10"/>
   <p:notesSz cx="7099300" cy="10234613"/>
@@ -982,10 +986,418 @@
           <a:bodyPr/>
           <a:lstStyle/>
           <a:p>
+            <a:fld id="{8E79CF69-099A-4323-ABAD-2A1E82F62D20}" type="slidenum">
+              <a:rPr lang="en-GB"/>
+              <a:pPr/>
+              <a:t>10</a:t>
+            </a:fld>
+            <a:endParaRPr lang="en-GB" dirty="0"/>
+          </a:p>
+        </p:txBody>
+      </p:sp>
+      <p:sp>
+        <p:nvSpPr>
+          <p:cNvPr id="149506" name="Rectangle 2"/>
+          <p:cNvSpPr>
+            <a:spLocks noGrp="1" noRot="1" noChangeAspect="1" noChangeArrowheads="1" noTextEdit="1"/>
+          </p:cNvSpPr>
+          <p:nvPr>
+            <p:ph type="sldImg"/>
+          </p:nvPr>
+        </p:nvSpPr>
+        <p:spPr>
+          <a:xfrm>
+            <a:off x="477838" y="766763"/>
+            <a:ext cx="6145212" cy="3840162"/>
+          </a:xfrm>
+          <a:ln/>
+        </p:spPr>
+      </p:sp>
+      <p:sp>
+        <p:nvSpPr>
+          <p:cNvPr id="149507" name="Rectangle 3"/>
+          <p:cNvSpPr>
+            <a:spLocks noGrp="1" noChangeArrowheads="1"/>
+          </p:cNvSpPr>
+          <p:nvPr>
+            <p:ph type="body" idx="1"/>
+          </p:nvPr>
+        </p:nvSpPr>
+        <p:spPr/>
+        <p:txBody>
+          <a:bodyPr/>
+          <a:lstStyle/>
+          <a:p>
+            <a:r>
+              <a:rPr lang="en-GB" dirty="0" err="1"/>
+              <a:t>programa</a:t>
+            </a:r>
+            <a:r>
+              <a:rPr lang="en-GB" dirty="0"/>
+              <a:t> Linux </a:t>
+            </a:r>
+            <a:r>
+              <a:rPr lang="en-GB" dirty="0" err="1"/>
+              <a:t>htop</a:t>
+            </a:r>
+            <a:endParaRPr lang="en-GB" dirty="0"/>
+          </a:p>
+        </p:txBody>
+      </p:sp>
+    </p:spTree>
+    <p:extLst>
+      <p:ext uri="{BB962C8B-B14F-4D97-AF65-F5344CB8AC3E}">
+        <p14:creationId xmlns:p14="http://schemas.microsoft.com/office/powerpoint/2010/main" val="4180864559"/>
+      </p:ext>
+    </p:extLst>
+  </p:cSld>
+  <p:clrMapOvr>
+    <a:masterClrMapping/>
+  </p:clrMapOvr>
+</p:notes>
+</file>
+
+<file path=ppt/notesSlides/notesSlide11.xml><?xml version="1.0" encoding="utf-8"?>
+<p:notes xmlns:a="http://schemas.openxmlformats.org/drawingml/2006/main" xmlns:r="http://schemas.openxmlformats.org/officeDocument/2006/relationships" xmlns:p="http://schemas.openxmlformats.org/presentationml/2006/main">
+  <p:cSld>
+    <p:spTree>
+      <p:nvGrpSpPr>
+        <p:cNvPr id="1" name=""/>
+        <p:cNvGrpSpPr/>
+        <p:nvPr/>
+      </p:nvGrpSpPr>
+      <p:grpSpPr>
+        <a:xfrm>
+          <a:off x="0" y="0"/>
+          <a:ext cx="0" cy="0"/>
+          <a:chOff x="0" y="0"/>
+          <a:chExt cx="0" cy="0"/>
+        </a:xfrm>
+      </p:grpSpPr>
+      <p:sp>
+        <p:nvSpPr>
+          <p:cNvPr id="7" name="Rectangle 7"/>
+          <p:cNvSpPr>
+            <a:spLocks noGrp="1" noChangeArrowheads="1"/>
+          </p:cNvSpPr>
+          <p:nvPr>
+            <p:ph type="sldNum" sz="quarter" idx="5"/>
+          </p:nvPr>
+        </p:nvSpPr>
+        <p:spPr>
+          <a:ln/>
+        </p:spPr>
+        <p:txBody>
+          <a:bodyPr/>
+          <a:lstStyle/>
+          <a:p>
+            <a:fld id="{8E79CF69-099A-4323-ABAD-2A1E82F62D20}" type="slidenum">
+              <a:rPr lang="en-GB"/>
+              <a:pPr/>
+              <a:t>11</a:t>
+            </a:fld>
+            <a:endParaRPr lang="en-GB" dirty="0"/>
+          </a:p>
+        </p:txBody>
+      </p:sp>
+      <p:sp>
+        <p:nvSpPr>
+          <p:cNvPr id="149506" name="Rectangle 2"/>
+          <p:cNvSpPr>
+            <a:spLocks noGrp="1" noRot="1" noChangeAspect="1" noChangeArrowheads="1" noTextEdit="1"/>
+          </p:cNvSpPr>
+          <p:nvPr>
+            <p:ph type="sldImg"/>
+          </p:nvPr>
+        </p:nvSpPr>
+        <p:spPr>
+          <a:xfrm>
+            <a:off x="477838" y="766763"/>
+            <a:ext cx="6145212" cy="3840162"/>
+          </a:xfrm>
+          <a:ln/>
+        </p:spPr>
+      </p:sp>
+      <p:sp>
+        <p:nvSpPr>
+          <p:cNvPr id="149507" name="Rectangle 3"/>
+          <p:cNvSpPr>
+            <a:spLocks noGrp="1" noChangeArrowheads="1"/>
+          </p:cNvSpPr>
+          <p:nvPr>
+            <p:ph type="body" idx="1"/>
+          </p:nvPr>
+        </p:nvSpPr>
+        <p:spPr/>
+        <p:txBody>
+          <a:bodyPr/>
+          <a:lstStyle/>
+          <a:p>
+            <a:r>
+              <a:rPr lang="en-GB" dirty="0" err="1"/>
+              <a:t>programa</a:t>
+            </a:r>
+            <a:r>
+              <a:rPr lang="en-GB" dirty="0"/>
+              <a:t> Linux </a:t>
+            </a:r>
+            <a:r>
+              <a:rPr lang="en-GB" dirty="0" err="1"/>
+              <a:t>htop</a:t>
+            </a:r>
+            <a:endParaRPr lang="en-GB" dirty="0"/>
+          </a:p>
+        </p:txBody>
+      </p:sp>
+    </p:spTree>
+    <p:extLst>
+      <p:ext uri="{BB962C8B-B14F-4D97-AF65-F5344CB8AC3E}">
+        <p14:creationId xmlns:p14="http://schemas.microsoft.com/office/powerpoint/2010/main" val="802971758"/>
+      </p:ext>
+    </p:extLst>
+  </p:cSld>
+  <p:clrMapOvr>
+    <a:masterClrMapping/>
+  </p:clrMapOvr>
+</p:notes>
+</file>
+
+<file path=ppt/notesSlides/notesSlide12.xml><?xml version="1.0" encoding="utf-8"?>
+<p:notes xmlns:a="http://schemas.openxmlformats.org/drawingml/2006/main" xmlns:r="http://schemas.openxmlformats.org/officeDocument/2006/relationships" xmlns:p="http://schemas.openxmlformats.org/presentationml/2006/main">
+  <p:cSld>
+    <p:spTree>
+      <p:nvGrpSpPr>
+        <p:cNvPr id="1" name=""/>
+        <p:cNvGrpSpPr/>
+        <p:nvPr/>
+      </p:nvGrpSpPr>
+      <p:grpSpPr>
+        <a:xfrm>
+          <a:off x="0" y="0"/>
+          <a:ext cx="0" cy="0"/>
+          <a:chOff x="0" y="0"/>
+          <a:chExt cx="0" cy="0"/>
+        </a:xfrm>
+      </p:grpSpPr>
+      <p:sp>
+        <p:nvSpPr>
+          <p:cNvPr id="7" name="Rectangle 7"/>
+          <p:cNvSpPr>
+            <a:spLocks noGrp="1" noChangeArrowheads="1"/>
+          </p:cNvSpPr>
+          <p:nvPr>
+            <p:ph type="sldNum" sz="quarter" idx="5"/>
+          </p:nvPr>
+        </p:nvSpPr>
+        <p:spPr>
+          <a:ln/>
+        </p:spPr>
+        <p:txBody>
+          <a:bodyPr/>
+          <a:lstStyle/>
+          <a:p>
+            <a:fld id="{8E79CF69-099A-4323-ABAD-2A1E82F62D20}" type="slidenum">
+              <a:rPr lang="en-GB"/>
+              <a:pPr/>
+              <a:t>12</a:t>
+            </a:fld>
+            <a:endParaRPr lang="en-GB" dirty="0"/>
+          </a:p>
+        </p:txBody>
+      </p:sp>
+      <p:sp>
+        <p:nvSpPr>
+          <p:cNvPr id="149506" name="Rectangle 2"/>
+          <p:cNvSpPr>
+            <a:spLocks noGrp="1" noRot="1" noChangeAspect="1" noChangeArrowheads="1" noTextEdit="1"/>
+          </p:cNvSpPr>
+          <p:nvPr>
+            <p:ph type="sldImg"/>
+          </p:nvPr>
+        </p:nvSpPr>
+        <p:spPr>
+          <a:xfrm>
+            <a:off x="477838" y="766763"/>
+            <a:ext cx="6145212" cy="3840162"/>
+          </a:xfrm>
+          <a:ln/>
+        </p:spPr>
+      </p:sp>
+      <p:sp>
+        <p:nvSpPr>
+          <p:cNvPr id="149507" name="Rectangle 3"/>
+          <p:cNvSpPr>
+            <a:spLocks noGrp="1" noChangeArrowheads="1"/>
+          </p:cNvSpPr>
+          <p:nvPr>
+            <p:ph type="body" idx="1"/>
+          </p:nvPr>
+        </p:nvSpPr>
+        <p:spPr/>
+        <p:txBody>
+          <a:bodyPr/>
+          <a:lstStyle/>
+          <a:p>
+            <a:r>
+              <a:rPr lang="en-GB" dirty="0" err="1"/>
+              <a:t>programa</a:t>
+            </a:r>
+            <a:r>
+              <a:rPr lang="en-GB" dirty="0"/>
+              <a:t> Linux </a:t>
+            </a:r>
+            <a:r>
+              <a:rPr lang="en-GB" dirty="0" err="1"/>
+              <a:t>htop</a:t>
+            </a:r>
+            <a:endParaRPr lang="en-GB" dirty="0"/>
+          </a:p>
+        </p:txBody>
+      </p:sp>
+    </p:spTree>
+    <p:extLst>
+      <p:ext uri="{BB962C8B-B14F-4D97-AF65-F5344CB8AC3E}">
+        <p14:creationId xmlns:p14="http://schemas.microsoft.com/office/powerpoint/2010/main" val="3158268893"/>
+      </p:ext>
+    </p:extLst>
+  </p:cSld>
+  <p:clrMapOvr>
+    <a:masterClrMapping/>
+  </p:clrMapOvr>
+</p:notes>
+</file>
+
+<file path=ppt/notesSlides/notesSlide13.xml><?xml version="1.0" encoding="utf-8"?>
+<p:notes xmlns:a="http://schemas.openxmlformats.org/drawingml/2006/main" xmlns:r="http://schemas.openxmlformats.org/officeDocument/2006/relationships" xmlns:p="http://schemas.openxmlformats.org/presentationml/2006/main">
+  <p:cSld>
+    <p:spTree>
+      <p:nvGrpSpPr>
+        <p:cNvPr id="1" name=""/>
+        <p:cNvGrpSpPr/>
+        <p:nvPr/>
+      </p:nvGrpSpPr>
+      <p:grpSpPr>
+        <a:xfrm>
+          <a:off x="0" y="0"/>
+          <a:ext cx="0" cy="0"/>
+          <a:chOff x="0" y="0"/>
+          <a:chExt cx="0" cy="0"/>
+        </a:xfrm>
+      </p:grpSpPr>
+      <p:sp>
+        <p:nvSpPr>
+          <p:cNvPr id="7" name="Rectangle 7"/>
+          <p:cNvSpPr>
+            <a:spLocks noGrp="1" noChangeArrowheads="1"/>
+          </p:cNvSpPr>
+          <p:nvPr>
+            <p:ph type="sldNum" sz="quarter" idx="5"/>
+          </p:nvPr>
+        </p:nvSpPr>
+        <p:spPr>
+          <a:ln/>
+        </p:spPr>
+        <p:txBody>
+          <a:bodyPr/>
+          <a:lstStyle/>
+          <a:p>
+            <a:fld id="{8E79CF69-099A-4323-ABAD-2A1E82F62D20}" type="slidenum">
+              <a:rPr lang="en-GB"/>
+              <a:pPr/>
+              <a:t>13</a:t>
+            </a:fld>
+            <a:endParaRPr lang="en-GB" dirty="0"/>
+          </a:p>
+        </p:txBody>
+      </p:sp>
+      <p:sp>
+        <p:nvSpPr>
+          <p:cNvPr id="149506" name="Rectangle 2"/>
+          <p:cNvSpPr>
+            <a:spLocks noGrp="1" noRot="1" noChangeAspect="1" noChangeArrowheads="1" noTextEdit="1"/>
+          </p:cNvSpPr>
+          <p:nvPr>
+            <p:ph type="sldImg"/>
+          </p:nvPr>
+        </p:nvSpPr>
+        <p:spPr>
+          <a:xfrm>
+            <a:off x="477838" y="766763"/>
+            <a:ext cx="6145212" cy="3840162"/>
+          </a:xfrm>
+          <a:ln/>
+        </p:spPr>
+      </p:sp>
+      <p:sp>
+        <p:nvSpPr>
+          <p:cNvPr id="149507" name="Rectangle 3"/>
+          <p:cNvSpPr>
+            <a:spLocks noGrp="1" noChangeArrowheads="1"/>
+          </p:cNvSpPr>
+          <p:nvPr>
+            <p:ph type="body" idx="1"/>
+          </p:nvPr>
+        </p:nvSpPr>
+        <p:spPr/>
+        <p:txBody>
+          <a:bodyPr/>
+          <a:lstStyle/>
+          <a:p>
+            <a:endParaRPr lang="en-GB" dirty="0"/>
+          </a:p>
+        </p:txBody>
+      </p:sp>
+    </p:spTree>
+    <p:extLst>
+      <p:ext uri="{BB962C8B-B14F-4D97-AF65-F5344CB8AC3E}">
+        <p14:creationId xmlns:p14="http://schemas.microsoft.com/office/powerpoint/2010/main" val="114498290"/>
+      </p:ext>
+    </p:extLst>
+  </p:cSld>
+  <p:clrMapOvr>
+    <a:masterClrMapping/>
+  </p:clrMapOvr>
+</p:notes>
+</file>
+
+<file path=ppt/notesSlides/notesSlide14.xml><?xml version="1.0" encoding="utf-8"?>
+<p:notes xmlns:a="http://schemas.openxmlformats.org/drawingml/2006/main" xmlns:r="http://schemas.openxmlformats.org/officeDocument/2006/relationships" xmlns:p="http://schemas.openxmlformats.org/presentationml/2006/main">
+  <p:cSld>
+    <p:spTree>
+      <p:nvGrpSpPr>
+        <p:cNvPr id="1" name=""/>
+        <p:cNvGrpSpPr/>
+        <p:nvPr/>
+      </p:nvGrpSpPr>
+      <p:grpSpPr>
+        <a:xfrm>
+          <a:off x="0" y="0"/>
+          <a:ext cx="0" cy="0"/>
+          <a:chOff x="0" y="0"/>
+          <a:chExt cx="0" cy="0"/>
+        </a:xfrm>
+      </p:grpSpPr>
+      <p:sp>
+        <p:nvSpPr>
+          <p:cNvPr id="7" name="Rectangle 7"/>
+          <p:cNvSpPr>
+            <a:spLocks noGrp="1" noChangeArrowheads="1"/>
+          </p:cNvSpPr>
+          <p:nvPr>
+            <p:ph type="sldNum" sz="quarter" idx="5"/>
+          </p:nvPr>
+        </p:nvSpPr>
+        <p:spPr>
+          <a:ln/>
+        </p:spPr>
+        <p:txBody>
+          <a:bodyPr/>
+          <a:lstStyle/>
+          <a:p>
             <a:fld id="{FD2305D1-531D-4CEF-BD3D-05CF1AF8F416}" type="slidenum">
               <a:rPr lang="en-GB"/>
               <a:pPr/>
-              <a:t>10</a:t>
+              <a:t>14</a:t>
             </a:fld>
             <a:endParaRPr lang="en-GB" dirty="0"/>
           </a:p>
@@ -1327,7 +1739,7 @@
     </p:spTree>
     <p:extLst>
       <p:ext uri="{BB962C8B-B14F-4D97-AF65-F5344CB8AC3E}">
-        <p14:creationId xmlns:p14="http://schemas.microsoft.com/office/powerpoint/2010/main" val="213334538"/>
+        <p14:creationId xmlns:p14="http://schemas.microsoft.com/office/powerpoint/2010/main" val="2656518661"/>
       </p:ext>
     </p:extLst>
   </p:cSld>
@@ -1432,7 +1844,7 @@
     </p:spTree>
     <p:extLst>
       <p:ext uri="{BB962C8B-B14F-4D97-AF65-F5344CB8AC3E}">
-        <p14:creationId xmlns:p14="http://schemas.microsoft.com/office/powerpoint/2010/main" val="733618775"/>
+        <p14:creationId xmlns:p14="http://schemas.microsoft.com/office/powerpoint/2010/main" val="3980577847"/>
       </p:ext>
     </p:extLst>
   </p:cSld>
@@ -1537,7 +1949,7 @@
     </p:spTree>
     <p:extLst>
       <p:ext uri="{BB962C8B-B14F-4D97-AF65-F5344CB8AC3E}">
-        <p14:creationId xmlns:p14="http://schemas.microsoft.com/office/powerpoint/2010/main" val="4180864559"/>
+        <p14:creationId xmlns:p14="http://schemas.microsoft.com/office/powerpoint/2010/main" val="1418473759"/>
       </p:ext>
     </p:extLst>
   </p:cSld>
@@ -1642,7 +2054,7 @@
     </p:spTree>
     <p:extLst>
       <p:ext uri="{BB962C8B-B14F-4D97-AF65-F5344CB8AC3E}">
-        <p14:creationId xmlns:p14="http://schemas.microsoft.com/office/powerpoint/2010/main" val="802971758"/>
+        <p14:creationId xmlns:p14="http://schemas.microsoft.com/office/powerpoint/2010/main" val="1072323829"/>
       </p:ext>
     </p:extLst>
   </p:cSld>
@@ -1747,7 +2159,7 @@
     </p:spTree>
     <p:extLst>
       <p:ext uri="{BB962C8B-B14F-4D97-AF65-F5344CB8AC3E}">
-        <p14:creationId xmlns:p14="http://schemas.microsoft.com/office/powerpoint/2010/main" val="3158268893"/>
+        <p14:creationId xmlns:p14="http://schemas.microsoft.com/office/powerpoint/2010/main" val="213334538"/>
       </p:ext>
     </p:extLst>
   </p:cSld>
@@ -1833,6 +2245,18 @@
           <a:bodyPr/>
           <a:lstStyle/>
           <a:p>
+            <a:r>
+              <a:rPr lang="en-GB" dirty="0" err="1"/>
+              <a:t>programa</a:t>
+            </a:r>
+            <a:r>
+              <a:rPr lang="en-GB" dirty="0"/>
+              <a:t> Linux </a:t>
+            </a:r>
+            <a:r>
+              <a:rPr lang="en-GB" dirty="0" err="1"/>
+              <a:t>htop</a:t>
+            </a:r>
             <a:endParaRPr lang="en-GB" dirty="0"/>
           </a:p>
         </p:txBody>
@@ -1840,7 +2264,7 @@
     </p:spTree>
     <p:extLst>
       <p:ext uri="{BB962C8B-B14F-4D97-AF65-F5344CB8AC3E}">
-        <p14:creationId xmlns:p14="http://schemas.microsoft.com/office/powerpoint/2010/main" val="114498290"/>
+        <p14:creationId xmlns:p14="http://schemas.microsoft.com/office/powerpoint/2010/main" val="733618775"/>
       </p:ext>
     </p:extLst>
   </p:cSld>
@@ -5063,6 +5487,1771 @@
       </p:grpSpPr>
       <p:sp>
         <p:nvSpPr>
+          <p:cNvPr id="148482" name="Rectangle 2"/>
+          <p:cNvSpPr>
+            <a:spLocks noGrp="1" noChangeArrowheads="1"/>
+          </p:cNvSpPr>
+          <p:nvPr>
+            <p:ph type="title" idx="4294967295"/>
+          </p:nvPr>
+        </p:nvSpPr>
+        <p:spPr bwMode="auto">
+          <a:xfrm>
+            <a:off x="3006330" y="193204"/>
+            <a:ext cx="5310086" cy="432048"/>
+          </a:xfrm>
+          <a:prstGeom prst="rect">
+            <a:avLst/>
+          </a:prstGeom>
+          <a:noFill/>
+          <a:ln>
+            <a:miter lim="800000"/>
+            <a:headEnd/>
+            <a:tailEnd/>
+          </a:ln>
+        </p:spPr>
+        <p:txBody>
+          <a:bodyPr vert="horz" wrap="square" lIns="71323" tIns="35662" rIns="71323" bIns="35662" numCol="1" anchor="t" anchorCtr="0" compatLnSpc="1">
+            <a:prstTxWarp prst="textNoShape">
+              <a:avLst/>
+            </a:prstTxWarp>
+          </a:bodyPr>
+          <a:lstStyle/>
+          <a:p>
+            <a:pPr algn="r"/>
+            <a:r>
+              <a:rPr lang="pt-PT" sz="1000" b="1" i="1" dirty="0">
+                <a:solidFill>
+                  <a:srgbClr val="FF0000"/>
+                </a:solidFill>
+                <a:latin typeface="Arial" charset="0"/>
+              </a:rPr>
+              <a:t>SOP-T2-SDFVC</a:t>
+            </a:r>
+            <a:br>
+              <a:rPr lang="pt-PT" sz="900" b="1" i="1" dirty="0">
+                <a:solidFill>
+                  <a:srgbClr val="FF0000"/>
+                </a:solidFill>
+                <a:latin typeface="Arial" charset="0"/>
+              </a:rPr>
+            </a:br>
+            <a:r>
+              <a:rPr lang="pt-PT" sz="1800" b="1" i="1" cap="small" dirty="0">
+                <a:solidFill>
+                  <a:srgbClr val="FF0000"/>
+                </a:solidFill>
+                <a:latin typeface="Arial" charset="0"/>
+              </a:rPr>
+              <a:t>Exemplo Prático</a:t>
+            </a:r>
+          </a:p>
+        </p:txBody>
+      </p:sp>
+      <p:sp>
+        <p:nvSpPr>
+          <p:cNvPr id="4" name="Rectangle 7"/>
+          <p:cNvSpPr>
+            <a:spLocks noChangeArrowheads="1"/>
+          </p:cNvSpPr>
+          <p:nvPr/>
+        </p:nvSpPr>
+        <p:spPr bwMode="auto">
+          <a:xfrm>
+            <a:off x="539552" y="877094"/>
+            <a:ext cx="8064896" cy="2247270"/>
+          </a:xfrm>
+          <a:prstGeom prst="rect">
+            <a:avLst/>
+          </a:prstGeom>
+          <a:noFill/>
+          <a:ln w="9525">
+            <a:noFill/>
+            <a:miter lim="800000"/>
+            <a:headEnd/>
+            <a:tailEnd/>
+          </a:ln>
+          <a:effectLst/>
+        </p:spPr>
+        <p:txBody>
+          <a:bodyPr wrap="square" lIns="62408" tIns="31204" rIns="62408" bIns="31204">
+            <a:spAutoFit/>
+          </a:bodyPr>
+          <a:lstStyle/>
+          <a:p>
+            <a:pPr algn="just" defTabSz="624078">
+              <a:lnSpc>
+                <a:spcPct val="120000"/>
+              </a:lnSpc>
+            </a:pPr>
+            <a:r>
+              <a:rPr lang="pt-BR" sz="2000" i="0" dirty="0">
+                <a:latin typeface="Courier New" panose="02070309020205020404" pitchFamily="49" charset="0"/>
+                <a:cs typeface="Courier New" panose="02070309020205020404" pitchFamily="49" charset="0"/>
+              </a:rPr>
+              <a:t>svn create [titulo]</a:t>
+            </a:r>
+          </a:p>
+          <a:p>
+            <a:pPr marL="560928" lvl="1" indent="-209265" algn="just" defTabSz="624078">
+              <a:lnSpc>
+                <a:spcPct val="120000"/>
+              </a:lnSpc>
+              <a:buFont typeface="Wingdings" pitchFamily="2" charset="2"/>
+              <a:buChar char="Ø"/>
+            </a:pPr>
+            <a:r>
+              <a:rPr lang="pt-BR" sz="1600" b="0" i="0" dirty="0"/>
+              <a:t>Cria um repositório na pasta atual;</a:t>
+            </a:r>
+          </a:p>
+          <a:p>
+            <a:pPr marL="560928" lvl="1" indent="-209265" algn="just" defTabSz="624078">
+              <a:lnSpc>
+                <a:spcPct val="120000"/>
+              </a:lnSpc>
+              <a:buFont typeface="Wingdings" pitchFamily="2" charset="2"/>
+              <a:buChar char="Ø"/>
+            </a:pPr>
+            <a:r>
+              <a:rPr lang="pt-BR" sz="1600" b="0" i="0" dirty="0"/>
+              <a:t>Comando apenas invocado 1 vez no início.</a:t>
+            </a:r>
+            <a:endParaRPr lang="pt-PT" sz="1600" b="0" i="0" dirty="0"/>
+          </a:p>
+          <a:p>
+            <a:pPr algn="just" defTabSz="624078">
+              <a:lnSpc>
+                <a:spcPct val="120000"/>
+              </a:lnSpc>
+            </a:pPr>
+            <a:r>
+              <a:rPr lang="pt-BR" sz="2000" i="0" dirty="0">
+                <a:latin typeface="Courier New" panose="02070309020205020404" pitchFamily="49" charset="0"/>
+                <a:cs typeface="Courier New" panose="02070309020205020404" pitchFamily="49" charset="0"/>
+              </a:rPr>
+              <a:t>svn checkout URL[@REV]... [PATH]</a:t>
+            </a:r>
+          </a:p>
+          <a:p>
+            <a:pPr marL="560928" lvl="1" indent="-209265" algn="just" defTabSz="624078">
+              <a:lnSpc>
+                <a:spcPct val="120000"/>
+              </a:lnSpc>
+              <a:buFont typeface="Wingdings" pitchFamily="2" charset="2"/>
+              <a:buChar char="Ø"/>
+            </a:pPr>
+            <a:r>
+              <a:rPr lang="pt-BR" sz="1600" b="0" i="0" dirty="0"/>
+              <a:t>Cria uma cópia do repositório na pasta atual ou numa e indicada (PATH);</a:t>
+            </a:r>
+          </a:p>
+          <a:p>
+            <a:pPr marL="560928" lvl="1" indent="-209265" algn="just" defTabSz="624078">
+              <a:lnSpc>
+                <a:spcPct val="120000"/>
+              </a:lnSpc>
+              <a:buFont typeface="Wingdings" pitchFamily="2" charset="2"/>
+              <a:buChar char="Ø"/>
+            </a:pPr>
+            <a:r>
+              <a:rPr lang="pt-BR" sz="1600" b="0" i="0" dirty="0"/>
+              <a:t>Comando apenas invocado 1 vez no início em cada local com um cópia do repositório.</a:t>
+            </a:r>
+            <a:endParaRPr lang="pt-PT" sz="1600" b="0" i="0" dirty="0"/>
+          </a:p>
+        </p:txBody>
+      </p:sp>
+    </p:spTree>
+    <p:extLst>
+      <p:ext uri="{BB962C8B-B14F-4D97-AF65-F5344CB8AC3E}">
+        <p14:creationId xmlns:p14="http://schemas.microsoft.com/office/powerpoint/2010/main" val="3626177224"/>
+      </p:ext>
+    </p:extLst>
+  </p:cSld>
+  <p:clrMapOvr>
+    <a:masterClrMapping/>
+  </p:clrMapOvr>
+  <p:timing>
+    <p:tnLst>
+      <p:par>
+        <p:cTn id="1" dur="indefinite" restart="never" nodeType="tmRoot">
+          <p:childTnLst>
+            <p:seq concurrent="1" nextAc="seek">
+              <p:cTn id="2" dur="indefinite" nodeType="mainSeq">
+                <p:childTnLst>
+                  <p:par>
+                    <p:cTn id="3" fill="hold">
+                      <p:stCondLst>
+                        <p:cond delay="indefinite"/>
+                        <p:cond evt="onBegin" delay="0">
+                          <p:tn val="2"/>
+                        </p:cond>
+                      </p:stCondLst>
+                      <p:childTnLst>
+                        <p:par>
+                          <p:cTn id="4" fill="hold">
+                            <p:stCondLst>
+                              <p:cond delay="0"/>
+                            </p:stCondLst>
+                            <p:childTnLst>
+                              <p:par>
+                                <p:cTn id="5" presetID="42" presetClass="entr" presetSubtype="0" fill="hold" grpId="0" nodeType="afterEffect">
+                                  <p:stCondLst>
+                                    <p:cond delay="0"/>
+                                  </p:stCondLst>
+                                  <p:childTnLst>
+                                    <p:set>
+                                      <p:cBhvr>
+                                        <p:cTn id="6" dur="1" fill="hold">
+                                          <p:stCondLst>
+                                            <p:cond delay="0"/>
+                                          </p:stCondLst>
+                                        </p:cTn>
+                                        <p:tgtEl>
+                                          <p:spTgt spid="4"/>
+                                        </p:tgtEl>
+                                        <p:attrNameLst>
+                                          <p:attrName>style.visibility</p:attrName>
+                                        </p:attrNameLst>
+                                      </p:cBhvr>
+                                      <p:to>
+                                        <p:strVal val="visible"/>
+                                      </p:to>
+                                    </p:set>
+                                    <p:animEffect transition="in" filter="fade">
+                                      <p:cBhvr>
+                                        <p:cTn id="7" dur="500"/>
+                                        <p:tgtEl>
+                                          <p:spTgt spid="4"/>
+                                        </p:tgtEl>
+                                      </p:cBhvr>
+                                    </p:animEffect>
+                                    <p:anim calcmode="lin" valueType="num">
+                                      <p:cBhvr>
+                                        <p:cTn id="8" dur="500" fill="hold"/>
+                                        <p:tgtEl>
+                                          <p:spTgt spid="4"/>
+                                        </p:tgtEl>
+                                        <p:attrNameLst>
+                                          <p:attrName>ppt_x</p:attrName>
+                                        </p:attrNameLst>
+                                      </p:cBhvr>
+                                      <p:tavLst>
+                                        <p:tav tm="0">
+                                          <p:val>
+                                            <p:strVal val="#ppt_x"/>
+                                          </p:val>
+                                        </p:tav>
+                                        <p:tav tm="100000">
+                                          <p:val>
+                                            <p:strVal val="#ppt_x"/>
+                                          </p:val>
+                                        </p:tav>
+                                      </p:tavLst>
+                                    </p:anim>
+                                    <p:anim calcmode="lin" valueType="num">
+                                      <p:cBhvr>
+                                        <p:cTn id="9" dur="500" fill="hold"/>
+                                        <p:tgtEl>
+                                          <p:spTgt spid="4"/>
+                                        </p:tgtEl>
+                                        <p:attrNameLst>
+                                          <p:attrName>ppt_y</p:attrName>
+                                        </p:attrNameLst>
+                                      </p:cBhvr>
+                                      <p:tavLst>
+                                        <p:tav tm="0">
+                                          <p:val>
+                                            <p:strVal val="#ppt_y+.1"/>
+                                          </p:val>
+                                        </p:tav>
+                                        <p:tav tm="100000">
+                                          <p:val>
+                                            <p:strVal val="#ppt_y"/>
+                                          </p:val>
+                                        </p:tav>
+                                      </p:tavLst>
+                                    </p:anim>
+                                  </p:childTnLst>
+                                </p:cTn>
+                              </p:par>
+                            </p:childTnLst>
+                          </p:cTn>
+                        </p:par>
+                      </p:childTnLst>
+                    </p:cTn>
+                  </p:par>
+                </p:childTnLst>
+              </p:cTn>
+              <p:prevCondLst>
+                <p:cond evt="onPrev" delay="0">
+                  <p:tgtEl>
+                    <p:sldTgt/>
+                  </p:tgtEl>
+                </p:cond>
+              </p:prevCondLst>
+              <p:nextCondLst>
+                <p:cond evt="onNext" delay="0">
+                  <p:tgtEl>
+                    <p:sldTgt/>
+                  </p:tgtEl>
+                </p:cond>
+              </p:nextCondLst>
+            </p:seq>
+          </p:childTnLst>
+        </p:cTn>
+      </p:par>
+    </p:tnLst>
+    <p:bldLst>
+      <p:bldP spid="4" grpId="0"/>
+    </p:bldLst>
+  </p:timing>
+</p:sld>
+</file>
+
+<file path=ppt/slides/slide11.xml><?xml version="1.0" encoding="utf-8"?>
+<p:sld xmlns:a="http://schemas.openxmlformats.org/drawingml/2006/main" xmlns:r="http://schemas.openxmlformats.org/officeDocument/2006/relationships" xmlns:p="http://schemas.openxmlformats.org/presentationml/2006/main">
+  <p:cSld>
+    <p:spTree>
+      <p:nvGrpSpPr>
+        <p:cNvPr id="1" name=""/>
+        <p:cNvGrpSpPr/>
+        <p:nvPr/>
+      </p:nvGrpSpPr>
+      <p:grpSpPr>
+        <a:xfrm>
+          <a:off x="0" y="0"/>
+          <a:ext cx="0" cy="0"/>
+          <a:chOff x="0" y="0"/>
+          <a:chExt cx="0" cy="0"/>
+        </a:xfrm>
+      </p:grpSpPr>
+      <p:sp>
+        <p:nvSpPr>
+          <p:cNvPr id="148482" name="Rectangle 2"/>
+          <p:cNvSpPr>
+            <a:spLocks noGrp="1" noChangeArrowheads="1"/>
+          </p:cNvSpPr>
+          <p:nvPr>
+            <p:ph type="title" idx="4294967295"/>
+          </p:nvPr>
+        </p:nvSpPr>
+        <p:spPr bwMode="auto">
+          <a:xfrm>
+            <a:off x="3006330" y="193204"/>
+            <a:ext cx="5310086" cy="432048"/>
+          </a:xfrm>
+          <a:prstGeom prst="rect">
+            <a:avLst/>
+          </a:prstGeom>
+          <a:noFill/>
+          <a:ln>
+            <a:miter lim="800000"/>
+            <a:headEnd/>
+            <a:tailEnd/>
+          </a:ln>
+        </p:spPr>
+        <p:txBody>
+          <a:bodyPr vert="horz" wrap="square" lIns="71323" tIns="35662" rIns="71323" bIns="35662" numCol="1" anchor="t" anchorCtr="0" compatLnSpc="1">
+            <a:prstTxWarp prst="textNoShape">
+              <a:avLst/>
+            </a:prstTxWarp>
+          </a:bodyPr>
+          <a:lstStyle/>
+          <a:p>
+            <a:pPr algn="r"/>
+            <a:r>
+              <a:rPr lang="pt-PT" sz="1000" b="1" i="1" dirty="0">
+                <a:solidFill>
+                  <a:srgbClr val="FF0000"/>
+                </a:solidFill>
+                <a:latin typeface="Arial" charset="0"/>
+              </a:rPr>
+              <a:t>SOP-T2-SFDVC</a:t>
+            </a:r>
+            <a:br>
+              <a:rPr lang="pt-PT" sz="900" b="1" i="1" dirty="0">
+                <a:solidFill>
+                  <a:srgbClr val="FF0000"/>
+                </a:solidFill>
+                <a:latin typeface="Arial" charset="0"/>
+              </a:rPr>
+            </a:br>
+            <a:r>
+              <a:rPr lang="pt-PT" sz="1800" b="1" i="1" cap="small" dirty="0">
+                <a:solidFill>
+                  <a:srgbClr val="FF0000"/>
+                </a:solidFill>
+                <a:latin typeface="Arial" charset="0"/>
+              </a:rPr>
+              <a:t>Exemplo Prático</a:t>
+            </a:r>
+          </a:p>
+        </p:txBody>
+      </p:sp>
+      <p:sp>
+        <p:nvSpPr>
+          <p:cNvPr id="4" name="Rectangle 7"/>
+          <p:cNvSpPr>
+            <a:spLocks noChangeArrowheads="1"/>
+          </p:cNvSpPr>
+          <p:nvPr/>
+        </p:nvSpPr>
+        <p:spPr bwMode="auto">
+          <a:xfrm>
+            <a:off x="539552" y="877094"/>
+            <a:ext cx="8064896" cy="3091539"/>
+          </a:xfrm>
+          <a:prstGeom prst="rect">
+            <a:avLst/>
+          </a:prstGeom>
+          <a:noFill/>
+          <a:ln w="9525">
+            <a:noFill/>
+            <a:miter lim="800000"/>
+            <a:headEnd/>
+            <a:tailEnd/>
+          </a:ln>
+          <a:effectLst/>
+        </p:spPr>
+        <p:txBody>
+          <a:bodyPr wrap="square" lIns="62408" tIns="31204" rIns="62408" bIns="31204">
+            <a:spAutoFit/>
+          </a:bodyPr>
+          <a:lstStyle/>
+          <a:p>
+            <a:pPr algn="just" defTabSz="624078">
+              <a:lnSpc>
+                <a:spcPct val="120000"/>
+              </a:lnSpc>
+            </a:pPr>
+            <a:r>
+              <a:rPr lang="pt-BR" sz="2000" i="0" dirty="0">
+                <a:latin typeface="Courier New" panose="02070309020205020404" pitchFamily="49" charset="0"/>
+                <a:cs typeface="Courier New" panose="02070309020205020404" pitchFamily="49" charset="0"/>
+              </a:rPr>
+              <a:t>svn commit [PATH...]</a:t>
+            </a:r>
+          </a:p>
+          <a:p>
+            <a:pPr marL="560928" lvl="1" indent="-209265" algn="just" defTabSz="624078">
+              <a:lnSpc>
+                <a:spcPct val="120000"/>
+              </a:lnSpc>
+              <a:buFont typeface="Wingdings" pitchFamily="2" charset="2"/>
+              <a:buChar char="Ø"/>
+            </a:pPr>
+            <a:r>
+              <a:rPr lang="pt-PT" sz="1600" b="0" i="0" dirty="0"/>
+              <a:t>Submete as alterações da cópia local no repositório com base na pasta atual ou pasta indicada (PATH);</a:t>
+            </a:r>
+          </a:p>
+          <a:p>
+            <a:pPr marL="560928" lvl="1" indent="-209265" algn="just" defTabSz="624078">
+              <a:lnSpc>
+                <a:spcPct val="120000"/>
+              </a:lnSpc>
+              <a:buFont typeface="Wingdings" pitchFamily="2" charset="2"/>
+              <a:buChar char="Ø"/>
+            </a:pPr>
+            <a:r>
+              <a:rPr lang="pt-PT" sz="1600" b="0" i="0" dirty="0"/>
+              <a:t>Inclui passa e sub-pastas. Se a pasta for raiz do repositório, toda a informação é atualizada. Caso seja uma sub-pasta é apenas atualizado no repositório o respetivo ramo;</a:t>
+            </a:r>
+          </a:p>
+          <a:p>
+            <a:pPr marL="560928" lvl="1" indent="-209265" algn="just" defTabSz="624078">
+              <a:lnSpc>
+                <a:spcPct val="120000"/>
+              </a:lnSpc>
+              <a:buFont typeface="Wingdings" pitchFamily="2" charset="2"/>
+              <a:buChar char="Ø"/>
+            </a:pPr>
+            <a:r>
+              <a:rPr lang="pt-PT" sz="1600" b="0" i="0" dirty="0"/>
+              <a:t>Pode ser pedido uma mensagem (texto) de descrição para a versão submetida;</a:t>
+            </a:r>
+          </a:p>
+          <a:p>
+            <a:pPr marL="560928" lvl="1" indent="-209265" algn="just" defTabSz="624078">
+              <a:lnSpc>
+                <a:spcPct val="120000"/>
+              </a:lnSpc>
+              <a:buFont typeface="Wingdings" pitchFamily="2" charset="2"/>
+              <a:buChar char="Ø"/>
+            </a:pPr>
+            <a:r>
+              <a:rPr lang="pt-PT" sz="1600" b="0" i="0" dirty="0"/>
+              <a:t>Todos os ficheiros submetidos ficam com o mesmo número de versão;</a:t>
+            </a:r>
+          </a:p>
+          <a:p>
+            <a:pPr marL="560928" lvl="1" indent="-209265" algn="just" defTabSz="624078">
+              <a:lnSpc>
+                <a:spcPct val="120000"/>
+              </a:lnSpc>
+              <a:buFont typeface="Wingdings" pitchFamily="2" charset="2"/>
+              <a:buChar char="Ø"/>
+            </a:pPr>
+            <a:r>
+              <a:rPr lang="en-GB" sz="1600" b="0" i="0" dirty="0" err="1"/>
+              <a:t>Os</a:t>
+            </a:r>
+            <a:r>
+              <a:rPr lang="en-GB" sz="1600" b="0" i="0" dirty="0"/>
+              <a:t> dados </a:t>
+            </a:r>
+            <a:r>
+              <a:rPr lang="en-GB" sz="1600" b="0" i="0" dirty="0" err="1"/>
+              <a:t>tranferidos</a:t>
+            </a:r>
+            <a:r>
+              <a:rPr lang="en-GB" sz="1600" b="0" i="0" dirty="0"/>
+              <a:t> </a:t>
+            </a:r>
+            <a:r>
+              <a:rPr lang="en-GB" sz="1600" b="0" i="0" dirty="0" err="1"/>
+              <a:t>são</a:t>
+            </a:r>
+            <a:r>
+              <a:rPr lang="en-GB" sz="1600" b="0" i="0" dirty="0"/>
+              <a:t> </a:t>
+            </a:r>
+            <a:r>
+              <a:rPr lang="en-GB" sz="1600" b="0" i="0" dirty="0" err="1"/>
+              <a:t>apenas</a:t>
+            </a:r>
+            <a:r>
+              <a:rPr lang="en-GB" sz="1600" b="0" i="0" dirty="0"/>
+              <a:t> o </a:t>
+            </a:r>
+            <a:r>
+              <a:rPr lang="en-GB" sz="1600" b="0" i="0" dirty="0" err="1"/>
+              <a:t>diferencial</a:t>
+            </a:r>
+            <a:r>
+              <a:rPr lang="en-GB" sz="1600" b="0" i="0" dirty="0"/>
+              <a:t> entre a </a:t>
+            </a:r>
+            <a:r>
+              <a:rPr lang="en-GB" sz="1600" b="0" i="0" dirty="0" err="1"/>
+              <a:t>cópia</a:t>
+            </a:r>
+            <a:r>
+              <a:rPr lang="en-GB" sz="1600" b="0" i="0" dirty="0"/>
+              <a:t> e a </a:t>
+            </a:r>
+            <a:r>
+              <a:rPr lang="en-GB" sz="1600" b="0" i="0" dirty="0" err="1"/>
+              <a:t>versão</a:t>
+            </a:r>
+            <a:r>
+              <a:rPr lang="en-GB" sz="1600" b="0" i="0" dirty="0"/>
+              <a:t> no </a:t>
+            </a:r>
+            <a:r>
+              <a:rPr lang="en-GB" sz="1600" b="0" i="0" dirty="0" err="1"/>
+              <a:t>repositório</a:t>
+            </a:r>
+            <a:r>
+              <a:rPr lang="en-GB" sz="1600" b="0" i="0" dirty="0"/>
+              <a:t> para </a:t>
+            </a:r>
+            <a:r>
+              <a:rPr lang="en-GB" sz="1600" b="0" i="0" dirty="0" err="1"/>
+              <a:t>minimizar</a:t>
+            </a:r>
+            <a:r>
+              <a:rPr lang="en-GB" sz="1600" b="0" i="0" dirty="0"/>
+              <a:t> as </a:t>
+            </a:r>
+            <a:r>
+              <a:rPr lang="en-GB" sz="1600" b="0" i="0" dirty="0" err="1"/>
+              <a:t>comunicações</a:t>
+            </a:r>
+            <a:r>
+              <a:rPr lang="en-GB" sz="1600" b="0" i="0" dirty="0"/>
+              <a:t> e </a:t>
+            </a:r>
+            <a:r>
+              <a:rPr lang="en-GB" sz="1600" b="0" i="0" dirty="0" err="1"/>
+              <a:t>armazenamento</a:t>
+            </a:r>
+            <a:r>
+              <a:rPr lang="en-GB" sz="1600" b="0" i="0" dirty="0"/>
+              <a:t>. </a:t>
+            </a:r>
+            <a:endParaRPr lang="pt-PT" sz="1600" b="0" i="0" dirty="0"/>
+          </a:p>
+        </p:txBody>
+      </p:sp>
+    </p:spTree>
+    <p:extLst>
+      <p:ext uri="{BB962C8B-B14F-4D97-AF65-F5344CB8AC3E}">
+        <p14:creationId xmlns:p14="http://schemas.microsoft.com/office/powerpoint/2010/main" val="2759008747"/>
+      </p:ext>
+    </p:extLst>
+  </p:cSld>
+  <p:clrMapOvr>
+    <a:masterClrMapping/>
+  </p:clrMapOvr>
+  <p:timing>
+    <p:tnLst>
+      <p:par>
+        <p:cTn id="1" dur="indefinite" restart="never" nodeType="tmRoot">
+          <p:childTnLst>
+            <p:seq concurrent="1" nextAc="seek">
+              <p:cTn id="2" dur="indefinite" nodeType="mainSeq">
+                <p:childTnLst>
+                  <p:par>
+                    <p:cTn id="3" fill="hold">
+                      <p:stCondLst>
+                        <p:cond delay="indefinite"/>
+                        <p:cond evt="onBegin" delay="0">
+                          <p:tn val="2"/>
+                        </p:cond>
+                      </p:stCondLst>
+                      <p:childTnLst>
+                        <p:par>
+                          <p:cTn id="4" fill="hold">
+                            <p:stCondLst>
+                              <p:cond delay="0"/>
+                            </p:stCondLst>
+                            <p:childTnLst>
+                              <p:par>
+                                <p:cTn id="5" presetID="42" presetClass="entr" presetSubtype="0" fill="hold" grpId="0" nodeType="afterEffect">
+                                  <p:stCondLst>
+                                    <p:cond delay="0"/>
+                                  </p:stCondLst>
+                                  <p:childTnLst>
+                                    <p:set>
+                                      <p:cBhvr>
+                                        <p:cTn id="6" dur="1" fill="hold">
+                                          <p:stCondLst>
+                                            <p:cond delay="0"/>
+                                          </p:stCondLst>
+                                        </p:cTn>
+                                        <p:tgtEl>
+                                          <p:spTgt spid="4"/>
+                                        </p:tgtEl>
+                                        <p:attrNameLst>
+                                          <p:attrName>style.visibility</p:attrName>
+                                        </p:attrNameLst>
+                                      </p:cBhvr>
+                                      <p:to>
+                                        <p:strVal val="visible"/>
+                                      </p:to>
+                                    </p:set>
+                                    <p:animEffect transition="in" filter="fade">
+                                      <p:cBhvr>
+                                        <p:cTn id="7" dur="500"/>
+                                        <p:tgtEl>
+                                          <p:spTgt spid="4"/>
+                                        </p:tgtEl>
+                                      </p:cBhvr>
+                                    </p:animEffect>
+                                    <p:anim calcmode="lin" valueType="num">
+                                      <p:cBhvr>
+                                        <p:cTn id="8" dur="500" fill="hold"/>
+                                        <p:tgtEl>
+                                          <p:spTgt spid="4"/>
+                                        </p:tgtEl>
+                                        <p:attrNameLst>
+                                          <p:attrName>ppt_x</p:attrName>
+                                        </p:attrNameLst>
+                                      </p:cBhvr>
+                                      <p:tavLst>
+                                        <p:tav tm="0">
+                                          <p:val>
+                                            <p:strVal val="#ppt_x"/>
+                                          </p:val>
+                                        </p:tav>
+                                        <p:tav tm="100000">
+                                          <p:val>
+                                            <p:strVal val="#ppt_x"/>
+                                          </p:val>
+                                        </p:tav>
+                                      </p:tavLst>
+                                    </p:anim>
+                                    <p:anim calcmode="lin" valueType="num">
+                                      <p:cBhvr>
+                                        <p:cTn id="9" dur="500" fill="hold"/>
+                                        <p:tgtEl>
+                                          <p:spTgt spid="4"/>
+                                        </p:tgtEl>
+                                        <p:attrNameLst>
+                                          <p:attrName>ppt_y</p:attrName>
+                                        </p:attrNameLst>
+                                      </p:cBhvr>
+                                      <p:tavLst>
+                                        <p:tav tm="0">
+                                          <p:val>
+                                            <p:strVal val="#ppt_y+.1"/>
+                                          </p:val>
+                                        </p:tav>
+                                        <p:tav tm="100000">
+                                          <p:val>
+                                            <p:strVal val="#ppt_y"/>
+                                          </p:val>
+                                        </p:tav>
+                                      </p:tavLst>
+                                    </p:anim>
+                                  </p:childTnLst>
+                                </p:cTn>
+                              </p:par>
+                            </p:childTnLst>
+                          </p:cTn>
+                        </p:par>
+                      </p:childTnLst>
+                    </p:cTn>
+                  </p:par>
+                </p:childTnLst>
+              </p:cTn>
+              <p:prevCondLst>
+                <p:cond evt="onPrev" delay="0">
+                  <p:tgtEl>
+                    <p:sldTgt/>
+                  </p:tgtEl>
+                </p:cond>
+              </p:prevCondLst>
+              <p:nextCondLst>
+                <p:cond evt="onNext" delay="0">
+                  <p:tgtEl>
+                    <p:sldTgt/>
+                  </p:tgtEl>
+                </p:cond>
+              </p:nextCondLst>
+            </p:seq>
+          </p:childTnLst>
+        </p:cTn>
+      </p:par>
+    </p:tnLst>
+    <p:bldLst>
+      <p:bldP spid="4" grpId="0"/>
+    </p:bldLst>
+  </p:timing>
+</p:sld>
+</file>
+
+<file path=ppt/slides/slide12.xml><?xml version="1.0" encoding="utf-8"?>
+<p:sld xmlns:a="http://schemas.openxmlformats.org/drawingml/2006/main" xmlns:r="http://schemas.openxmlformats.org/officeDocument/2006/relationships" xmlns:p="http://schemas.openxmlformats.org/presentationml/2006/main">
+  <p:cSld>
+    <p:spTree>
+      <p:nvGrpSpPr>
+        <p:cNvPr id="1" name=""/>
+        <p:cNvGrpSpPr/>
+        <p:nvPr/>
+      </p:nvGrpSpPr>
+      <p:grpSpPr>
+        <a:xfrm>
+          <a:off x="0" y="0"/>
+          <a:ext cx="0" cy="0"/>
+          <a:chOff x="0" y="0"/>
+          <a:chExt cx="0" cy="0"/>
+        </a:xfrm>
+      </p:grpSpPr>
+      <p:sp>
+        <p:nvSpPr>
+          <p:cNvPr id="148482" name="Rectangle 2"/>
+          <p:cNvSpPr>
+            <a:spLocks noGrp="1" noChangeArrowheads="1"/>
+          </p:cNvSpPr>
+          <p:nvPr>
+            <p:ph type="title" idx="4294967295"/>
+          </p:nvPr>
+        </p:nvSpPr>
+        <p:spPr bwMode="auto">
+          <a:xfrm>
+            <a:off x="3006330" y="193204"/>
+            <a:ext cx="5310086" cy="432048"/>
+          </a:xfrm>
+          <a:prstGeom prst="rect">
+            <a:avLst/>
+          </a:prstGeom>
+          <a:noFill/>
+          <a:ln>
+            <a:miter lim="800000"/>
+            <a:headEnd/>
+            <a:tailEnd/>
+          </a:ln>
+        </p:spPr>
+        <p:txBody>
+          <a:bodyPr vert="horz" wrap="square" lIns="71323" tIns="35662" rIns="71323" bIns="35662" numCol="1" anchor="t" anchorCtr="0" compatLnSpc="1">
+            <a:prstTxWarp prst="textNoShape">
+              <a:avLst/>
+            </a:prstTxWarp>
+          </a:bodyPr>
+          <a:lstStyle/>
+          <a:p>
+            <a:pPr algn="r"/>
+            <a:r>
+              <a:rPr lang="pt-PT" sz="1000" b="1" i="1" dirty="0">
+                <a:solidFill>
+                  <a:srgbClr val="FF0000"/>
+                </a:solidFill>
+                <a:latin typeface="Arial" charset="0"/>
+              </a:rPr>
+              <a:t>SOP-T2-SFDVC</a:t>
+            </a:r>
+            <a:br>
+              <a:rPr lang="pt-PT" sz="900" b="1" i="1" dirty="0">
+                <a:solidFill>
+                  <a:srgbClr val="FF0000"/>
+                </a:solidFill>
+                <a:latin typeface="Arial" charset="0"/>
+              </a:rPr>
+            </a:br>
+            <a:r>
+              <a:rPr lang="pt-PT" sz="1800" b="1" i="1" cap="small" dirty="0">
+                <a:solidFill>
+                  <a:srgbClr val="FF0000"/>
+                </a:solidFill>
+                <a:latin typeface="Arial" charset="0"/>
+              </a:rPr>
+              <a:t>Exemplo Prático</a:t>
+            </a:r>
+          </a:p>
+        </p:txBody>
+      </p:sp>
+      <p:sp>
+        <p:nvSpPr>
+          <p:cNvPr id="4" name="Rectangle 7"/>
+          <p:cNvSpPr>
+            <a:spLocks noChangeArrowheads="1"/>
+          </p:cNvSpPr>
+          <p:nvPr/>
+        </p:nvSpPr>
+        <p:spPr bwMode="auto">
+          <a:xfrm>
+            <a:off x="539552" y="877094"/>
+            <a:ext cx="8064896" cy="4315528"/>
+          </a:xfrm>
+          <a:prstGeom prst="rect">
+            <a:avLst/>
+          </a:prstGeom>
+          <a:noFill/>
+          <a:ln w="9525">
+            <a:noFill/>
+            <a:miter lim="800000"/>
+            <a:headEnd/>
+            <a:tailEnd/>
+          </a:ln>
+          <a:effectLst/>
+        </p:spPr>
+        <p:txBody>
+          <a:bodyPr wrap="square" lIns="62408" tIns="31204" rIns="62408" bIns="31204">
+            <a:spAutoFit/>
+          </a:bodyPr>
+          <a:lstStyle/>
+          <a:p>
+            <a:pPr algn="just" defTabSz="624078">
+              <a:lnSpc>
+                <a:spcPct val="120000"/>
+              </a:lnSpc>
+            </a:pPr>
+            <a:r>
+              <a:rPr lang="pt-BR" sz="2000" i="0" dirty="0">
+                <a:latin typeface="Courier New" panose="02070309020205020404" pitchFamily="49" charset="0"/>
+                <a:cs typeface="Courier New" panose="02070309020205020404" pitchFamily="49" charset="0"/>
+              </a:rPr>
+              <a:t>svn update [PATH...]</a:t>
+            </a:r>
+          </a:p>
+          <a:p>
+            <a:pPr marL="560928" lvl="1" indent="-209265" algn="just" defTabSz="624078">
+              <a:lnSpc>
+                <a:spcPct val="120000"/>
+              </a:lnSpc>
+              <a:buFont typeface="Wingdings" pitchFamily="2" charset="2"/>
+              <a:buChar char="Ø"/>
+            </a:pPr>
+            <a:r>
+              <a:rPr lang="pt-PT" sz="1600" b="0" i="0" dirty="0"/>
+              <a:t>Obtem as últimas versões do repositório com base na pasta atual ou pasta indicada (PATH) para a cópia local;</a:t>
+            </a:r>
+          </a:p>
+          <a:p>
+            <a:pPr marL="560928" lvl="1" indent="-209265" algn="just" defTabSz="624078">
+              <a:lnSpc>
+                <a:spcPct val="120000"/>
+              </a:lnSpc>
+              <a:buFont typeface="Wingdings" pitchFamily="2" charset="2"/>
+              <a:buChar char="Ø"/>
+            </a:pPr>
+            <a:r>
+              <a:rPr lang="pt-PT" sz="1600" b="0" i="0" dirty="0"/>
+              <a:t>Caso existam sobreposições ou incongruências entre a versão do repositório e a versão local, podem ser são criados ficheiros com cda uma das versões;</a:t>
+            </a:r>
+          </a:p>
+          <a:p>
+            <a:pPr marL="560928" lvl="1" indent="-209265" algn="just" defTabSz="624078">
+              <a:lnSpc>
+                <a:spcPct val="120000"/>
+              </a:lnSpc>
+              <a:buFont typeface="Wingdings" pitchFamily="2" charset="2"/>
+              <a:buChar char="Ø"/>
+            </a:pPr>
+            <a:r>
+              <a:rPr lang="pt-PT" sz="1600" b="0" i="0" dirty="0"/>
+              <a:t>Em ficheiros de texto pode ser feito o “merge” (junção) dos textos das duas versões;</a:t>
+            </a:r>
+          </a:p>
+          <a:p>
+            <a:pPr marL="560928" lvl="1" indent="-209265" algn="just" defTabSz="624078">
+              <a:lnSpc>
+                <a:spcPct val="120000"/>
+              </a:lnSpc>
+              <a:buFont typeface="Wingdings" pitchFamily="2" charset="2"/>
+              <a:buChar char="Ø"/>
+            </a:pPr>
+            <a:r>
+              <a:rPr lang="en-GB" sz="1600" b="0" i="0" dirty="0" err="1"/>
+              <a:t>Os</a:t>
+            </a:r>
+            <a:r>
+              <a:rPr lang="en-GB" sz="1600" b="0" i="0" dirty="0"/>
+              <a:t> dados </a:t>
+            </a:r>
+            <a:r>
+              <a:rPr lang="en-GB" sz="1600" b="0" i="0" dirty="0" err="1"/>
+              <a:t>tranferidos</a:t>
+            </a:r>
+            <a:r>
+              <a:rPr lang="en-GB" sz="1600" b="0" i="0" dirty="0"/>
+              <a:t> </a:t>
+            </a:r>
+            <a:r>
+              <a:rPr lang="en-GB" sz="1600" b="0" i="0" dirty="0" err="1"/>
+              <a:t>são</a:t>
+            </a:r>
+            <a:r>
+              <a:rPr lang="en-GB" sz="1600" b="0" i="0" dirty="0"/>
+              <a:t> o </a:t>
+            </a:r>
+            <a:r>
+              <a:rPr lang="en-GB" sz="1600" b="0" i="0" dirty="0" err="1"/>
+              <a:t>diferencial</a:t>
+            </a:r>
+            <a:r>
+              <a:rPr lang="en-GB" sz="1600" b="0" i="0" dirty="0"/>
+              <a:t> entre a </a:t>
+            </a:r>
+            <a:r>
+              <a:rPr lang="en-GB" sz="1600" b="0" i="0" dirty="0" err="1"/>
+              <a:t>cópia</a:t>
+            </a:r>
+            <a:r>
+              <a:rPr lang="en-GB" sz="1600" b="0" i="0" dirty="0"/>
+              <a:t> no </a:t>
+            </a:r>
+            <a:r>
+              <a:rPr lang="en-GB" sz="1600" b="0" i="0" dirty="0" err="1"/>
+              <a:t>repositório</a:t>
+            </a:r>
+            <a:r>
+              <a:rPr lang="en-GB" sz="1600" b="0" i="0" dirty="0"/>
+              <a:t> e a </a:t>
+            </a:r>
+            <a:r>
+              <a:rPr lang="en-GB" sz="1600" b="0" i="0" dirty="0" err="1"/>
+              <a:t>cópia</a:t>
+            </a:r>
+            <a:r>
+              <a:rPr lang="en-GB" sz="1600" b="0" i="0" dirty="0"/>
+              <a:t> local para </a:t>
+            </a:r>
+            <a:r>
+              <a:rPr lang="en-GB" sz="1600" b="0" i="0" dirty="0" err="1"/>
+              <a:t>minimizar</a:t>
+            </a:r>
+            <a:r>
+              <a:rPr lang="en-GB" sz="1600" b="0" i="0" dirty="0"/>
+              <a:t> as </a:t>
+            </a:r>
+            <a:r>
+              <a:rPr lang="en-GB" sz="1600" b="0" i="0" dirty="0" err="1"/>
+              <a:t>comunicações</a:t>
+            </a:r>
+            <a:r>
+              <a:rPr lang="en-GB" sz="1600" b="0" i="0" dirty="0"/>
+              <a:t> e </a:t>
+            </a:r>
+            <a:r>
+              <a:rPr lang="en-GB" sz="1600" b="0" i="0" dirty="0" err="1"/>
+              <a:t>armazenamento</a:t>
+            </a:r>
+            <a:r>
+              <a:rPr lang="en-GB" sz="1600" b="0" i="0" dirty="0"/>
+              <a:t>.</a:t>
+            </a:r>
+          </a:p>
+          <a:p>
+            <a:pPr algn="just" defTabSz="624078">
+              <a:lnSpc>
+                <a:spcPct val="120000"/>
+              </a:lnSpc>
+            </a:pPr>
+            <a:r>
+              <a:rPr lang="pt-BR" sz="2000" i="0" dirty="0">
+                <a:latin typeface="Courier New" panose="02070309020205020404" pitchFamily="49" charset="0"/>
+                <a:cs typeface="Courier New" panose="02070309020205020404" pitchFamily="49" charset="0"/>
+              </a:rPr>
+              <a:t>svn delete PATH...</a:t>
+            </a:r>
+          </a:p>
+          <a:p>
+            <a:pPr marL="560928" lvl="1" indent="-209265" algn="just" defTabSz="624078">
+              <a:lnSpc>
+                <a:spcPct val="120000"/>
+              </a:lnSpc>
+              <a:buFont typeface="Wingdings" pitchFamily="2" charset="2"/>
+              <a:buChar char="Ø"/>
+            </a:pPr>
+            <a:r>
+              <a:rPr lang="pt-PT" sz="1600" b="0" i="0" dirty="0"/>
+              <a:t>Remove os ficheiros da copia local;</a:t>
+            </a:r>
+          </a:p>
+          <a:p>
+            <a:pPr marL="560928" lvl="1" indent="-209265" algn="just" defTabSz="624078">
+              <a:lnSpc>
+                <a:spcPct val="120000"/>
+              </a:lnSpc>
+              <a:buFont typeface="Wingdings" pitchFamily="2" charset="2"/>
+              <a:buChar char="Ø"/>
+            </a:pPr>
+            <a:r>
+              <a:rPr lang="pt-PT" sz="1600" b="0" i="0" dirty="0"/>
+              <a:t>Os ficheiros só são removidos da versão atual no </a:t>
+            </a:r>
+            <a:r>
+              <a:rPr lang="pt-PT" sz="1600" b="0" i="0" dirty="0" err="1"/>
+              <a:t>reposítorio</a:t>
+            </a:r>
+            <a:r>
+              <a:rPr lang="pt-PT" sz="1600" b="0" i="0" dirty="0"/>
+              <a:t> quando efetuado o  </a:t>
+            </a:r>
+            <a:r>
+              <a:rPr lang="pt-PT" sz="1600" b="0" dirty="0" err="1"/>
+              <a:t>submmit</a:t>
+            </a:r>
+            <a:r>
+              <a:rPr lang="pt-PT" sz="1600" b="0" i="0" dirty="0"/>
+              <a:t>;</a:t>
+            </a:r>
+          </a:p>
+          <a:p>
+            <a:pPr marL="560928" lvl="1" indent="-209265" algn="just" defTabSz="624078">
+              <a:lnSpc>
+                <a:spcPct val="120000"/>
+              </a:lnSpc>
+              <a:buFont typeface="Wingdings" pitchFamily="2" charset="2"/>
+              <a:buChar char="Ø"/>
+            </a:pPr>
+            <a:r>
+              <a:rPr lang="pt-PT" sz="1600" b="0" i="0" dirty="0"/>
+              <a:t>Os ficheiros são mantidos no repositório para as versões anteriores.</a:t>
+            </a:r>
+          </a:p>
+        </p:txBody>
+      </p:sp>
+    </p:spTree>
+    <p:extLst>
+      <p:ext uri="{BB962C8B-B14F-4D97-AF65-F5344CB8AC3E}">
+        <p14:creationId xmlns:p14="http://schemas.microsoft.com/office/powerpoint/2010/main" val="2632657009"/>
+      </p:ext>
+    </p:extLst>
+  </p:cSld>
+  <p:clrMapOvr>
+    <a:masterClrMapping/>
+  </p:clrMapOvr>
+  <p:timing>
+    <p:tnLst>
+      <p:par>
+        <p:cTn id="1" dur="indefinite" restart="never" nodeType="tmRoot">
+          <p:childTnLst>
+            <p:seq concurrent="1" nextAc="seek">
+              <p:cTn id="2" dur="indefinite" nodeType="mainSeq">
+                <p:childTnLst>
+                  <p:par>
+                    <p:cTn id="3" fill="hold">
+                      <p:stCondLst>
+                        <p:cond delay="indefinite"/>
+                        <p:cond evt="onBegin" delay="0">
+                          <p:tn val="2"/>
+                        </p:cond>
+                      </p:stCondLst>
+                      <p:childTnLst>
+                        <p:par>
+                          <p:cTn id="4" fill="hold">
+                            <p:stCondLst>
+                              <p:cond delay="0"/>
+                            </p:stCondLst>
+                            <p:childTnLst>
+                              <p:par>
+                                <p:cTn id="5" presetID="42" presetClass="entr" presetSubtype="0" fill="hold" grpId="0" nodeType="afterEffect">
+                                  <p:stCondLst>
+                                    <p:cond delay="0"/>
+                                  </p:stCondLst>
+                                  <p:childTnLst>
+                                    <p:set>
+                                      <p:cBhvr>
+                                        <p:cTn id="6" dur="1" fill="hold">
+                                          <p:stCondLst>
+                                            <p:cond delay="0"/>
+                                          </p:stCondLst>
+                                        </p:cTn>
+                                        <p:tgtEl>
+                                          <p:spTgt spid="4"/>
+                                        </p:tgtEl>
+                                        <p:attrNameLst>
+                                          <p:attrName>style.visibility</p:attrName>
+                                        </p:attrNameLst>
+                                      </p:cBhvr>
+                                      <p:to>
+                                        <p:strVal val="visible"/>
+                                      </p:to>
+                                    </p:set>
+                                    <p:animEffect transition="in" filter="fade">
+                                      <p:cBhvr>
+                                        <p:cTn id="7" dur="500"/>
+                                        <p:tgtEl>
+                                          <p:spTgt spid="4"/>
+                                        </p:tgtEl>
+                                      </p:cBhvr>
+                                    </p:animEffect>
+                                    <p:anim calcmode="lin" valueType="num">
+                                      <p:cBhvr>
+                                        <p:cTn id="8" dur="500" fill="hold"/>
+                                        <p:tgtEl>
+                                          <p:spTgt spid="4"/>
+                                        </p:tgtEl>
+                                        <p:attrNameLst>
+                                          <p:attrName>ppt_x</p:attrName>
+                                        </p:attrNameLst>
+                                      </p:cBhvr>
+                                      <p:tavLst>
+                                        <p:tav tm="0">
+                                          <p:val>
+                                            <p:strVal val="#ppt_x"/>
+                                          </p:val>
+                                        </p:tav>
+                                        <p:tav tm="100000">
+                                          <p:val>
+                                            <p:strVal val="#ppt_x"/>
+                                          </p:val>
+                                        </p:tav>
+                                      </p:tavLst>
+                                    </p:anim>
+                                    <p:anim calcmode="lin" valueType="num">
+                                      <p:cBhvr>
+                                        <p:cTn id="9" dur="500" fill="hold"/>
+                                        <p:tgtEl>
+                                          <p:spTgt spid="4"/>
+                                        </p:tgtEl>
+                                        <p:attrNameLst>
+                                          <p:attrName>ppt_y</p:attrName>
+                                        </p:attrNameLst>
+                                      </p:cBhvr>
+                                      <p:tavLst>
+                                        <p:tav tm="0">
+                                          <p:val>
+                                            <p:strVal val="#ppt_y+.1"/>
+                                          </p:val>
+                                        </p:tav>
+                                        <p:tav tm="100000">
+                                          <p:val>
+                                            <p:strVal val="#ppt_y"/>
+                                          </p:val>
+                                        </p:tav>
+                                      </p:tavLst>
+                                    </p:anim>
+                                  </p:childTnLst>
+                                </p:cTn>
+                              </p:par>
+                            </p:childTnLst>
+                          </p:cTn>
+                        </p:par>
+                      </p:childTnLst>
+                    </p:cTn>
+                  </p:par>
+                </p:childTnLst>
+              </p:cTn>
+              <p:prevCondLst>
+                <p:cond evt="onPrev" delay="0">
+                  <p:tgtEl>
+                    <p:sldTgt/>
+                  </p:tgtEl>
+                </p:cond>
+              </p:prevCondLst>
+              <p:nextCondLst>
+                <p:cond evt="onNext" delay="0">
+                  <p:tgtEl>
+                    <p:sldTgt/>
+                  </p:tgtEl>
+                </p:cond>
+              </p:nextCondLst>
+            </p:seq>
+          </p:childTnLst>
+        </p:cTn>
+      </p:par>
+    </p:tnLst>
+    <p:bldLst>
+      <p:bldP spid="4" grpId="0"/>
+    </p:bldLst>
+  </p:timing>
+</p:sld>
+</file>
+
+<file path=ppt/slides/slide13.xml><?xml version="1.0" encoding="utf-8"?>
+<p:sld xmlns:a="http://schemas.openxmlformats.org/drawingml/2006/main" xmlns:r="http://schemas.openxmlformats.org/officeDocument/2006/relationships" xmlns:p="http://schemas.openxmlformats.org/presentationml/2006/main">
+  <p:cSld>
+    <p:spTree>
+      <p:nvGrpSpPr>
+        <p:cNvPr id="1" name=""/>
+        <p:cNvGrpSpPr/>
+        <p:nvPr/>
+      </p:nvGrpSpPr>
+      <p:grpSpPr>
+        <a:xfrm>
+          <a:off x="0" y="0"/>
+          <a:ext cx="0" cy="0"/>
+          <a:chOff x="0" y="0"/>
+          <a:chExt cx="0" cy="0"/>
+        </a:xfrm>
+      </p:grpSpPr>
+      <p:sp>
+        <p:nvSpPr>
+          <p:cNvPr id="148482" name="Rectangle 2"/>
+          <p:cNvSpPr>
+            <a:spLocks noGrp="1" noChangeArrowheads="1"/>
+          </p:cNvSpPr>
+          <p:nvPr>
+            <p:ph type="title" idx="4294967295"/>
+          </p:nvPr>
+        </p:nvSpPr>
+        <p:spPr bwMode="auto">
+          <a:xfrm>
+            <a:off x="3006330" y="193204"/>
+            <a:ext cx="5310086" cy="432048"/>
+          </a:xfrm>
+          <a:prstGeom prst="rect">
+            <a:avLst/>
+          </a:prstGeom>
+          <a:noFill/>
+          <a:ln>
+            <a:miter lim="800000"/>
+            <a:headEnd/>
+            <a:tailEnd/>
+          </a:ln>
+        </p:spPr>
+        <p:txBody>
+          <a:bodyPr vert="horz" wrap="square" lIns="71323" tIns="35662" rIns="71323" bIns="35662" numCol="1" anchor="t" anchorCtr="0" compatLnSpc="1">
+            <a:prstTxWarp prst="textNoShape">
+              <a:avLst/>
+            </a:prstTxWarp>
+          </a:bodyPr>
+          <a:lstStyle/>
+          <a:p>
+            <a:pPr algn="r"/>
+            <a:br>
+              <a:rPr lang="pt-PT" sz="1000" b="1" i="1" dirty="0">
+                <a:solidFill>
+                  <a:srgbClr val="FF0000"/>
+                </a:solidFill>
+                <a:latin typeface="Arial" charset="0"/>
+              </a:rPr>
+            </a:br>
+            <a:r>
+              <a:rPr lang="pt-PT" sz="1800" b="1" i="1" cap="small" dirty="0">
+                <a:solidFill>
+                  <a:srgbClr val="FF0000"/>
+                </a:solidFill>
+                <a:latin typeface="Arial" charset="0"/>
+              </a:rPr>
+              <a:t>Alinhamento</a:t>
+            </a:r>
+          </a:p>
+        </p:txBody>
+      </p:sp>
+      <p:sp>
+        <p:nvSpPr>
+          <p:cNvPr id="148483" name="Rectangle 3"/>
+          <p:cNvSpPr>
+            <a:spLocks noChangeArrowheads="1"/>
+          </p:cNvSpPr>
+          <p:nvPr/>
+        </p:nvSpPr>
+        <p:spPr bwMode="auto">
+          <a:xfrm>
+            <a:off x="540000" y="900000"/>
+            <a:ext cx="8136456" cy="1877938"/>
+          </a:xfrm>
+          <a:prstGeom prst="rect">
+            <a:avLst/>
+          </a:prstGeom>
+          <a:noFill/>
+          <a:ln w="9525">
+            <a:noFill/>
+            <a:miter lim="800000"/>
+            <a:headEnd/>
+            <a:tailEnd/>
+          </a:ln>
+          <a:effectLst/>
+        </p:spPr>
+        <p:txBody>
+          <a:bodyPr wrap="square" lIns="62408" tIns="31204" rIns="62408" bIns="31204">
+            <a:spAutoFit/>
+          </a:bodyPr>
+          <a:lstStyle/>
+          <a:p>
+            <a:pPr marL="271463" indent="-271463" algn="l" defTabSz="800100">
+              <a:lnSpc>
+                <a:spcPct val="120000"/>
+              </a:lnSpc>
+              <a:buFont typeface="Wingdings" pitchFamily="2" charset="2"/>
+              <a:buChar char="Ø"/>
+            </a:pPr>
+            <a:r>
+              <a:rPr lang="pt-PT" sz="2000" i="0" dirty="0">
+                <a:solidFill>
+                  <a:srgbClr val="0033CC"/>
+                </a:solidFill>
+              </a:rPr>
+              <a:t>Armazenamento </a:t>
+            </a:r>
+            <a:r>
+              <a:rPr lang="pt-PT" sz="2000" i="0" dirty="0" err="1">
+                <a:solidFill>
+                  <a:srgbClr val="0033CC"/>
+                </a:solidFill>
+              </a:rPr>
+              <a:t>Cloud</a:t>
+            </a:r>
+            <a:r>
+              <a:rPr lang="pt-PT" sz="2000" i="0" dirty="0"/>
+              <a:t>:</a:t>
+            </a:r>
+          </a:p>
+          <a:p>
+            <a:pPr marL="719138" lvl="1" indent="-268288" algn="just" defTabSz="800100">
+              <a:lnSpc>
+                <a:spcPct val="120000"/>
+              </a:lnSpc>
+              <a:buFont typeface="Wingdings" pitchFamily="2" charset="2"/>
+              <a:buChar char="Ø"/>
+            </a:pPr>
+            <a:r>
+              <a:rPr lang="pt-PT" sz="1600" b="0" i="0" dirty="0"/>
+              <a:t>Todos os ficheiros residem na </a:t>
+            </a:r>
+            <a:r>
+              <a:rPr lang="pt-PT" sz="1600" b="0" i="0" dirty="0" err="1"/>
+              <a:t>Cloud</a:t>
+            </a:r>
+            <a:r>
+              <a:rPr lang="pt-PT" sz="1600" b="0" i="0" dirty="0"/>
+              <a:t> da entidade que fornece o serviço (e.g. 1 TB para alunos da UTAD no serviço OneDrive da Microsoft);</a:t>
+            </a:r>
+          </a:p>
+          <a:p>
+            <a:pPr marL="719138" lvl="1" indent="-268288" algn="just" defTabSz="800100">
+              <a:lnSpc>
+                <a:spcPct val="120000"/>
+              </a:lnSpc>
+              <a:buFont typeface="Wingdings" pitchFamily="2" charset="2"/>
+              <a:buChar char="Ø"/>
+            </a:pPr>
+            <a:r>
+              <a:rPr lang="pt-PT" sz="1600" b="0" i="0" dirty="0"/>
+              <a:t>Os ficheiros pode ter uma cópia local (armazenamento local do dispositivo);</a:t>
+            </a:r>
+          </a:p>
+          <a:p>
+            <a:pPr marL="719138" lvl="1" indent="-268288" algn="just" defTabSz="800100">
+              <a:lnSpc>
+                <a:spcPct val="120000"/>
+              </a:lnSpc>
+              <a:buFont typeface="Wingdings" pitchFamily="2" charset="2"/>
+              <a:buChar char="Ø"/>
+            </a:pPr>
+            <a:r>
+              <a:rPr lang="pt-PT" sz="1600" b="0" i="0" dirty="0"/>
+              <a:t>O sincronismo é feito pelo sistema operativo/serviço: Obter uma cópia quando ficheiro é utilizado, guardar alteração pouco depois de alterar a </a:t>
+            </a:r>
+            <a:r>
+              <a:rPr lang="pt-PT" sz="1600" b="0" i="0"/>
+              <a:t>cópia local.</a:t>
+            </a:r>
+            <a:endParaRPr lang="pt-PT" sz="1600" b="0" i="0" dirty="0"/>
+          </a:p>
+        </p:txBody>
+      </p:sp>
+      <p:pic>
+        <p:nvPicPr>
+          <p:cNvPr id="1026" name="Picture 2" descr="onedrive-status-icons-meaning">
+            <a:extLst>
+              <a:ext uri="{FF2B5EF4-FFF2-40B4-BE49-F238E27FC236}">
+                <a16:creationId xmlns:a16="http://schemas.microsoft.com/office/drawing/2014/main" id="{F24FAEE0-0498-42BB-DF3F-67DFD6AAAD3F}"/>
+              </a:ext>
+            </a:extLst>
+          </p:cNvPr>
+          <p:cNvPicPr>
+            <a:picLocks noChangeAspect="1" noChangeArrowheads="1"/>
+          </p:cNvPicPr>
+          <p:nvPr/>
+        </p:nvPicPr>
+        <p:blipFill>
+          <a:blip r:embed="rId3">
+            <a:extLst>
+              <a:ext uri="{28A0092B-C50C-407E-A947-70E740481C1C}">
+                <a14:useLocalDpi xmlns:a14="http://schemas.microsoft.com/office/drawing/2010/main" val="0"/>
+              </a:ext>
+            </a:extLst>
+          </a:blip>
+          <a:srcRect/>
+          <a:stretch>
+            <a:fillRect/>
+          </a:stretch>
+        </p:blipFill>
+        <p:spPr bwMode="auto">
+          <a:xfrm>
+            <a:off x="4499992" y="2816026"/>
+            <a:ext cx="4115371" cy="2370337"/>
+          </a:xfrm>
+          <a:prstGeom prst="rect">
+            <a:avLst/>
+          </a:prstGeom>
+          <a:noFill/>
+          <a:extLst>
+            <a:ext uri="{909E8E84-426E-40DD-AFC4-6F175D3DCCD1}">
+              <a14:hiddenFill xmlns:a14="http://schemas.microsoft.com/office/drawing/2010/main">
+                <a:solidFill>
+                  <a:srgbClr val="FFFFFF"/>
+                </a:solidFill>
+              </a14:hiddenFill>
+            </a:ext>
+          </a:extLst>
+        </p:spPr>
+      </p:pic>
+      <p:sp>
+        <p:nvSpPr>
+          <p:cNvPr id="2" name="Text Box 19">
+            <a:extLst>
+              <a:ext uri="{FF2B5EF4-FFF2-40B4-BE49-F238E27FC236}">
+                <a16:creationId xmlns:a16="http://schemas.microsoft.com/office/drawing/2014/main" id="{91A229F4-9CAA-EC6B-EB10-68E02038D998}"/>
+              </a:ext>
+            </a:extLst>
+          </p:cNvPr>
+          <p:cNvSpPr txBox="1">
+            <a:spLocks noChangeArrowheads="1"/>
+          </p:cNvSpPr>
+          <p:nvPr/>
+        </p:nvSpPr>
+        <p:spPr bwMode="auto">
+          <a:xfrm>
+            <a:off x="467544" y="5138210"/>
+            <a:ext cx="8280920" cy="195131"/>
+          </a:xfrm>
+          <a:prstGeom prst="rect">
+            <a:avLst/>
+          </a:prstGeom>
+          <a:noFill/>
+          <a:ln w="9525" algn="ctr">
+            <a:noFill/>
+            <a:miter lim="800000"/>
+            <a:headEnd/>
+            <a:tailEnd/>
+          </a:ln>
+          <a:effectLst/>
+        </p:spPr>
+        <p:txBody>
+          <a:bodyPr wrap="square" lIns="71323" tIns="35662" rIns="71323" bIns="35662">
+            <a:spAutoFit/>
+          </a:bodyPr>
+          <a:lstStyle/>
+          <a:p>
+            <a:pPr algn="l" eaLnBrk="1" hangingPunct="1">
+              <a:spcBef>
+                <a:spcPct val="50000"/>
+              </a:spcBef>
+            </a:pPr>
+            <a:r>
+              <a:rPr lang="pt-PT" sz="800" b="0" dirty="0"/>
+              <a:t>Nota: Imagem obtida em </a:t>
+            </a:r>
+            <a:r>
+              <a:rPr lang="pt-PT" sz="800" dirty="0">
+                <a:solidFill>
+                  <a:schemeClr val="accent2"/>
+                </a:solidFill>
+                <a:hlinkClick r:id="rId4">
+                  <a:extLst>
+                    <a:ext uri="{A12FA001-AC4F-418D-AE19-62706E023703}">
+                      <ahyp:hlinkClr xmlns:ahyp="http://schemas.microsoft.com/office/drawing/2018/hyperlinkcolor" val="tx"/>
+                    </a:ext>
+                  </a:extLst>
+                </a:hlinkClick>
+              </a:rPr>
+              <a:t>https://www.ytria.com/blog/synchronizing-microsoft-teams-files-to-your-pc/</a:t>
+            </a:r>
+            <a:r>
+              <a:rPr lang="pt-PT" sz="800" dirty="0">
+                <a:solidFill>
+                  <a:schemeClr val="accent2"/>
+                </a:solidFill>
+              </a:rPr>
+              <a:t> </a:t>
+            </a:r>
+            <a:endParaRPr lang="pt-PT" sz="800" b="0" dirty="0">
+              <a:solidFill>
+                <a:schemeClr val="accent2"/>
+              </a:solidFill>
+            </a:endParaRPr>
+          </a:p>
+        </p:txBody>
+      </p:sp>
+    </p:spTree>
+    <p:extLst>
+      <p:ext uri="{BB962C8B-B14F-4D97-AF65-F5344CB8AC3E}">
+        <p14:creationId xmlns:p14="http://schemas.microsoft.com/office/powerpoint/2010/main" val="369839087"/>
+      </p:ext>
+    </p:extLst>
+  </p:cSld>
+  <p:clrMapOvr>
+    <a:masterClrMapping/>
+  </p:clrMapOvr>
+  <p:timing>
+    <p:tnLst>
+      <p:par>
+        <p:cTn id="1" dur="indefinite" restart="never" nodeType="tmRoot">
+          <p:childTnLst>
+            <p:seq concurrent="1" nextAc="seek">
+              <p:cTn id="2" dur="indefinite" nodeType="mainSeq">
+                <p:childTnLst>
+                  <p:par>
+                    <p:cTn id="3" fill="hold">
+                      <p:stCondLst>
+                        <p:cond delay="indefinite"/>
+                        <p:cond evt="onBegin" delay="0">
+                          <p:tn val="2"/>
+                        </p:cond>
+                      </p:stCondLst>
+                      <p:childTnLst>
+                        <p:par>
+                          <p:cTn id="4" fill="hold">
+                            <p:stCondLst>
+                              <p:cond delay="0"/>
+                            </p:stCondLst>
+                            <p:childTnLst>
+                              <p:par>
+                                <p:cTn id="5" presetID="42" presetClass="entr" presetSubtype="0" fill="hold" grpId="0" nodeType="afterEffect">
+                                  <p:stCondLst>
+                                    <p:cond delay="0"/>
+                                  </p:stCondLst>
+                                  <p:childTnLst>
+                                    <p:set>
+                                      <p:cBhvr>
+                                        <p:cTn id="6" dur="1" fill="hold">
+                                          <p:stCondLst>
+                                            <p:cond delay="0"/>
+                                          </p:stCondLst>
+                                        </p:cTn>
+                                        <p:tgtEl>
+                                          <p:spTgt spid="148483"/>
+                                        </p:tgtEl>
+                                        <p:attrNameLst>
+                                          <p:attrName>style.visibility</p:attrName>
+                                        </p:attrNameLst>
+                                      </p:cBhvr>
+                                      <p:to>
+                                        <p:strVal val="visible"/>
+                                      </p:to>
+                                    </p:set>
+                                    <p:animEffect transition="in" filter="fade">
+                                      <p:cBhvr>
+                                        <p:cTn id="7" dur="500"/>
+                                        <p:tgtEl>
+                                          <p:spTgt spid="148483"/>
+                                        </p:tgtEl>
+                                      </p:cBhvr>
+                                    </p:animEffect>
+                                    <p:anim calcmode="lin" valueType="num">
+                                      <p:cBhvr>
+                                        <p:cTn id="8" dur="500" fill="hold"/>
+                                        <p:tgtEl>
+                                          <p:spTgt spid="148483"/>
+                                        </p:tgtEl>
+                                        <p:attrNameLst>
+                                          <p:attrName>ppt_x</p:attrName>
+                                        </p:attrNameLst>
+                                      </p:cBhvr>
+                                      <p:tavLst>
+                                        <p:tav tm="0">
+                                          <p:val>
+                                            <p:strVal val="#ppt_x"/>
+                                          </p:val>
+                                        </p:tav>
+                                        <p:tav tm="100000">
+                                          <p:val>
+                                            <p:strVal val="#ppt_x"/>
+                                          </p:val>
+                                        </p:tav>
+                                      </p:tavLst>
+                                    </p:anim>
+                                    <p:anim calcmode="lin" valueType="num">
+                                      <p:cBhvr>
+                                        <p:cTn id="9" dur="500" fill="hold"/>
+                                        <p:tgtEl>
+                                          <p:spTgt spid="148483"/>
+                                        </p:tgtEl>
+                                        <p:attrNameLst>
+                                          <p:attrName>ppt_y</p:attrName>
+                                        </p:attrNameLst>
+                                      </p:cBhvr>
+                                      <p:tavLst>
+                                        <p:tav tm="0">
+                                          <p:val>
+                                            <p:strVal val="#ppt_y+.1"/>
+                                          </p:val>
+                                        </p:tav>
+                                        <p:tav tm="100000">
+                                          <p:val>
+                                            <p:strVal val="#ppt_y"/>
+                                          </p:val>
+                                        </p:tav>
+                                      </p:tavLst>
+                                    </p:anim>
+                                  </p:childTnLst>
+                                </p:cTn>
+                              </p:par>
+                              <p:par>
+                                <p:cTn id="10" presetID="9" presetClass="entr" presetSubtype="0" fill="hold" nodeType="withEffect">
+                                  <p:stCondLst>
+                                    <p:cond delay="0"/>
+                                  </p:stCondLst>
+                                  <p:childTnLst>
+                                    <p:set>
+                                      <p:cBhvr>
+                                        <p:cTn id="11" dur="1" fill="hold">
+                                          <p:stCondLst>
+                                            <p:cond delay="0"/>
+                                          </p:stCondLst>
+                                        </p:cTn>
+                                        <p:tgtEl>
+                                          <p:spTgt spid="1026"/>
+                                        </p:tgtEl>
+                                        <p:attrNameLst>
+                                          <p:attrName>style.visibility</p:attrName>
+                                        </p:attrNameLst>
+                                      </p:cBhvr>
+                                      <p:to>
+                                        <p:strVal val="visible"/>
+                                      </p:to>
+                                    </p:set>
+                                    <p:animEffect transition="in" filter="dissolve">
+                                      <p:cBhvr>
+                                        <p:cTn id="12" dur="500"/>
+                                        <p:tgtEl>
+                                          <p:spTgt spid="1026"/>
+                                        </p:tgtEl>
+                                      </p:cBhvr>
+                                    </p:animEffect>
+                                  </p:childTnLst>
+                                </p:cTn>
+                              </p:par>
+                            </p:childTnLst>
+                          </p:cTn>
+                        </p:par>
+                        <p:par>
+                          <p:cTn id="13" fill="hold">
+                            <p:stCondLst>
+                              <p:cond delay="500"/>
+                            </p:stCondLst>
+                            <p:childTnLst>
+                              <p:par>
+                                <p:cTn id="14" presetID="1" presetClass="entr" presetSubtype="0" fill="hold" grpId="0" nodeType="afterEffect">
+                                  <p:stCondLst>
+                                    <p:cond delay="500"/>
+                                  </p:stCondLst>
+                                  <p:childTnLst>
+                                    <p:set>
+                                      <p:cBhvr>
+                                        <p:cTn id="15" dur="1" fill="hold">
+                                          <p:stCondLst>
+                                            <p:cond delay="0"/>
+                                          </p:stCondLst>
+                                        </p:cTn>
+                                        <p:tgtEl>
+                                          <p:spTgt spid="2"/>
+                                        </p:tgtEl>
+                                        <p:attrNameLst>
+                                          <p:attrName>style.visibility</p:attrName>
+                                        </p:attrNameLst>
+                                      </p:cBhvr>
+                                      <p:to>
+                                        <p:strVal val="visible"/>
+                                      </p:to>
+                                    </p:set>
+                                  </p:childTnLst>
+                                </p:cTn>
+                              </p:par>
+                            </p:childTnLst>
+                          </p:cTn>
+                        </p:par>
+                      </p:childTnLst>
+                    </p:cTn>
+                  </p:par>
+                </p:childTnLst>
+              </p:cTn>
+              <p:prevCondLst>
+                <p:cond evt="onPrev" delay="0">
+                  <p:tgtEl>
+                    <p:sldTgt/>
+                  </p:tgtEl>
+                </p:cond>
+              </p:prevCondLst>
+              <p:nextCondLst>
+                <p:cond evt="onNext" delay="0">
+                  <p:tgtEl>
+                    <p:sldTgt/>
+                  </p:tgtEl>
+                </p:cond>
+              </p:nextCondLst>
+            </p:seq>
+          </p:childTnLst>
+        </p:cTn>
+      </p:par>
+    </p:tnLst>
+    <p:bldLst>
+      <p:bldP spid="148483" grpId="0"/>
+      <p:bldP spid="2" grpId="0"/>
+    </p:bldLst>
+  </p:timing>
+</p:sld>
+</file>
+
+<file path=ppt/slides/slide14.xml><?xml version="1.0" encoding="utf-8"?>
+<p:sld xmlns:a="http://schemas.openxmlformats.org/drawingml/2006/main" xmlns:r="http://schemas.openxmlformats.org/officeDocument/2006/relationships" xmlns:p="http://schemas.openxmlformats.org/presentationml/2006/main">
+  <p:cSld>
+    <p:spTree>
+      <p:nvGrpSpPr>
+        <p:cNvPr id="1" name=""/>
+        <p:cNvGrpSpPr/>
+        <p:nvPr/>
+      </p:nvGrpSpPr>
+      <p:grpSpPr>
+        <a:xfrm>
+          <a:off x="0" y="0"/>
+          <a:ext cx="0" cy="0"/>
+          <a:chOff x="0" y="0"/>
+          <a:chExt cx="0" cy="0"/>
+        </a:xfrm>
+      </p:grpSpPr>
+      <p:sp>
+        <p:nvSpPr>
           <p:cNvPr id="311298" name="Rectangle 2"/>
           <p:cNvSpPr>
             <a:spLocks noGrp="1" noChangeArrowheads="1"/>
@@ -5638,7 +7827,7 @@
                   <a:srgbClr val="0033CC"/>
                 </a:solidFill>
               </a:rPr>
-              <a:t>SOP-T2-SVN</a:t>
+              <a:t>SOP-T2-SFDVC</a:t>
             </a:r>
             <a:r>
               <a:rPr lang="pt-PT" sz="2000" i="0" dirty="0"/>
@@ -5694,7 +7883,7 @@
             </a:pPr>
             <a:r>
               <a:rPr lang="pt-PT" sz="1600" b="0" i="0" dirty="0"/>
-              <a:t>CODAS</a:t>
+              <a:t>CODAS;</a:t>
             </a:r>
           </a:p>
           <a:p>
@@ -6327,6 +8516,1734 @@
               </a:rPr>
             </a:br>
             <a:r>
+              <a:rPr lang="pt-PT" sz="1800" b="1" i="1" cap="small" dirty="0">
+                <a:solidFill>
+                  <a:srgbClr val="FF0000"/>
+                </a:solidFill>
+                <a:latin typeface="Arial" charset="0"/>
+              </a:rPr>
+              <a:t>SFD conceitos</a:t>
+            </a:r>
+            <a:endParaRPr lang="pt-PT" sz="1600" b="1" i="1" cap="small" dirty="0">
+              <a:solidFill>
+                <a:srgbClr val="FF0000"/>
+              </a:solidFill>
+              <a:latin typeface="Arial" charset="0"/>
+            </a:endParaRPr>
+          </a:p>
+        </p:txBody>
+      </p:sp>
+      <p:sp>
+        <p:nvSpPr>
+          <p:cNvPr id="2" name="Rectangle 3">
+            <a:extLst>
+              <a:ext uri="{FF2B5EF4-FFF2-40B4-BE49-F238E27FC236}">
+                <a16:creationId xmlns:a16="http://schemas.microsoft.com/office/drawing/2014/main" id="{276FAAAA-4714-25C1-BF2E-7B540DCA1C30}"/>
+              </a:ext>
+            </a:extLst>
+          </p:cNvPr>
+          <p:cNvSpPr>
+            <a:spLocks noChangeArrowheads="1"/>
+          </p:cNvSpPr>
+          <p:nvPr/>
+        </p:nvSpPr>
+        <p:spPr bwMode="auto">
+          <a:xfrm>
+            <a:off x="540000" y="900000"/>
+            <a:ext cx="8136456" cy="392659"/>
+          </a:xfrm>
+          <a:prstGeom prst="rect">
+            <a:avLst/>
+          </a:prstGeom>
+          <a:noFill/>
+          <a:ln w="9525">
+            <a:noFill/>
+            <a:miter lim="800000"/>
+            <a:headEnd/>
+            <a:tailEnd/>
+          </a:ln>
+          <a:effectLst/>
+        </p:spPr>
+        <p:txBody>
+          <a:bodyPr wrap="square" lIns="62408" tIns="31204" rIns="62408" bIns="31204">
+            <a:spAutoFit/>
+          </a:bodyPr>
+          <a:lstStyle/>
+          <a:p>
+            <a:pPr marL="271463" indent="-271463" algn="l" defTabSz="800100">
+              <a:lnSpc>
+                <a:spcPct val="120000"/>
+              </a:lnSpc>
+              <a:buFont typeface="Wingdings" pitchFamily="2" charset="2"/>
+              <a:buChar char="Ø"/>
+            </a:pPr>
+            <a:r>
+              <a:rPr lang="pt-PT" sz="2000" i="0" dirty="0">
+                <a:solidFill>
+                  <a:srgbClr val="0033CC"/>
+                </a:solidFill>
+              </a:rPr>
+              <a:t>Acesso via cópia ou via acesso remoto:</a:t>
+            </a:r>
+            <a:endParaRPr lang="pt-PT" sz="2000" i="0" dirty="0"/>
+          </a:p>
+        </p:txBody>
+      </p:sp>
+      <p:pic>
+        <p:nvPicPr>
+          <p:cNvPr id="3" name="Picture 5">
+            <a:extLst>
+              <a:ext uri="{FF2B5EF4-FFF2-40B4-BE49-F238E27FC236}">
+                <a16:creationId xmlns:a16="http://schemas.microsoft.com/office/drawing/2014/main" id="{6603497D-8F5B-07F9-8606-FF3E5E29A2BB}"/>
+              </a:ext>
+            </a:extLst>
+          </p:cNvPr>
+          <p:cNvPicPr>
+            <a:picLocks noChangeAspect="1" noChangeArrowheads="1"/>
+          </p:cNvPicPr>
+          <p:nvPr/>
+        </p:nvPicPr>
+        <p:blipFill>
+          <a:blip r:embed="rId3">
+            <a:extLst>
+              <a:ext uri="{28A0092B-C50C-407E-A947-70E740481C1C}">
+                <a14:useLocalDpi xmlns:a14="http://schemas.microsoft.com/office/drawing/2010/main" val="0"/>
+              </a:ext>
+            </a:extLst>
+          </a:blip>
+          <a:srcRect l="20070" t="45619" r="18359" b="39879"/>
+          <a:stretch>
+            <a:fillRect/>
+          </a:stretch>
+        </p:blipFill>
+        <p:spPr bwMode="auto">
+          <a:xfrm>
+            <a:off x="609600" y="1752600"/>
+            <a:ext cx="7924800" cy="2641600"/>
+          </a:xfrm>
+          <a:prstGeom prst="rect">
+            <a:avLst/>
+          </a:prstGeom>
+          <a:noFill/>
+          <a:ln>
+            <a:noFill/>
+          </a:ln>
+          <a:effectLst/>
+          <a:extLst>
+            <a:ext uri="{909E8E84-426E-40DD-AFC4-6F175D3DCCD1}">
+              <a14:hiddenFill xmlns:a14="http://schemas.microsoft.com/office/drawing/2010/main">
+                <a:solidFill>
+                  <a:schemeClr val="accent1"/>
+                </a:solidFill>
+              </a14:hiddenFill>
+            </a:ext>
+            <a:ext uri="{91240B29-F687-4F45-9708-019B960494DF}">
+              <a14:hiddenLine xmlns:a14="http://schemas.microsoft.com/office/drawing/2010/main" w="9525">
+                <a:solidFill>
+                  <a:schemeClr val="tx1"/>
+                </a:solidFill>
+                <a:miter lim="800000"/>
+                <a:headEnd/>
+                <a:tailEnd/>
+              </a14:hiddenLine>
+            </a:ext>
+            <a:ext uri="{AF507438-7753-43E0-B8FC-AC1667EBCBE1}">
+              <a14:hiddenEffects xmlns:a14="http://schemas.microsoft.com/office/drawing/2010/main">
+                <a:effectLst>
+                  <a:outerShdw dist="35921" dir="2700000" algn="ctr" rotWithShape="0">
+                    <a:schemeClr val="bg2"/>
+                  </a:outerShdw>
+                </a:effectLst>
+              </a14:hiddenEffects>
+            </a:ext>
+          </a:extLst>
+        </p:spPr>
+      </p:pic>
+    </p:spTree>
+    <p:extLst>
+      <p:ext uri="{BB962C8B-B14F-4D97-AF65-F5344CB8AC3E}">
+        <p14:creationId xmlns:p14="http://schemas.microsoft.com/office/powerpoint/2010/main" val="650339656"/>
+      </p:ext>
+    </p:extLst>
+  </p:cSld>
+  <p:clrMapOvr>
+    <a:masterClrMapping/>
+  </p:clrMapOvr>
+  <p:timing>
+    <p:tnLst>
+      <p:par>
+        <p:cTn id="1" dur="indefinite" restart="never" nodeType="tmRoot">
+          <p:childTnLst>
+            <p:seq concurrent="1" nextAc="seek">
+              <p:cTn id="2" dur="indefinite" nodeType="mainSeq">
+                <p:childTnLst>
+                  <p:par>
+                    <p:cTn id="3" fill="hold">
+                      <p:stCondLst>
+                        <p:cond delay="indefinite"/>
+                        <p:cond evt="onBegin" delay="0">
+                          <p:tn val="2"/>
+                        </p:cond>
+                      </p:stCondLst>
+                      <p:childTnLst>
+                        <p:par>
+                          <p:cTn id="4" fill="hold">
+                            <p:stCondLst>
+                              <p:cond delay="0"/>
+                            </p:stCondLst>
+                            <p:childTnLst>
+                              <p:par>
+                                <p:cTn id="5" presetID="42" presetClass="entr" presetSubtype="0" fill="hold" grpId="0" nodeType="afterEffect">
+                                  <p:stCondLst>
+                                    <p:cond delay="0"/>
+                                  </p:stCondLst>
+                                  <p:childTnLst>
+                                    <p:set>
+                                      <p:cBhvr>
+                                        <p:cTn id="6" dur="1" fill="hold">
+                                          <p:stCondLst>
+                                            <p:cond delay="0"/>
+                                          </p:stCondLst>
+                                        </p:cTn>
+                                        <p:tgtEl>
+                                          <p:spTgt spid="2"/>
+                                        </p:tgtEl>
+                                        <p:attrNameLst>
+                                          <p:attrName>style.visibility</p:attrName>
+                                        </p:attrNameLst>
+                                      </p:cBhvr>
+                                      <p:to>
+                                        <p:strVal val="visible"/>
+                                      </p:to>
+                                    </p:set>
+                                    <p:animEffect transition="in" filter="fade">
+                                      <p:cBhvr>
+                                        <p:cTn id="7" dur="500"/>
+                                        <p:tgtEl>
+                                          <p:spTgt spid="2"/>
+                                        </p:tgtEl>
+                                      </p:cBhvr>
+                                    </p:animEffect>
+                                    <p:anim calcmode="lin" valueType="num">
+                                      <p:cBhvr>
+                                        <p:cTn id="8" dur="500" fill="hold"/>
+                                        <p:tgtEl>
+                                          <p:spTgt spid="2"/>
+                                        </p:tgtEl>
+                                        <p:attrNameLst>
+                                          <p:attrName>ppt_x</p:attrName>
+                                        </p:attrNameLst>
+                                      </p:cBhvr>
+                                      <p:tavLst>
+                                        <p:tav tm="0">
+                                          <p:val>
+                                            <p:strVal val="#ppt_x"/>
+                                          </p:val>
+                                        </p:tav>
+                                        <p:tav tm="100000">
+                                          <p:val>
+                                            <p:strVal val="#ppt_x"/>
+                                          </p:val>
+                                        </p:tav>
+                                      </p:tavLst>
+                                    </p:anim>
+                                    <p:anim calcmode="lin" valueType="num">
+                                      <p:cBhvr>
+                                        <p:cTn id="9" dur="500" fill="hold"/>
+                                        <p:tgtEl>
+                                          <p:spTgt spid="2"/>
+                                        </p:tgtEl>
+                                        <p:attrNameLst>
+                                          <p:attrName>ppt_y</p:attrName>
+                                        </p:attrNameLst>
+                                      </p:cBhvr>
+                                      <p:tavLst>
+                                        <p:tav tm="0">
+                                          <p:val>
+                                            <p:strVal val="#ppt_y+.1"/>
+                                          </p:val>
+                                        </p:tav>
+                                        <p:tav tm="100000">
+                                          <p:val>
+                                            <p:strVal val="#ppt_y"/>
+                                          </p:val>
+                                        </p:tav>
+                                      </p:tavLst>
+                                    </p:anim>
+                                  </p:childTnLst>
+                                </p:cTn>
+                              </p:par>
+                              <p:par>
+                                <p:cTn id="10" presetID="9" presetClass="entr" presetSubtype="0" fill="hold" nodeType="withEffect">
+                                  <p:stCondLst>
+                                    <p:cond delay="0"/>
+                                  </p:stCondLst>
+                                  <p:childTnLst>
+                                    <p:set>
+                                      <p:cBhvr>
+                                        <p:cTn id="11" dur="1" fill="hold">
+                                          <p:stCondLst>
+                                            <p:cond delay="0"/>
+                                          </p:stCondLst>
+                                        </p:cTn>
+                                        <p:tgtEl>
+                                          <p:spTgt spid="3"/>
+                                        </p:tgtEl>
+                                        <p:attrNameLst>
+                                          <p:attrName>style.visibility</p:attrName>
+                                        </p:attrNameLst>
+                                      </p:cBhvr>
+                                      <p:to>
+                                        <p:strVal val="visible"/>
+                                      </p:to>
+                                    </p:set>
+                                    <p:animEffect transition="in" filter="dissolve">
+                                      <p:cBhvr>
+                                        <p:cTn id="12" dur="500"/>
+                                        <p:tgtEl>
+                                          <p:spTgt spid="3"/>
+                                        </p:tgtEl>
+                                      </p:cBhvr>
+                                    </p:animEffect>
+                                  </p:childTnLst>
+                                </p:cTn>
+                              </p:par>
+                            </p:childTnLst>
+                          </p:cTn>
+                        </p:par>
+                      </p:childTnLst>
+                    </p:cTn>
+                  </p:par>
+                </p:childTnLst>
+              </p:cTn>
+              <p:prevCondLst>
+                <p:cond evt="onPrev" delay="0">
+                  <p:tgtEl>
+                    <p:sldTgt/>
+                  </p:tgtEl>
+                </p:cond>
+              </p:prevCondLst>
+              <p:nextCondLst>
+                <p:cond evt="onNext" delay="0">
+                  <p:tgtEl>
+                    <p:sldTgt/>
+                  </p:tgtEl>
+                </p:cond>
+              </p:nextCondLst>
+            </p:seq>
+          </p:childTnLst>
+        </p:cTn>
+      </p:par>
+    </p:tnLst>
+    <p:bldLst>
+      <p:bldP spid="2" grpId="0"/>
+    </p:bldLst>
+  </p:timing>
+</p:sld>
+</file>
+
+<file path=ppt/slides/slide5.xml><?xml version="1.0" encoding="utf-8"?>
+<p:sld xmlns:a="http://schemas.openxmlformats.org/drawingml/2006/main" xmlns:r="http://schemas.openxmlformats.org/officeDocument/2006/relationships" xmlns:p="http://schemas.openxmlformats.org/presentationml/2006/main">
+  <p:cSld>
+    <p:spTree>
+      <p:nvGrpSpPr>
+        <p:cNvPr id="1" name=""/>
+        <p:cNvGrpSpPr/>
+        <p:nvPr/>
+      </p:nvGrpSpPr>
+      <p:grpSpPr>
+        <a:xfrm>
+          <a:off x="0" y="0"/>
+          <a:ext cx="0" cy="0"/>
+          <a:chOff x="0" y="0"/>
+          <a:chExt cx="0" cy="0"/>
+        </a:xfrm>
+      </p:grpSpPr>
+      <p:sp>
+        <p:nvSpPr>
+          <p:cNvPr id="148482" name="Rectangle 2"/>
+          <p:cNvSpPr>
+            <a:spLocks noGrp="1" noChangeArrowheads="1"/>
+          </p:cNvSpPr>
+          <p:nvPr>
+            <p:ph type="title" idx="4294967295"/>
+          </p:nvPr>
+        </p:nvSpPr>
+        <p:spPr bwMode="auto">
+          <a:xfrm>
+            <a:off x="3006330" y="193204"/>
+            <a:ext cx="5310086" cy="432048"/>
+          </a:xfrm>
+          <a:prstGeom prst="rect">
+            <a:avLst/>
+          </a:prstGeom>
+          <a:noFill/>
+          <a:ln>
+            <a:miter lim="800000"/>
+            <a:headEnd/>
+            <a:tailEnd/>
+          </a:ln>
+        </p:spPr>
+        <p:txBody>
+          <a:bodyPr vert="horz" wrap="square" lIns="71323" tIns="35662" rIns="71323" bIns="35662" numCol="1" anchor="t" anchorCtr="0" compatLnSpc="1">
+            <a:prstTxWarp prst="textNoShape">
+              <a:avLst/>
+            </a:prstTxWarp>
+          </a:bodyPr>
+          <a:lstStyle/>
+          <a:p>
+            <a:pPr algn="r"/>
+            <a:r>
+              <a:rPr lang="pt-PT" sz="1000" b="1" i="1" dirty="0">
+                <a:solidFill>
+                  <a:srgbClr val="FF0000"/>
+                </a:solidFill>
+                <a:latin typeface="Arial" charset="0"/>
+              </a:rPr>
+              <a:t>SOP-T2-SFDVC</a:t>
+            </a:r>
+            <a:br>
+              <a:rPr lang="pt-PT" sz="900" b="1" i="1" dirty="0">
+                <a:solidFill>
+                  <a:srgbClr val="FF0000"/>
+                </a:solidFill>
+                <a:latin typeface="Arial" charset="0"/>
+              </a:rPr>
+            </a:br>
+            <a:r>
+              <a:rPr lang="pt-PT" sz="1800" b="1" i="1" cap="small" dirty="0">
+                <a:solidFill>
+                  <a:srgbClr val="FF0000"/>
+                </a:solidFill>
+                <a:latin typeface="Arial" charset="0"/>
+              </a:rPr>
+              <a:t>NFS</a:t>
+            </a:r>
+            <a:endParaRPr lang="pt-PT" sz="1600" b="1" i="1" cap="small" dirty="0">
+              <a:solidFill>
+                <a:srgbClr val="FF0000"/>
+              </a:solidFill>
+              <a:latin typeface="Arial" charset="0"/>
+            </a:endParaRPr>
+          </a:p>
+        </p:txBody>
+      </p:sp>
+      <p:sp>
+        <p:nvSpPr>
+          <p:cNvPr id="2" name="Rectangle 3">
+            <a:extLst>
+              <a:ext uri="{FF2B5EF4-FFF2-40B4-BE49-F238E27FC236}">
+                <a16:creationId xmlns:a16="http://schemas.microsoft.com/office/drawing/2014/main" id="{276FAAAA-4714-25C1-BF2E-7B540DCA1C30}"/>
+              </a:ext>
+            </a:extLst>
+          </p:cNvPr>
+          <p:cNvSpPr>
+            <a:spLocks noChangeArrowheads="1"/>
+          </p:cNvSpPr>
+          <p:nvPr/>
+        </p:nvSpPr>
+        <p:spPr bwMode="auto">
+          <a:xfrm>
+            <a:off x="540000" y="900000"/>
+            <a:ext cx="8136456" cy="392659"/>
+          </a:xfrm>
+          <a:prstGeom prst="rect">
+            <a:avLst/>
+          </a:prstGeom>
+          <a:noFill/>
+          <a:ln w="9525">
+            <a:noFill/>
+            <a:miter lim="800000"/>
+            <a:headEnd/>
+            <a:tailEnd/>
+          </a:ln>
+          <a:effectLst/>
+        </p:spPr>
+        <p:txBody>
+          <a:bodyPr wrap="square" lIns="62408" tIns="31204" rIns="62408" bIns="31204">
+            <a:spAutoFit/>
+          </a:bodyPr>
+          <a:lstStyle/>
+          <a:p>
+            <a:pPr marL="271463" indent="-271463" algn="l" defTabSz="800100">
+              <a:lnSpc>
+                <a:spcPct val="120000"/>
+              </a:lnSpc>
+              <a:buFont typeface="Wingdings" pitchFamily="2" charset="2"/>
+              <a:buChar char="Ø"/>
+            </a:pPr>
+            <a:r>
+              <a:rPr lang="pt-PT" sz="2000" i="0" dirty="0">
+                <a:solidFill>
+                  <a:srgbClr val="0033CC"/>
+                </a:solidFill>
+              </a:rPr>
+              <a:t>NFS:</a:t>
+            </a:r>
+            <a:endParaRPr lang="pt-PT" sz="2000" i="0" dirty="0"/>
+          </a:p>
+        </p:txBody>
+      </p:sp>
+      <p:pic>
+        <p:nvPicPr>
+          <p:cNvPr id="3" name="Picture 5">
+            <a:extLst>
+              <a:ext uri="{FF2B5EF4-FFF2-40B4-BE49-F238E27FC236}">
+                <a16:creationId xmlns:a16="http://schemas.microsoft.com/office/drawing/2014/main" id="{FD56890E-1E3F-E32F-262B-8100CC809652}"/>
+              </a:ext>
+            </a:extLst>
+          </p:cNvPr>
+          <p:cNvPicPr>
+            <a:picLocks noChangeAspect="1" noChangeArrowheads="1"/>
+          </p:cNvPicPr>
+          <p:nvPr/>
+        </p:nvPicPr>
+        <p:blipFill>
+          <a:blip r:embed="rId3">
+            <a:extLst>
+              <a:ext uri="{28A0092B-C50C-407E-A947-70E740481C1C}">
+                <a14:useLocalDpi xmlns:a14="http://schemas.microsoft.com/office/drawing/2010/main" val="0"/>
+              </a:ext>
+            </a:extLst>
+          </a:blip>
+          <a:srcRect l="18787" t="41389" r="16222" b="35347"/>
+          <a:stretch>
+            <a:fillRect/>
+          </a:stretch>
+        </p:blipFill>
+        <p:spPr bwMode="auto">
+          <a:xfrm>
+            <a:off x="748532" y="1265276"/>
+            <a:ext cx="7719392" cy="3910406"/>
+          </a:xfrm>
+          <a:prstGeom prst="rect">
+            <a:avLst/>
+          </a:prstGeom>
+          <a:noFill/>
+          <a:ln>
+            <a:noFill/>
+          </a:ln>
+          <a:effectLst/>
+          <a:extLst>
+            <a:ext uri="{909E8E84-426E-40DD-AFC4-6F175D3DCCD1}">
+              <a14:hiddenFill xmlns:a14="http://schemas.microsoft.com/office/drawing/2010/main">
+                <a:solidFill>
+                  <a:schemeClr val="accent1"/>
+                </a:solidFill>
+              </a14:hiddenFill>
+            </a:ext>
+            <a:ext uri="{91240B29-F687-4F45-9708-019B960494DF}">
+              <a14:hiddenLine xmlns:a14="http://schemas.microsoft.com/office/drawing/2010/main" w="9525">
+                <a:solidFill>
+                  <a:schemeClr val="tx1"/>
+                </a:solidFill>
+                <a:miter lim="800000"/>
+                <a:headEnd/>
+                <a:tailEnd/>
+              </a14:hiddenLine>
+            </a:ext>
+            <a:ext uri="{AF507438-7753-43E0-B8FC-AC1667EBCBE1}">
+              <a14:hiddenEffects xmlns:a14="http://schemas.microsoft.com/office/drawing/2010/main">
+                <a:effectLst>
+                  <a:outerShdw dist="35921" dir="2700000" algn="ctr" rotWithShape="0">
+                    <a:schemeClr val="bg2"/>
+                  </a:outerShdw>
+                </a:effectLst>
+              </a14:hiddenEffects>
+            </a:ext>
+          </a:extLst>
+        </p:spPr>
+      </p:pic>
+    </p:spTree>
+    <p:extLst>
+      <p:ext uri="{BB962C8B-B14F-4D97-AF65-F5344CB8AC3E}">
+        <p14:creationId xmlns:p14="http://schemas.microsoft.com/office/powerpoint/2010/main" val="747267200"/>
+      </p:ext>
+    </p:extLst>
+  </p:cSld>
+  <p:clrMapOvr>
+    <a:masterClrMapping/>
+  </p:clrMapOvr>
+  <p:timing>
+    <p:tnLst>
+      <p:par>
+        <p:cTn id="1" dur="indefinite" restart="never" nodeType="tmRoot">
+          <p:childTnLst>
+            <p:seq concurrent="1" nextAc="seek">
+              <p:cTn id="2" dur="indefinite" nodeType="mainSeq">
+                <p:childTnLst>
+                  <p:par>
+                    <p:cTn id="3" fill="hold">
+                      <p:stCondLst>
+                        <p:cond delay="indefinite"/>
+                        <p:cond evt="onBegin" delay="0">
+                          <p:tn val="2"/>
+                        </p:cond>
+                      </p:stCondLst>
+                      <p:childTnLst>
+                        <p:par>
+                          <p:cTn id="4" fill="hold">
+                            <p:stCondLst>
+                              <p:cond delay="0"/>
+                            </p:stCondLst>
+                            <p:childTnLst>
+                              <p:par>
+                                <p:cTn id="5" presetID="42" presetClass="entr" presetSubtype="0" fill="hold" grpId="0" nodeType="afterEffect">
+                                  <p:stCondLst>
+                                    <p:cond delay="0"/>
+                                  </p:stCondLst>
+                                  <p:childTnLst>
+                                    <p:set>
+                                      <p:cBhvr>
+                                        <p:cTn id="6" dur="1" fill="hold">
+                                          <p:stCondLst>
+                                            <p:cond delay="0"/>
+                                          </p:stCondLst>
+                                        </p:cTn>
+                                        <p:tgtEl>
+                                          <p:spTgt spid="2"/>
+                                        </p:tgtEl>
+                                        <p:attrNameLst>
+                                          <p:attrName>style.visibility</p:attrName>
+                                        </p:attrNameLst>
+                                      </p:cBhvr>
+                                      <p:to>
+                                        <p:strVal val="visible"/>
+                                      </p:to>
+                                    </p:set>
+                                    <p:animEffect transition="in" filter="fade">
+                                      <p:cBhvr>
+                                        <p:cTn id="7" dur="500"/>
+                                        <p:tgtEl>
+                                          <p:spTgt spid="2"/>
+                                        </p:tgtEl>
+                                      </p:cBhvr>
+                                    </p:animEffect>
+                                    <p:anim calcmode="lin" valueType="num">
+                                      <p:cBhvr>
+                                        <p:cTn id="8" dur="500" fill="hold"/>
+                                        <p:tgtEl>
+                                          <p:spTgt spid="2"/>
+                                        </p:tgtEl>
+                                        <p:attrNameLst>
+                                          <p:attrName>ppt_x</p:attrName>
+                                        </p:attrNameLst>
+                                      </p:cBhvr>
+                                      <p:tavLst>
+                                        <p:tav tm="0">
+                                          <p:val>
+                                            <p:strVal val="#ppt_x"/>
+                                          </p:val>
+                                        </p:tav>
+                                        <p:tav tm="100000">
+                                          <p:val>
+                                            <p:strVal val="#ppt_x"/>
+                                          </p:val>
+                                        </p:tav>
+                                      </p:tavLst>
+                                    </p:anim>
+                                    <p:anim calcmode="lin" valueType="num">
+                                      <p:cBhvr>
+                                        <p:cTn id="9" dur="500" fill="hold"/>
+                                        <p:tgtEl>
+                                          <p:spTgt spid="2"/>
+                                        </p:tgtEl>
+                                        <p:attrNameLst>
+                                          <p:attrName>ppt_y</p:attrName>
+                                        </p:attrNameLst>
+                                      </p:cBhvr>
+                                      <p:tavLst>
+                                        <p:tav tm="0">
+                                          <p:val>
+                                            <p:strVal val="#ppt_y+.1"/>
+                                          </p:val>
+                                        </p:tav>
+                                        <p:tav tm="100000">
+                                          <p:val>
+                                            <p:strVal val="#ppt_y"/>
+                                          </p:val>
+                                        </p:tav>
+                                      </p:tavLst>
+                                    </p:anim>
+                                  </p:childTnLst>
+                                </p:cTn>
+                              </p:par>
+                              <p:par>
+                                <p:cTn id="10" presetID="9" presetClass="entr" presetSubtype="0" fill="hold" nodeType="withEffect">
+                                  <p:stCondLst>
+                                    <p:cond delay="0"/>
+                                  </p:stCondLst>
+                                  <p:childTnLst>
+                                    <p:set>
+                                      <p:cBhvr>
+                                        <p:cTn id="11" dur="1" fill="hold">
+                                          <p:stCondLst>
+                                            <p:cond delay="0"/>
+                                          </p:stCondLst>
+                                        </p:cTn>
+                                        <p:tgtEl>
+                                          <p:spTgt spid="3"/>
+                                        </p:tgtEl>
+                                        <p:attrNameLst>
+                                          <p:attrName>style.visibility</p:attrName>
+                                        </p:attrNameLst>
+                                      </p:cBhvr>
+                                      <p:to>
+                                        <p:strVal val="visible"/>
+                                      </p:to>
+                                    </p:set>
+                                    <p:animEffect transition="in" filter="dissolve">
+                                      <p:cBhvr>
+                                        <p:cTn id="12" dur="500"/>
+                                        <p:tgtEl>
+                                          <p:spTgt spid="3"/>
+                                        </p:tgtEl>
+                                      </p:cBhvr>
+                                    </p:animEffect>
+                                  </p:childTnLst>
+                                </p:cTn>
+                              </p:par>
+                            </p:childTnLst>
+                          </p:cTn>
+                        </p:par>
+                      </p:childTnLst>
+                    </p:cTn>
+                  </p:par>
+                </p:childTnLst>
+              </p:cTn>
+              <p:prevCondLst>
+                <p:cond evt="onPrev" delay="0">
+                  <p:tgtEl>
+                    <p:sldTgt/>
+                  </p:tgtEl>
+                </p:cond>
+              </p:prevCondLst>
+              <p:nextCondLst>
+                <p:cond evt="onNext" delay="0">
+                  <p:tgtEl>
+                    <p:sldTgt/>
+                  </p:tgtEl>
+                </p:cond>
+              </p:nextCondLst>
+            </p:seq>
+          </p:childTnLst>
+        </p:cTn>
+      </p:par>
+    </p:tnLst>
+    <p:bldLst>
+      <p:bldP spid="2" grpId="0"/>
+    </p:bldLst>
+  </p:timing>
+</p:sld>
+</file>
+
+<file path=ppt/slides/slide6.xml><?xml version="1.0" encoding="utf-8"?>
+<p:sld xmlns:a="http://schemas.openxmlformats.org/drawingml/2006/main" xmlns:r="http://schemas.openxmlformats.org/officeDocument/2006/relationships" xmlns:p="http://schemas.openxmlformats.org/presentationml/2006/main">
+  <p:cSld>
+    <p:spTree>
+      <p:nvGrpSpPr>
+        <p:cNvPr id="1" name=""/>
+        <p:cNvGrpSpPr/>
+        <p:nvPr/>
+      </p:nvGrpSpPr>
+      <p:grpSpPr>
+        <a:xfrm>
+          <a:off x="0" y="0"/>
+          <a:ext cx="0" cy="0"/>
+          <a:chOff x="0" y="0"/>
+          <a:chExt cx="0" cy="0"/>
+        </a:xfrm>
+      </p:grpSpPr>
+      <p:sp>
+        <p:nvSpPr>
+          <p:cNvPr id="148482" name="Rectangle 2"/>
+          <p:cNvSpPr>
+            <a:spLocks noGrp="1" noChangeArrowheads="1"/>
+          </p:cNvSpPr>
+          <p:nvPr>
+            <p:ph type="title" idx="4294967295"/>
+          </p:nvPr>
+        </p:nvSpPr>
+        <p:spPr bwMode="auto">
+          <a:xfrm>
+            <a:off x="3006330" y="193204"/>
+            <a:ext cx="5310086" cy="432048"/>
+          </a:xfrm>
+          <a:prstGeom prst="rect">
+            <a:avLst/>
+          </a:prstGeom>
+          <a:noFill/>
+          <a:ln>
+            <a:miter lim="800000"/>
+            <a:headEnd/>
+            <a:tailEnd/>
+          </a:ln>
+        </p:spPr>
+        <p:txBody>
+          <a:bodyPr vert="horz" wrap="square" lIns="71323" tIns="35662" rIns="71323" bIns="35662" numCol="1" anchor="t" anchorCtr="0" compatLnSpc="1">
+            <a:prstTxWarp prst="textNoShape">
+              <a:avLst/>
+            </a:prstTxWarp>
+          </a:bodyPr>
+          <a:lstStyle/>
+          <a:p>
+            <a:pPr algn="r"/>
+            <a:r>
+              <a:rPr lang="pt-PT" sz="1000" b="1" i="1" dirty="0">
+                <a:solidFill>
+                  <a:srgbClr val="FF0000"/>
+                </a:solidFill>
+                <a:latin typeface="Arial" charset="0"/>
+              </a:rPr>
+              <a:t>SOP-T2-SFDVC</a:t>
+            </a:r>
+            <a:br>
+              <a:rPr lang="pt-PT" sz="900" b="1" i="1" dirty="0">
+                <a:solidFill>
+                  <a:srgbClr val="FF0000"/>
+                </a:solidFill>
+                <a:latin typeface="Arial" charset="0"/>
+              </a:rPr>
+            </a:br>
+            <a:r>
+              <a:rPr lang="pt-PT" sz="1800" b="1" i="1" cap="small" dirty="0">
+                <a:solidFill>
+                  <a:srgbClr val="FF0000"/>
+                </a:solidFill>
+                <a:latin typeface="Arial" charset="0"/>
+              </a:rPr>
+              <a:t>CODA</a:t>
+            </a:r>
+            <a:endParaRPr lang="pt-PT" sz="1600" b="1" i="1" cap="small" dirty="0">
+              <a:solidFill>
+                <a:srgbClr val="FF0000"/>
+              </a:solidFill>
+              <a:latin typeface="Arial" charset="0"/>
+            </a:endParaRPr>
+          </a:p>
+        </p:txBody>
+      </p:sp>
+      <p:sp>
+        <p:nvSpPr>
+          <p:cNvPr id="2" name="Rectangle 3">
+            <a:extLst>
+              <a:ext uri="{FF2B5EF4-FFF2-40B4-BE49-F238E27FC236}">
+                <a16:creationId xmlns:a16="http://schemas.microsoft.com/office/drawing/2014/main" id="{276FAAAA-4714-25C1-BF2E-7B540DCA1C30}"/>
+              </a:ext>
+            </a:extLst>
+          </p:cNvPr>
+          <p:cNvSpPr>
+            <a:spLocks noChangeArrowheads="1"/>
+          </p:cNvSpPr>
+          <p:nvPr/>
+        </p:nvSpPr>
+        <p:spPr bwMode="auto">
+          <a:xfrm>
+            <a:off x="540000" y="900000"/>
+            <a:ext cx="8136456" cy="392659"/>
+          </a:xfrm>
+          <a:prstGeom prst="rect">
+            <a:avLst/>
+          </a:prstGeom>
+          <a:noFill/>
+          <a:ln w="9525">
+            <a:noFill/>
+            <a:miter lim="800000"/>
+            <a:headEnd/>
+            <a:tailEnd/>
+          </a:ln>
+          <a:effectLst/>
+        </p:spPr>
+        <p:txBody>
+          <a:bodyPr wrap="square" lIns="62408" tIns="31204" rIns="62408" bIns="31204">
+            <a:spAutoFit/>
+          </a:bodyPr>
+          <a:lstStyle/>
+          <a:p>
+            <a:pPr marL="271463" indent="-271463" algn="l" defTabSz="800100">
+              <a:lnSpc>
+                <a:spcPct val="120000"/>
+              </a:lnSpc>
+              <a:buFont typeface="Wingdings" pitchFamily="2" charset="2"/>
+              <a:buChar char="Ø"/>
+            </a:pPr>
+            <a:r>
+              <a:rPr lang="pt-PT" sz="2000" i="0" dirty="0">
+                <a:solidFill>
+                  <a:srgbClr val="0033CC"/>
+                </a:solidFill>
+              </a:rPr>
+              <a:t>CODA:</a:t>
+            </a:r>
+            <a:endParaRPr lang="pt-PT" sz="2000" i="0" dirty="0"/>
+          </a:p>
+        </p:txBody>
+      </p:sp>
+      <p:pic>
+        <p:nvPicPr>
+          <p:cNvPr id="4" name="Picture 5">
+            <a:extLst>
+              <a:ext uri="{FF2B5EF4-FFF2-40B4-BE49-F238E27FC236}">
+                <a16:creationId xmlns:a16="http://schemas.microsoft.com/office/drawing/2014/main" id="{09EB332A-E8B1-923D-057D-6DEC899F750E}"/>
+              </a:ext>
+            </a:extLst>
+          </p:cNvPr>
+          <p:cNvPicPr>
+            <a:picLocks noChangeAspect="1" noChangeArrowheads="1"/>
+          </p:cNvPicPr>
+          <p:nvPr/>
+        </p:nvPicPr>
+        <p:blipFill>
+          <a:blip r:embed="rId3">
+            <a:extLst>
+              <a:ext uri="{28A0092B-C50C-407E-A947-70E740481C1C}">
+                <a14:useLocalDpi xmlns:a14="http://schemas.microsoft.com/office/drawing/2010/main" val="0"/>
+              </a:ext>
+            </a:extLst>
+          </a:blip>
+          <a:srcRect l="24345" t="39728" r="22234" b="33836"/>
+          <a:stretch>
+            <a:fillRect/>
+          </a:stretch>
+        </p:blipFill>
+        <p:spPr bwMode="auto">
+          <a:xfrm>
+            <a:off x="2267744" y="900000"/>
+            <a:ext cx="6164734" cy="4317701"/>
+          </a:xfrm>
+          <a:prstGeom prst="rect">
+            <a:avLst/>
+          </a:prstGeom>
+          <a:noFill/>
+          <a:ln>
+            <a:noFill/>
+          </a:ln>
+          <a:effectLst/>
+          <a:extLst>
+            <a:ext uri="{909E8E84-426E-40DD-AFC4-6F175D3DCCD1}">
+              <a14:hiddenFill xmlns:a14="http://schemas.microsoft.com/office/drawing/2010/main">
+                <a:solidFill>
+                  <a:schemeClr val="accent1"/>
+                </a:solidFill>
+              </a14:hiddenFill>
+            </a:ext>
+            <a:ext uri="{91240B29-F687-4F45-9708-019B960494DF}">
+              <a14:hiddenLine xmlns:a14="http://schemas.microsoft.com/office/drawing/2010/main" w="9525">
+                <a:solidFill>
+                  <a:schemeClr val="tx1"/>
+                </a:solidFill>
+                <a:miter lim="800000"/>
+                <a:headEnd/>
+                <a:tailEnd/>
+              </a14:hiddenLine>
+            </a:ext>
+            <a:ext uri="{AF507438-7753-43E0-B8FC-AC1667EBCBE1}">
+              <a14:hiddenEffects xmlns:a14="http://schemas.microsoft.com/office/drawing/2010/main">
+                <a:effectLst>
+                  <a:outerShdw dist="35921" dir="2700000" algn="ctr" rotWithShape="0">
+                    <a:schemeClr val="bg2"/>
+                  </a:outerShdw>
+                </a:effectLst>
+              </a14:hiddenEffects>
+            </a:ext>
+          </a:extLst>
+        </p:spPr>
+      </p:pic>
+    </p:spTree>
+    <p:extLst>
+      <p:ext uri="{BB962C8B-B14F-4D97-AF65-F5344CB8AC3E}">
+        <p14:creationId xmlns:p14="http://schemas.microsoft.com/office/powerpoint/2010/main" val="4154679412"/>
+      </p:ext>
+    </p:extLst>
+  </p:cSld>
+  <p:clrMapOvr>
+    <a:masterClrMapping/>
+  </p:clrMapOvr>
+  <p:timing>
+    <p:tnLst>
+      <p:par>
+        <p:cTn id="1" dur="indefinite" restart="never" nodeType="tmRoot">
+          <p:childTnLst>
+            <p:seq concurrent="1" nextAc="seek">
+              <p:cTn id="2" dur="indefinite" nodeType="mainSeq">
+                <p:childTnLst>
+                  <p:par>
+                    <p:cTn id="3" fill="hold">
+                      <p:stCondLst>
+                        <p:cond delay="indefinite"/>
+                        <p:cond evt="onBegin" delay="0">
+                          <p:tn val="2"/>
+                        </p:cond>
+                      </p:stCondLst>
+                      <p:childTnLst>
+                        <p:par>
+                          <p:cTn id="4" fill="hold">
+                            <p:stCondLst>
+                              <p:cond delay="0"/>
+                            </p:stCondLst>
+                            <p:childTnLst>
+                              <p:par>
+                                <p:cTn id="5" presetID="42" presetClass="entr" presetSubtype="0" fill="hold" grpId="0" nodeType="afterEffect">
+                                  <p:stCondLst>
+                                    <p:cond delay="0"/>
+                                  </p:stCondLst>
+                                  <p:childTnLst>
+                                    <p:set>
+                                      <p:cBhvr>
+                                        <p:cTn id="6" dur="1" fill="hold">
+                                          <p:stCondLst>
+                                            <p:cond delay="0"/>
+                                          </p:stCondLst>
+                                        </p:cTn>
+                                        <p:tgtEl>
+                                          <p:spTgt spid="2"/>
+                                        </p:tgtEl>
+                                        <p:attrNameLst>
+                                          <p:attrName>style.visibility</p:attrName>
+                                        </p:attrNameLst>
+                                      </p:cBhvr>
+                                      <p:to>
+                                        <p:strVal val="visible"/>
+                                      </p:to>
+                                    </p:set>
+                                    <p:animEffect transition="in" filter="fade">
+                                      <p:cBhvr>
+                                        <p:cTn id="7" dur="500"/>
+                                        <p:tgtEl>
+                                          <p:spTgt spid="2"/>
+                                        </p:tgtEl>
+                                      </p:cBhvr>
+                                    </p:animEffect>
+                                    <p:anim calcmode="lin" valueType="num">
+                                      <p:cBhvr>
+                                        <p:cTn id="8" dur="500" fill="hold"/>
+                                        <p:tgtEl>
+                                          <p:spTgt spid="2"/>
+                                        </p:tgtEl>
+                                        <p:attrNameLst>
+                                          <p:attrName>ppt_x</p:attrName>
+                                        </p:attrNameLst>
+                                      </p:cBhvr>
+                                      <p:tavLst>
+                                        <p:tav tm="0">
+                                          <p:val>
+                                            <p:strVal val="#ppt_x"/>
+                                          </p:val>
+                                        </p:tav>
+                                        <p:tav tm="100000">
+                                          <p:val>
+                                            <p:strVal val="#ppt_x"/>
+                                          </p:val>
+                                        </p:tav>
+                                      </p:tavLst>
+                                    </p:anim>
+                                    <p:anim calcmode="lin" valueType="num">
+                                      <p:cBhvr>
+                                        <p:cTn id="9" dur="500" fill="hold"/>
+                                        <p:tgtEl>
+                                          <p:spTgt spid="2"/>
+                                        </p:tgtEl>
+                                        <p:attrNameLst>
+                                          <p:attrName>ppt_y</p:attrName>
+                                        </p:attrNameLst>
+                                      </p:cBhvr>
+                                      <p:tavLst>
+                                        <p:tav tm="0">
+                                          <p:val>
+                                            <p:strVal val="#ppt_y+.1"/>
+                                          </p:val>
+                                        </p:tav>
+                                        <p:tav tm="100000">
+                                          <p:val>
+                                            <p:strVal val="#ppt_y"/>
+                                          </p:val>
+                                        </p:tav>
+                                      </p:tavLst>
+                                    </p:anim>
+                                  </p:childTnLst>
+                                </p:cTn>
+                              </p:par>
+                              <p:par>
+                                <p:cTn id="10" presetID="9" presetClass="entr" presetSubtype="0" fill="hold" nodeType="withEffect">
+                                  <p:stCondLst>
+                                    <p:cond delay="0"/>
+                                  </p:stCondLst>
+                                  <p:childTnLst>
+                                    <p:set>
+                                      <p:cBhvr>
+                                        <p:cTn id="11" dur="1" fill="hold">
+                                          <p:stCondLst>
+                                            <p:cond delay="0"/>
+                                          </p:stCondLst>
+                                        </p:cTn>
+                                        <p:tgtEl>
+                                          <p:spTgt spid="4"/>
+                                        </p:tgtEl>
+                                        <p:attrNameLst>
+                                          <p:attrName>style.visibility</p:attrName>
+                                        </p:attrNameLst>
+                                      </p:cBhvr>
+                                      <p:to>
+                                        <p:strVal val="visible"/>
+                                      </p:to>
+                                    </p:set>
+                                    <p:animEffect transition="in" filter="dissolve">
+                                      <p:cBhvr>
+                                        <p:cTn id="12" dur="500"/>
+                                        <p:tgtEl>
+                                          <p:spTgt spid="4"/>
+                                        </p:tgtEl>
+                                      </p:cBhvr>
+                                    </p:animEffect>
+                                  </p:childTnLst>
+                                </p:cTn>
+                              </p:par>
+                            </p:childTnLst>
+                          </p:cTn>
+                        </p:par>
+                      </p:childTnLst>
+                    </p:cTn>
+                  </p:par>
+                </p:childTnLst>
+              </p:cTn>
+              <p:prevCondLst>
+                <p:cond evt="onPrev" delay="0">
+                  <p:tgtEl>
+                    <p:sldTgt/>
+                  </p:tgtEl>
+                </p:cond>
+              </p:prevCondLst>
+              <p:nextCondLst>
+                <p:cond evt="onNext" delay="0">
+                  <p:tgtEl>
+                    <p:sldTgt/>
+                  </p:tgtEl>
+                </p:cond>
+              </p:nextCondLst>
+            </p:seq>
+          </p:childTnLst>
+        </p:cTn>
+      </p:par>
+    </p:tnLst>
+    <p:bldLst>
+      <p:bldP spid="2" grpId="0"/>
+    </p:bldLst>
+  </p:timing>
+</p:sld>
+</file>
+
+<file path=ppt/slides/slide7.xml><?xml version="1.0" encoding="utf-8"?>
+<p:sld xmlns:a="http://schemas.openxmlformats.org/drawingml/2006/main" xmlns:r="http://schemas.openxmlformats.org/officeDocument/2006/relationships" xmlns:p="http://schemas.openxmlformats.org/presentationml/2006/main">
+  <p:cSld>
+    <p:spTree>
+      <p:nvGrpSpPr>
+        <p:cNvPr id="1" name=""/>
+        <p:cNvGrpSpPr/>
+        <p:nvPr/>
+      </p:nvGrpSpPr>
+      <p:grpSpPr>
+        <a:xfrm>
+          <a:off x="0" y="0"/>
+          <a:ext cx="0" cy="0"/>
+          <a:chOff x="0" y="0"/>
+          <a:chExt cx="0" cy="0"/>
+        </a:xfrm>
+      </p:grpSpPr>
+      <p:sp>
+        <p:nvSpPr>
+          <p:cNvPr id="148482" name="Rectangle 2"/>
+          <p:cNvSpPr>
+            <a:spLocks noGrp="1" noChangeArrowheads="1"/>
+          </p:cNvSpPr>
+          <p:nvPr>
+            <p:ph type="title" idx="4294967295"/>
+          </p:nvPr>
+        </p:nvSpPr>
+        <p:spPr bwMode="auto">
+          <a:xfrm>
+            <a:off x="3006330" y="193204"/>
+            <a:ext cx="5310086" cy="432048"/>
+          </a:xfrm>
+          <a:prstGeom prst="rect">
+            <a:avLst/>
+          </a:prstGeom>
+          <a:noFill/>
+          <a:ln>
+            <a:miter lim="800000"/>
+            <a:headEnd/>
+            <a:tailEnd/>
+          </a:ln>
+        </p:spPr>
+        <p:txBody>
+          <a:bodyPr vert="horz" wrap="square" lIns="71323" tIns="35662" rIns="71323" bIns="35662" numCol="1" anchor="t" anchorCtr="0" compatLnSpc="1">
+            <a:prstTxWarp prst="textNoShape">
+              <a:avLst/>
+            </a:prstTxWarp>
+          </a:bodyPr>
+          <a:lstStyle/>
+          <a:p>
+            <a:pPr algn="r"/>
+            <a:r>
+              <a:rPr lang="pt-PT" sz="1000" b="1" i="1" dirty="0">
+                <a:solidFill>
+                  <a:srgbClr val="FF0000"/>
+                </a:solidFill>
+                <a:latin typeface="Arial" charset="0"/>
+              </a:rPr>
+              <a:t>SOP-T2-SFDVC</a:t>
+            </a:r>
+            <a:br>
+              <a:rPr lang="pt-PT" sz="900" b="1" i="1" dirty="0">
+                <a:solidFill>
+                  <a:srgbClr val="FF0000"/>
+                </a:solidFill>
+                <a:latin typeface="Arial" charset="0"/>
+              </a:rPr>
+            </a:br>
+            <a:r>
+              <a:rPr lang="pt-PT" sz="1800" b="1" i="1" cap="small" dirty="0">
+                <a:solidFill>
+                  <a:srgbClr val="FF0000"/>
+                </a:solidFill>
+                <a:latin typeface="Arial" charset="0"/>
+              </a:rPr>
+              <a:t>CODA</a:t>
+            </a:r>
+            <a:endParaRPr lang="pt-PT" sz="1600" b="1" i="1" cap="small" dirty="0">
+              <a:solidFill>
+                <a:srgbClr val="FF0000"/>
+              </a:solidFill>
+              <a:latin typeface="Arial" charset="0"/>
+            </a:endParaRPr>
+          </a:p>
+        </p:txBody>
+      </p:sp>
+      <p:sp>
+        <p:nvSpPr>
+          <p:cNvPr id="2" name="Rectangle 3">
+            <a:extLst>
+              <a:ext uri="{FF2B5EF4-FFF2-40B4-BE49-F238E27FC236}">
+                <a16:creationId xmlns:a16="http://schemas.microsoft.com/office/drawing/2014/main" id="{276FAAAA-4714-25C1-BF2E-7B540DCA1C30}"/>
+              </a:ext>
+            </a:extLst>
+          </p:cNvPr>
+          <p:cNvSpPr>
+            <a:spLocks noChangeArrowheads="1"/>
+          </p:cNvSpPr>
+          <p:nvPr/>
+        </p:nvSpPr>
+        <p:spPr bwMode="auto">
+          <a:xfrm>
+            <a:off x="540000" y="900000"/>
+            <a:ext cx="8136456" cy="392659"/>
+          </a:xfrm>
+          <a:prstGeom prst="rect">
+            <a:avLst/>
+          </a:prstGeom>
+          <a:noFill/>
+          <a:ln w="9525">
+            <a:noFill/>
+            <a:miter lim="800000"/>
+            <a:headEnd/>
+            <a:tailEnd/>
+          </a:ln>
+          <a:effectLst/>
+        </p:spPr>
+        <p:txBody>
+          <a:bodyPr wrap="square" lIns="62408" tIns="31204" rIns="62408" bIns="31204">
+            <a:spAutoFit/>
+          </a:bodyPr>
+          <a:lstStyle/>
+          <a:p>
+            <a:pPr marL="271463" indent="-271463" algn="l" defTabSz="800100">
+              <a:lnSpc>
+                <a:spcPct val="120000"/>
+              </a:lnSpc>
+              <a:buFont typeface="Wingdings" pitchFamily="2" charset="2"/>
+              <a:buChar char="Ø"/>
+            </a:pPr>
+            <a:r>
+              <a:rPr lang="pt-PT" sz="2000" i="0" dirty="0">
+                <a:solidFill>
+                  <a:srgbClr val="0033CC"/>
+                </a:solidFill>
+              </a:rPr>
+              <a:t>CODA:</a:t>
+            </a:r>
+            <a:endParaRPr lang="pt-PT" sz="2000" i="0" dirty="0"/>
+          </a:p>
+        </p:txBody>
+      </p:sp>
+      <p:pic>
+        <p:nvPicPr>
+          <p:cNvPr id="3" name="Picture 5">
+            <a:extLst>
+              <a:ext uri="{FF2B5EF4-FFF2-40B4-BE49-F238E27FC236}">
+                <a16:creationId xmlns:a16="http://schemas.microsoft.com/office/drawing/2014/main" id="{A2614D50-CFD0-82EB-727C-499FB05D5893}"/>
+              </a:ext>
+            </a:extLst>
+          </p:cNvPr>
+          <p:cNvPicPr>
+            <a:picLocks noChangeAspect="1" noChangeArrowheads="1"/>
+          </p:cNvPicPr>
+          <p:nvPr/>
+        </p:nvPicPr>
+        <p:blipFill>
+          <a:blip r:embed="rId3">
+            <a:extLst>
+              <a:ext uri="{28A0092B-C50C-407E-A947-70E740481C1C}">
+                <a14:useLocalDpi xmlns:a14="http://schemas.microsoft.com/office/drawing/2010/main" val="0"/>
+              </a:ext>
+            </a:extLst>
+          </a:blip>
+          <a:srcRect l="35489" t="45921" r="32068" b="40936"/>
+          <a:stretch>
+            <a:fillRect/>
+          </a:stretch>
+        </p:blipFill>
+        <p:spPr bwMode="auto">
+          <a:xfrm>
+            <a:off x="4840237" y="2095119"/>
+            <a:ext cx="3908227" cy="2240631"/>
+          </a:xfrm>
+          <a:prstGeom prst="rect">
+            <a:avLst/>
+          </a:prstGeom>
+          <a:noFill/>
+          <a:ln>
+            <a:noFill/>
+          </a:ln>
+          <a:effectLst/>
+          <a:extLst>
+            <a:ext uri="{909E8E84-426E-40DD-AFC4-6F175D3DCCD1}">
+              <a14:hiddenFill xmlns:a14="http://schemas.microsoft.com/office/drawing/2010/main">
+                <a:solidFill>
+                  <a:schemeClr val="accent1"/>
+                </a:solidFill>
+              </a14:hiddenFill>
+            </a:ext>
+            <a:ext uri="{91240B29-F687-4F45-9708-019B960494DF}">
+              <a14:hiddenLine xmlns:a14="http://schemas.microsoft.com/office/drawing/2010/main" w="9525">
+                <a:solidFill>
+                  <a:schemeClr val="tx1"/>
+                </a:solidFill>
+                <a:miter lim="800000"/>
+                <a:headEnd/>
+                <a:tailEnd/>
+              </a14:hiddenLine>
+            </a:ext>
+            <a:ext uri="{AF507438-7753-43E0-B8FC-AC1667EBCBE1}">
+              <a14:hiddenEffects xmlns:a14="http://schemas.microsoft.com/office/drawing/2010/main">
+                <a:effectLst>
+                  <a:outerShdw dist="35921" dir="2700000" algn="ctr" rotWithShape="0">
+                    <a:schemeClr val="bg2"/>
+                  </a:outerShdw>
+                </a:effectLst>
+              </a14:hiddenEffects>
+            </a:ext>
+          </a:extLst>
+        </p:spPr>
+      </p:pic>
+      <p:sp>
+        <p:nvSpPr>
+          <p:cNvPr id="8" name="Text Box 19">
+            <a:extLst>
+              <a:ext uri="{FF2B5EF4-FFF2-40B4-BE49-F238E27FC236}">
+                <a16:creationId xmlns:a16="http://schemas.microsoft.com/office/drawing/2014/main" id="{470EF346-617C-4D4D-1CF1-882BF94E8BF7}"/>
+              </a:ext>
+            </a:extLst>
+          </p:cNvPr>
+          <p:cNvSpPr txBox="1">
+            <a:spLocks noChangeArrowheads="1"/>
+          </p:cNvSpPr>
+          <p:nvPr/>
+        </p:nvSpPr>
+        <p:spPr bwMode="auto">
+          <a:xfrm>
+            <a:off x="467544" y="5138210"/>
+            <a:ext cx="8280920" cy="195131"/>
+          </a:xfrm>
+          <a:prstGeom prst="rect">
+            <a:avLst/>
+          </a:prstGeom>
+          <a:noFill/>
+          <a:ln w="9525" algn="ctr">
+            <a:noFill/>
+            <a:miter lim="800000"/>
+            <a:headEnd/>
+            <a:tailEnd/>
+          </a:ln>
+          <a:effectLst/>
+        </p:spPr>
+        <p:txBody>
+          <a:bodyPr wrap="square" lIns="71323" tIns="35662" rIns="71323" bIns="35662">
+            <a:spAutoFit/>
+          </a:bodyPr>
+          <a:lstStyle/>
+          <a:p>
+            <a:pPr algn="l" eaLnBrk="1" hangingPunct="1">
+              <a:spcBef>
+                <a:spcPct val="50000"/>
+              </a:spcBef>
+            </a:pPr>
+            <a:r>
+              <a:rPr lang="pt-PT" sz="800" b="0" dirty="0"/>
+              <a:t>Nota: Imagem obtida em </a:t>
+            </a:r>
+            <a:r>
+              <a:rPr lang="pt-PT" sz="800" dirty="0">
+                <a:solidFill>
+                  <a:srgbClr val="0033CC"/>
+                </a:solidFill>
+                <a:hlinkClick r:id="rId4">
+                  <a:extLst>
+                    <a:ext uri="{A12FA001-AC4F-418D-AE19-62706E023703}">
+                      <ahyp:hlinkClr xmlns:ahyp="http://schemas.microsoft.com/office/drawing/2018/hyperlinkcolor" val="tx"/>
+                    </a:ext>
+                  </a:extLst>
+                </a:hlinkClick>
+              </a:rPr>
+              <a:t>http://www.coda.cs.cmu.edu/ljpaper/lj.html</a:t>
+            </a:r>
+            <a:r>
+              <a:rPr lang="pt-PT" sz="800" dirty="0">
+                <a:solidFill>
+                  <a:srgbClr val="0033CC"/>
+                </a:solidFill>
+              </a:rPr>
+              <a:t> </a:t>
+            </a:r>
+          </a:p>
+        </p:txBody>
+      </p:sp>
+      <p:pic>
+        <p:nvPicPr>
+          <p:cNvPr id="1026" name="Picture 2">
+            <a:extLst>
+              <a:ext uri="{FF2B5EF4-FFF2-40B4-BE49-F238E27FC236}">
+                <a16:creationId xmlns:a16="http://schemas.microsoft.com/office/drawing/2014/main" id="{A31D1F92-38B7-B975-5A0E-D193B8C56F10}"/>
+              </a:ext>
+            </a:extLst>
+          </p:cNvPr>
+          <p:cNvPicPr>
+            <a:picLocks noChangeAspect="1" noChangeArrowheads="1"/>
+          </p:cNvPicPr>
+          <p:nvPr/>
+        </p:nvPicPr>
+        <p:blipFill>
+          <a:blip r:embed="rId5">
+            <a:extLst>
+              <a:ext uri="{28A0092B-C50C-407E-A947-70E740481C1C}">
+                <a14:useLocalDpi xmlns:a14="http://schemas.microsoft.com/office/drawing/2010/main" val="0"/>
+              </a:ext>
+            </a:extLst>
+          </a:blip>
+          <a:srcRect/>
+          <a:stretch>
+            <a:fillRect/>
+          </a:stretch>
+        </p:blipFill>
+        <p:spPr bwMode="auto">
+          <a:xfrm>
+            <a:off x="1038423" y="1359696"/>
+            <a:ext cx="3533577" cy="3802060"/>
+          </a:xfrm>
+          <a:prstGeom prst="rect">
+            <a:avLst/>
+          </a:prstGeom>
+          <a:noFill/>
+          <a:extLst>
+            <a:ext uri="{909E8E84-426E-40DD-AFC4-6F175D3DCCD1}">
+              <a14:hiddenFill xmlns:a14="http://schemas.microsoft.com/office/drawing/2010/main">
+                <a:solidFill>
+                  <a:srgbClr val="FFFFFF"/>
+                </a:solidFill>
+              </a14:hiddenFill>
+            </a:ext>
+          </a:extLst>
+        </p:spPr>
+      </p:pic>
+    </p:spTree>
+    <p:extLst>
+      <p:ext uri="{BB962C8B-B14F-4D97-AF65-F5344CB8AC3E}">
+        <p14:creationId xmlns:p14="http://schemas.microsoft.com/office/powerpoint/2010/main" val="1329184413"/>
+      </p:ext>
+    </p:extLst>
+  </p:cSld>
+  <p:clrMapOvr>
+    <a:masterClrMapping/>
+  </p:clrMapOvr>
+  <p:timing>
+    <p:tnLst>
+      <p:par>
+        <p:cTn id="1" dur="indefinite" restart="never" nodeType="tmRoot">
+          <p:childTnLst>
+            <p:seq concurrent="1" nextAc="seek">
+              <p:cTn id="2" dur="indefinite" nodeType="mainSeq">
+                <p:childTnLst>
+                  <p:par>
+                    <p:cTn id="3" fill="hold">
+                      <p:stCondLst>
+                        <p:cond delay="indefinite"/>
+                        <p:cond evt="onBegin" delay="0">
+                          <p:tn val="2"/>
+                        </p:cond>
+                      </p:stCondLst>
+                      <p:childTnLst>
+                        <p:par>
+                          <p:cTn id="4" fill="hold">
+                            <p:stCondLst>
+                              <p:cond delay="0"/>
+                            </p:stCondLst>
+                            <p:childTnLst>
+                              <p:par>
+                                <p:cTn id="5" presetID="42" presetClass="entr" presetSubtype="0" fill="hold" grpId="0" nodeType="afterEffect">
+                                  <p:stCondLst>
+                                    <p:cond delay="0"/>
+                                  </p:stCondLst>
+                                  <p:childTnLst>
+                                    <p:set>
+                                      <p:cBhvr>
+                                        <p:cTn id="6" dur="1" fill="hold">
+                                          <p:stCondLst>
+                                            <p:cond delay="0"/>
+                                          </p:stCondLst>
+                                        </p:cTn>
+                                        <p:tgtEl>
+                                          <p:spTgt spid="2"/>
+                                        </p:tgtEl>
+                                        <p:attrNameLst>
+                                          <p:attrName>style.visibility</p:attrName>
+                                        </p:attrNameLst>
+                                      </p:cBhvr>
+                                      <p:to>
+                                        <p:strVal val="visible"/>
+                                      </p:to>
+                                    </p:set>
+                                    <p:animEffect transition="in" filter="fade">
+                                      <p:cBhvr>
+                                        <p:cTn id="7" dur="500"/>
+                                        <p:tgtEl>
+                                          <p:spTgt spid="2"/>
+                                        </p:tgtEl>
+                                      </p:cBhvr>
+                                    </p:animEffect>
+                                    <p:anim calcmode="lin" valueType="num">
+                                      <p:cBhvr>
+                                        <p:cTn id="8" dur="500" fill="hold"/>
+                                        <p:tgtEl>
+                                          <p:spTgt spid="2"/>
+                                        </p:tgtEl>
+                                        <p:attrNameLst>
+                                          <p:attrName>ppt_x</p:attrName>
+                                        </p:attrNameLst>
+                                      </p:cBhvr>
+                                      <p:tavLst>
+                                        <p:tav tm="0">
+                                          <p:val>
+                                            <p:strVal val="#ppt_x"/>
+                                          </p:val>
+                                        </p:tav>
+                                        <p:tav tm="100000">
+                                          <p:val>
+                                            <p:strVal val="#ppt_x"/>
+                                          </p:val>
+                                        </p:tav>
+                                      </p:tavLst>
+                                    </p:anim>
+                                    <p:anim calcmode="lin" valueType="num">
+                                      <p:cBhvr>
+                                        <p:cTn id="9" dur="500" fill="hold"/>
+                                        <p:tgtEl>
+                                          <p:spTgt spid="2"/>
+                                        </p:tgtEl>
+                                        <p:attrNameLst>
+                                          <p:attrName>ppt_y</p:attrName>
+                                        </p:attrNameLst>
+                                      </p:cBhvr>
+                                      <p:tavLst>
+                                        <p:tav tm="0">
+                                          <p:val>
+                                            <p:strVal val="#ppt_y+.1"/>
+                                          </p:val>
+                                        </p:tav>
+                                        <p:tav tm="100000">
+                                          <p:val>
+                                            <p:strVal val="#ppt_y"/>
+                                          </p:val>
+                                        </p:tav>
+                                      </p:tavLst>
+                                    </p:anim>
+                                  </p:childTnLst>
+                                </p:cTn>
+                              </p:par>
+                              <p:par>
+                                <p:cTn id="10" presetID="9" presetClass="entr" presetSubtype="0" fill="hold" grpId="1" nodeType="withEffect">
+                                  <p:stCondLst>
+                                    <p:cond delay="0"/>
+                                  </p:stCondLst>
+                                  <p:childTnLst>
+                                    <p:set>
+                                      <p:cBhvr>
+                                        <p:cTn id="11" dur="1" fill="hold">
+                                          <p:stCondLst>
+                                            <p:cond delay="0"/>
+                                          </p:stCondLst>
+                                        </p:cTn>
+                                        <p:tgtEl>
+                                          <p:spTgt spid="2"/>
+                                        </p:tgtEl>
+                                        <p:attrNameLst>
+                                          <p:attrName>style.visibility</p:attrName>
+                                        </p:attrNameLst>
+                                      </p:cBhvr>
+                                      <p:to>
+                                        <p:strVal val="visible"/>
+                                      </p:to>
+                                    </p:set>
+                                    <p:animEffect transition="in" filter="dissolve">
+                                      <p:cBhvr>
+                                        <p:cTn id="12" dur="500"/>
+                                        <p:tgtEl>
+                                          <p:spTgt spid="2"/>
+                                        </p:tgtEl>
+                                      </p:cBhvr>
+                                    </p:animEffect>
+                                  </p:childTnLst>
+                                </p:cTn>
+                              </p:par>
+                              <p:par>
+                                <p:cTn id="13" presetID="1" presetClass="entr" presetSubtype="0" fill="hold" grpId="0" nodeType="withEffect">
+                                  <p:stCondLst>
+                                    <p:cond delay="0"/>
+                                  </p:stCondLst>
+                                  <p:childTnLst>
+                                    <p:set>
+                                      <p:cBhvr>
+                                        <p:cTn id="14" dur="1" fill="hold">
+                                          <p:stCondLst>
+                                            <p:cond delay="0"/>
+                                          </p:stCondLst>
+                                        </p:cTn>
+                                        <p:tgtEl>
+                                          <p:spTgt spid="8"/>
+                                        </p:tgtEl>
+                                        <p:attrNameLst>
+                                          <p:attrName>style.visibility</p:attrName>
+                                        </p:attrNameLst>
+                                      </p:cBhvr>
+                                      <p:to>
+                                        <p:strVal val="visible"/>
+                                      </p:to>
+                                    </p:set>
+                                  </p:childTnLst>
+                                </p:cTn>
+                              </p:par>
+                            </p:childTnLst>
+                          </p:cTn>
+                        </p:par>
+                      </p:childTnLst>
+                    </p:cTn>
+                  </p:par>
+                </p:childTnLst>
+              </p:cTn>
+              <p:prevCondLst>
+                <p:cond evt="onPrev" delay="0">
+                  <p:tgtEl>
+                    <p:sldTgt/>
+                  </p:tgtEl>
+                </p:cond>
+              </p:prevCondLst>
+              <p:nextCondLst>
+                <p:cond evt="onNext" delay="0">
+                  <p:tgtEl>
+                    <p:sldTgt/>
+                  </p:tgtEl>
+                </p:cond>
+              </p:nextCondLst>
+            </p:seq>
+          </p:childTnLst>
+        </p:cTn>
+      </p:par>
+    </p:tnLst>
+    <p:bldLst>
+      <p:bldP spid="2" grpId="0"/>
+      <p:bldP spid="2" grpId="1"/>
+      <p:bldP spid="8" grpId="0"/>
+    </p:bldLst>
+  </p:timing>
+</p:sld>
+</file>
+
+<file path=ppt/slides/slide8.xml><?xml version="1.0" encoding="utf-8"?>
+<p:sld xmlns:a="http://schemas.openxmlformats.org/drawingml/2006/main" xmlns:r="http://schemas.openxmlformats.org/officeDocument/2006/relationships" xmlns:p="http://schemas.openxmlformats.org/presentationml/2006/main">
+  <p:cSld>
+    <p:spTree>
+      <p:nvGrpSpPr>
+        <p:cNvPr id="1" name=""/>
+        <p:cNvGrpSpPr/>
+        <p:nvPr/>
+      </p:nvGrpSpPr>
+      <p:grpSpPr>
+        <a:xfrm>
+          <a:off x="0" y="0"/>
+          <a:ext cx="0" cy="0"/>
+          <a:chOff x="0" y="0"/>
+          <a:chExt cx="0" cy="0"/>
+        </a:xfrm>
+      </p:grpSpPr>
+      <p:sp>
+        <p:nvSpPr>
+          <p:cNvPr id="148482" name="Rectangle 2"/>
+          <p:cNvSpPr>
+            <a:spLocks noGrp="1" noChangeArrowheads="1"/>
+          </p:cNvSpPr>
+          <p:nvPr>
+            <p:ph type="title" idx="4294967295"/>
+          </p:nvPr>
+        </p:nvSpPr>
+        <p:spPr bwMode="auto">
+          <a:xfrm>
+            <a:off x="3006330" y="193204"/>
+            <a:ext cx="5310086" cy="432048"/>
+          </a:xfrm>
+          <a:prstGeom prst="rect">
+            <a:avLst/>
+          </a:prstGeom>
+          <a:noFill/>
+          <a:ln>
+            <a:miter lim="800000"/>
+            <a:headEnd/>
+            <a:tailEnd/>
+          </a:ln>
+        </p:spPr>
+        <p:txBody>
+          <a:bodyPr vert="horz" wrap="square" lIns="71323" tIns="35662" rIns="71323" bIns="35662" numCol="1" anchor="t" anchorCtr="0" compatLnSpc="1">
+            <a:prstTxWarp prst="textNoShape">
+              <a:avLst/>
+            </a:prstTxWarp>
+          </a:bodyPr>
+          <a:lstStyle/>
+          <a:p>
+            <a:pPr algn="r"/>
+            <a:r>
+              <a:rPr lang="pt-PT" sz="1000" b="1" i="1" dirty="0">
+                <a:solidFill>
+                  <a:srgbClr val="FF0000"/>
+                </a:solidFill>
+                <a:latin typeface="Arial" charset="0"/>
+              </a:rPr>
+              <a:t>SOP-T2-SFDVC</a:t>
+            </a:r>
+            <a:br>
+              <a:rPr lang="pt-PT" sz="900" b="1" i="1" dirty="0">
+                <a:solidFill>
+                  <a:srgbClr val="FF0000"/>
+                </a:solidFill>
+                <a:latin typeface="Arial" charset="0"/>
+              </a:rPr>
+            </a:br>
+            <a:r>
               <a:rPr lang="pt-PT" sz="1800" b="1" i="1" cap="small" dirty="0" err="1">
                 <a:solidFill>
                   <a:srgbClr val="FF0000"/>
@@ -6432,16 +10349,28 @@
             </a:pPr>
             <a:r>
               <a:rPr lang="pt-PT" sz="800" b="0" dirty="0"/>
-              <a:t>Nota: Imagens obtidas em </a:t>
-            </a:r>
-            <a:r>
-              <a:rPr lang="pt-PT" sz="800" dirty="0"/>
+              <a:t>Nota: Imagem obtida em </a:t>
+            </a:r>
+            <a:r>
+              <a:rPr lang="pt-PT" sz="800" dirty="0">
+                <a:solidFill>
+                  <a:srgbClr val="0033CC"/>
+                </a:solidFill>
+                <a:hlinkClick r:id="rId4">
+                  <a:extLst>
+                    <a:ext uri="{A12FA001-AC4F-418D-AE19-62706E023703}">
+                      <ahyp:hlinkClr xmlns:ahyp="http://schemas.microsoft.com/office/drawing/2018/hyperlinkcolor" val="tx"/>
+                    </a:ext>
+                  </a:extLst>
+                </a:hlinkClick>
+              </a:rPr>
               <a:t>http://www.openbookproject.net/tutorials/getdown/unix/lesson2.html</a:t>
             </a:r>
             <a:r>
               <a:rPr lang="pt-PT" sz="800" b="0" dirty="0"/>
-              <a:t>.</a:t>
-            </a:r>
+              <a:t> </a:t>
+            </a:r>
+            <a:endParaRPr lang="pt-PT" sz="800" dirty="0"/>
           </a:p>
         </p:txBody>
       </p:sp>
@@ -6900,7 +10829,7 @@
 </p:sld>
 </file>
 
-<file path=ppt/slides/slide5.xml><?xml version="1.0" encoding="utf-8"?>
+<file path=ppt/slides/slide9.xml><?xml version="1.0" encoding="utf-8"?>
 <p:sld xmlns:a="http://schemas.openxmlformats.org/drawingml/2006/main" xmlns:r="http://schemas.openxmlformats.org/officeDocument/2006/relationships" xmlns:p="http://schemas.openxmlformats.org/presentationml/2006/main">
   <p:cSld>
     <p:spTree>
@@ -7352,1570 +11281,6 @@
     <p:bldLst>
       <p:bldP spid="10" grpId="0"/>
       <p:bldP spid="12" grpId="0"/>
-    </p:bldLst>
-  </p:timing>
-</p:sld>
-</file>
-
-<file path=ppt/slides/slide6.xml><?xml version="1.0" encoding="utf-8"?>
-<p:sld xmlns:a="http://schemas.openxmlformats.org/drawingml/2006/main" xmlns:r="http://schemas.openxmlformats.org/officeDocument/2006/relationships" xmlns:p="http://schemas.openxmlformats.org/presentationml/2006/main">
-  <p:cSld>
-    <p:spTree>
-      <p:nvGrpSpPr>
-        <p:cNvPr id="1" name=""/>
-        <p:cNvGrpSpPr/>
-        <p:nvPr/>
-      </p:nvGrpSpPr>
-      <p:grpSpPr>
-        <a:xfrm>
-          <a:off x="0" y="0"/>
-          <a:ext cx="0" cy="0"/>
-          <a:chOff x="0" y="0"/>
-          <a:chExt cx="0" cy="0"/>
-        </a:xfrm>
-      </p:grpSpPr>
-      <p:sp>
-        <p:nvSpPr>
-          <p:cNvPr id="148482" name="Rectangle 2"/>
-          <p:cNvSpPr>
-            <a:spLocks noGrp="1" noChangeArrowheads="1"/>
-          </p:cNvSpPr>
-          <p:nvPr>
-            <p:ph type="title" idx="4294967295"/>
-          </p:nvPr>
-        </p:nvSpPr>
-        <p:spPr bwMode="auto">
-          <a:xfrm>
-            <a:off x="3006330" y="193204"/>
-            <a:ext cx="5310086" cy="432048"/>
-          </a:xfrm>
-          <a:prstGeom prst="rect">
-            <a:avLst/>
-          </a:prstGeom>
-          <a:noFill/>
-          <a:ln>
-            <a:miter lim="800000"/>
-            <a:headEnd/>
-            <a:tailEnd/>
-          </a:ln>
-        </p:spPr>
-        <p:txBody>
-          <a:bodyPr vert="horz" wrap="square" lIns="71323" tIns="35662" rIns="71323" bIns="35662" numCol="1" anchor="t" anchorCtr="0" compatLnSpc="1">
-            <a:prstTxWarp prst="textNoShape">
-              <a:avLst/>
-            </a:prstTxWarp>
-          </a:bodyPr>
-          <a:lstStyle/>
-          <a:p>
-            <a:pPr algn="r"/>
-            <a:r>
-              <a:rPr lang="pt-PT" sz="1000" b="1" i="1" dirty="0">
-                <a:solidFill>
-                  <a:srgbClr val="FF0000"/>
-                </a:solidFill>
-                <a:latin typeface="Arial" charset="0"/>
-              </a:rPr>
-              <a:t>SOP-T2-SDFVC</a:t>
-            </a:r>
-            <a:br>
-              <a:rPr lang="pt-PT" sz="900" b="1" i="1" dirty="0">
-                <a:solidFill>
-                  <a:srgbClr val="FF0000"/>
-                </a:solidFill>
-                <a:latin typeface="Arial" charset="0"/>
-              </a:rPr>
-            </a:br>
-            <a:r>
-              <a:rPr lang="pt-PT" sz="1800" b="1" i="1" cap="small" dirty="0">
-                <a:solidFill>
-                  <a:srgbClr val="FF0000"/>
-                </a:solidFill>
-                <a:latin typeface="Arial" charset="0"/>
-              </a:rPr>
-              <a:t>Exemplo Prático</a:t>
-            </a:r>
-          </a:p>
-        </p:txBody>
-      </p:sp>
-      <p:sp>
-        <p:nvSpPr>
-          <p:cNvPr id="4" name="Rectangle 7"/>
-          <p:cNvSpPr>
-            <a:spLocks noChangeArrowheads="1"/>
-          </p:cNvSpPr>
-          <p:nvPr/>
-        </p:nvSpPr>
-        <p:spPr bwMode="auto">
-          <a:xfrm>
-            <a:off x="539552" y="877094"/>
-            <a:ext cx="8064896" cy="2247270"/>
-          </a:xfrm>
-          <a:prstGeom prst="rect">
-            <a:avLst/>
-          </a:prstGeom>
-          <a:noFill/>
-          <a:ln w="9525">
-            <a:noFill/>
-            <a:miter lim="800000"/>
-            <a:headEnd/>
-            <a:tailEnd/>
-          </a:ln>
-          <a:effectLst/>
-        </p:spPr>
-        <p:txBody>
-          <a:bodyPr wrap="square" lIns="62408" tIns="31204" rIns="62408" bIns="31204">
-            <a:spAutoFit/>
-          </a:bodyPr>
-          <a:lstStyle/>
-          <a:p>
-            <a:pPr algn="just" defTabSz="624078">
-              <a:lnSpc>
-                <a:spcPct val="120000"/>
-              </a:lnSpc>
-            </a:pPr>
-            <a:r>
-              <a:rPr lang="pt-BR" sz="2000" i="0" dirty="0">
-                <a:latin typeface="Courier New" panose="02070309020205020404" pitchFamily="49" charset="0"/>
-                <a:cs typeface="Courier New" panose="02070309020205020404" pitchFamily="49" charset="0"/>
-              </a:rPr>
-              <a:t>svn create [titulo]</a:t>
-            </a:r>
-          </a:p>
-          <a:p>
-            <a:pPr marL="560928" lvl="1" indent="-209265" algn="just" defTabSz="624078">
-              <a:lnSpc>
-                <a:spcPct val="120000"/>
-              </a:lnSpc>
-              <a:buFont typeface="Wingdings" pitchFamily="2" charset="2"/>
-              <a:buChar char="Ø"/>
-            </a:pPr>
-            <a:r>
-              <a:rPr lang="pt-BR" sz="1600" b="0" i="0" dirty="0"/>
-              <a:t>Cria um repositório na pasta atual;</a:t>
-            </a:r>
-          </a:p>
-          <a:p>
-            <a:pPr marL="560928" lvl="1" indent="-209265" algn="just" defTabSz="624078">
-              <a:lnSpc>
-                <a:spcPct val="120000"/>
-              </a:lnSpc>
-              <a:buFont typeface="Wingdings" pitchFamily="2" charset="2"/>
-              <a:buChar char="Ø"/>
-            </a:pPr>
-            <a:r>
-              <a:rPr lang="pt-BR" sz="1600" b="0" i="0" dirty="0"/>
-              <a:t>Comando apenas invocado 1 vez no início.</a:t>
-            </a:r>
-            <a:endParaRPr lang="pt-PT" sz="1600" b="0" i="0" dirty="0"/>
-          </a:p>
-          <a:p>
-            <a:pPr algn="just" defTabSz="624078">
-              <a:lnSpc>
-                <a:spcPct val="120000"/>
-              </a:lnSpc>
-            </a:pPr>
-            <a:r>
-              <a:rPr lang="pt-BR" sz="2000" i="0" dirty="0">
-                <a:latin typeface="Courier New" panose="02070309020205020404" pitchFamily="49" charset="0"/>
-                <a:cs typeface="Courier New" panose="02070309020205020404" pitchFamily="49" charset="0"/>
-              </a:rPr>
-              <a:t>svn checkout URL[@REV]... [PATH]</a:t>
-            </a:r>
-          </a:p>
-          <a:p>
-            <a:pPr marL="560928" lvl="1" indent="-209265" algn="just" defTabSz="624078">
-              <a:lnSpc>
-                <a:spcPct val="120000"/>
-              </a:lnSpc>
-              <a:buFont typeface="Wingdings" pitchFamily="2" charset="2"/>
-              <a:buChar char="Ø"/>
-            </a:pPr>
-            <a:r>
-              <a:rPr lang="pt-BR" sz="1600" b="0" i="0" dirty="0"/>
-              <a:t>Cria uma cópia do repositório na pasta atual ou numa e indicada (PATH);</a:t>
-            </a:r>
-          </a:p>
-          <a:p>
-            <a:pPr marL="560928" lvl="1" indent="-209265" algn="just" defTabSz="624078">
-              <a:lnSpc>
-                <a:spcPct val="120000"/>
-              </a:lnSpc>
-              <a:buFont typeface="Wingdings" pitchFamily="2" charset="2"/>
-              <a:buChar char="Ø"/>
-            </a:pPr>
-            <a:r>
-              <a:rPr lang="pt-BR" sz="1600" b="0" i="0" dirty="0"/>
-              <a:t>Comando apenas invocado 1 vez no início em cada local com um cópia do repositório.</a:t>
-            </a:r>
-            <a:endParaRPr lang="pt-PT" sz="1600" b="0" i="0" dirty="0"/>
-          </a:p>
-        </p:txBody>
-      </p:sp>
-    </p:spTree>
-    <p:extLst>
-      <p:ext uri="{BB962C8B-B14F-4D97-AF65-F5344CB8AC3E}">
-        <p14:creationId xmlns:p14="http://schemas.microsoft.com/office/powerpoint/2010/main" val="3626177224"/>
-      </p:ext>
-    </p:extLst>
-  </p:cSld>
-  <p:clrMapOvr>
-    <a:masterClrMapping/>
-  </p:clrMapOvr>
-  <p:timing>
-    <p:tnLst>
-      <p:par>
-        <p:cTn id="1" dur="indefinite" restart="never" nodeType="tmRoot">
-          <p:childTnLst>
-            <p:seq concurrent="1" nextAc="seek">
-              <p:cTn id="2" dur="indefinite" nodeType="mainSeq">
-                <p:childTnLst>
-                  <p:par>
-                    <p:cTn id="3" fill="hold">
-                      <p:stCondLst>
-                        <p:cond delay="indefinite"/>
-                        <p:cond evt="onBegin" delay="0">
-                          <p:tn val="2"/>
-                        </p:cond>
-                      </p:stCondLst>
-                      <p:childTnLst>
-                        <p:par>
-                          <p:cTn id="4" fill="hold">
-                            <p:stCondLst>
-                              <p:cond delay="0"/>
-                            </p:stCondLst>
-                            <p:childTnLst>
-                              <p:par>
-                                <p:cTn id="5" presetID="42" presetClass="entr" presetSubtype="0" fill="hold" grpId="0" nodeType="afterEffect">
-                                  <p:stCondLst>
-                                    <p:cond delay="0"/>
-                                  </p:stCondLst>
-                                  <p:childTnLst>
-                                    <p:set>
-                                      <p:cBhvr>
-                                        <p:cTn id="6" dur="1" fill="hold">
-                                          <p:stCondLst>
-                                            <p:cond delay="0"/>
-                                          </p:stCondLst>
-                                        </p:cTn>
-                                        <p:tgtEl>
-                                          <p:spTgt spid="4"/>
-                                        </p:tgtEl>
-                                        <p:attrNameLst>
-                                          <p:attrName>style.visibility</p:attrName>
-                                        </p:attrNameLst>
-                                      </p:cBhvr>
-                                      <p:to>
-                                        <p:strVal val="visible"/>
-                                      </p:to>
-                                    </p:set>
-                                    <p:animEffect transition="in" filter="fade">
-                                      <p:cBhvr>
-                                        <p:cTn id="7" dur="500"/>
-                                        <p:tgtEl>
-                                          <p:spTgt spid="4"/>
-                                        </p:tgtEl>
-                                      </p:cBhvr>
-                                    </p:animEffect>
-                                    <p:anim calcmode="lin" valueType="num">
-                                      <p:cBhvr>
-                                        <p:cTn id="8" dur="500" fill="hold"/>
-                                        <p:tgtEl>
-                                          <p:spTgt spid="4"/>
-                                        </p:tgtEl>
-                                        <p:attrNameLst>
-                                          <p:attrName>ppt_x</p:attrName>
-                                        </p:attrNameLst>
-                                      </p:cBhvr>
-                                      <p:tavLst>
-                                        <p:tav tm="0">
-                                          <p:val>
-                                            <p:strVal val="#ppt_x"/>
-                                          </p:val>
-                                        </p:tav>
-                                        <p:tav tm="100000">
-                                          <p:val>
-                                            <p:strVal val="#ppt_x"/>
-                                          </p:val>
-                                        </p:tav>
-                                      </p:tavLst>
-                                    </p:anim>
-                                    <p:anim calcmode="lin" valueType="num">
-                                      <p:cBhvr>
-                                        <p:cTn id="9" dur="500" fill="hold"/>
-                                        <p:tgtEl>
-                                          <p:spTgt spid="4"/>
-                                        </p:tgtEl>
-                                        <p:attrNameLst>
-                                          <p:attrName>ppt_y</p:attrName>
-                                        </p:attrNameLst>
-                                      </p:cBhvr>
-                                      <p:tavLst>
-                                        <p:tav tm="0">
-                                          <p:val>
-                                            <p:strVal val="#ppt_y+.1"/>
-                                          </p:val>
-                                        </p:tav>
-                                        <p:tav tm="100000">
-                                          <p:val>
-                                            <p:strVal val="#ppt_y"/>
-                                          </p:val>
-                                        </p:tav>
-                                      </p:tavLst>
-                                    </p:anim>
-                                  </p:childTnLst>
-                                </p:cTn>
-                              </p:par>
-                            </p:childTnLst>
-                          </p:cTn>
-                        </p:par>
-                      </p:childTnLst>
-                    </p:cTn>
-                  </p:par>
-                </p:childTnLst>
-              </p:cTn>
-              <p:prevCondLst>
-                <p:cond evt="onPrev" delay="0">
-                  <p:tgtEl>
-                    <p:sldTgt/>
-                  </p:tgtEl>
-                </p:cond>
-              </p:prevCondLst>
-              <p:nextCondLst>
-                <p:cond evt="onNext" delay="0">
-                  <p:tgtEl>
-                    <p:sldTgt/>
-                  </p:tgtEl>
-                </p:cond>
-              </p:nextCondLst>
-            </p:seq>
-          </p:childTnLst>
-        </p:cTn>
-      </p:par>
-    </p:tnLst>
-    <p:bldLst>
-      <p:bldP spid="4" grpId="0"/>
-    </p:bldLst>
-  </p:timing>
-</p:sld>
-</file>
-
-<file path=ppt/slides/slide7.xml><?xml version="1.0" encoding="utf-8"?>
-<p:sld xmlns:a="http://schemas.openxmlformats.org/drawingml/2006/main" xmlns:r="http://schemas.openxmlformats.org/officeDocument/2006/relationships" xmlns:p="http://schemas.openxmlformats.org/presentationml/2006/main">
-  <p:cSld>
-    <p:spTree>
-      <p:nvGrpSpPr>
-        <p:cNvPr id="1" name=""/>
-        <p:cNvGrpSpPr/>
-        <p:nvPr/>
-      </p:nvGrpSpPr>
-      <p:grpSpPr>
-        <a:xfrm>
-          <a:off x="0" y="0"/>
-          <a:ext cx="0" cy="0"/>
-          <a:chOff x="0" y="0"/>
-          <a:chExt cx="0" cy="0"/>
-        </a:xfrm>
-      </p:grpSpPr>
-      <p:sp>
-        <p:nvSpPr>
-          <p:cNvPr id="148482" name="Rectangle 2"/>
-          <p:cNvSpPr>
-            <a:spLocks noGrp="1" noChangeArrowheads="1"/>
-          </p:cNvSpPr>
-          <p:nvPr>
-            <p:ph type="title" idx="4294967295"/>
-          </p:nvPr>
-        </p:nvSpPr>
-        <p:spPr bwMode="auto">
-          <a:xfrm>
-            <a:off x="3006330" y="193204"/>
-            <a:ext cx="5310086" cy="432048"/>
-          </a:xfrm>
-          <a:prstGeom prst="rect">
-            <a:avLst/>
-          </a:prstGeom>
-          <a:noFill/>
-          <a:ln>
-            <a:miter lim="800000"/>
-            <a:headEnd/>
-            <a:tailEnd/>
-          </a:ln>
-        </p:spPr>
-        <p:txBody>
-          <a:bodyPr vert="horz" wrap="square" lIns="71323" tIns="35662" rIns="71323" bIns="35662" numCol="1" anchor="t" anchorCtr="0" compatLnSpc="1">
-            <a:prstTxWarp prst="textNoShape">
-              <a:avLst/>
-            </a:prstTxWarp>
-          </a:bodyPr>
-          <a:lstStyle/>
-          <a:p>
-            <a:pPr algn="r"/>
-            <a:r>
-              <a:rPr lang="pt-PT" sz="1000" b="1" i="1" dirty="0">
-                <a:solidFill>
-                  <a:srgbClr val="FF0000"/>
-                </a:solidFill>
-                <a:latin typeface="Arial" charset="0"/>
-              </a:rPr>
-              <a:t>SOP-T2-SFDVC</a:t>
-            </a:r>
-            <a:br>
-              <a:rPr lang="pt-PT" sz="900" b="1" i="1" dirty="0">
-                <a:solidFill>
-                  <a:srgbClr val="FF0000"/>
-                </a:solidFill>
-                <a:latin typeface="Arial" charset="0"/>
-              </a:rPr>
-            </a:br>
-            <a:r>
-              <a:rPr lang="pt-PT" sz="1800" b="1" i="1" cap="small" dirty="0">
-                <a:solidFill>
-                  <a:srgbClr val="FF0000"/>
-                </a:solidFill>
-                <a:latin typeface="Arial" charset="0"/>
-              </a:rPr>
-              <a:t>Exemplo Prático</a:t>
-            </a:r>
-          </a:p>
-        </p:txBody>
-      </p:sp>
-      <p:sp>
-        <p:nvSpPr>
-          <p:cNvPr id="4" name="Rectangle 7"/>
-          <p:cNvSpPr>
-            <a:spLocks noChangeArrowheads="1"/>
-          </p:cNvSpPr>
-          <p:nvPr/>
-        </p:nvSpPr>
-        <p:spPr bwMode="auto">
-          <a:xfrm>
-            <a:off x="539552" y="877094"/>
-            <a:ext cx="8064896" cy="3091539"/>
-          </a:xfrm>
-          <a:prstGeom prst="rect">
-            <a:avLst/>
-          </a:prstGeom>
-          <a:noFill/>
-          <a:ln w="9525">
-            <a:noFill/>
-            <a:miter lim="800000"/>
-            <a:headEnd/>
-            <a:tailEnd/>
-          </a:ln>
-          <a:effectLst/>
-        </p:spPr>
-        <p:txBody>
-          <a:bodyPr wrap="square" lIns="62408" tIns="31204" rIns="62408" bIns="31204">
-            <a:spAutoFit/>
-          </a:bodyPr>
-          <a:lstStyle/>
-          <a:p>
-            <a:pPr algn="just" defTabSz="624078">
-              <a:lnSpc>
-                <a:spcPct val="120000"/>
-              </a:lnSpc>
-            </a:pPr>
-            <a:r>
-              <a:rPr lang="pt-BR" sz="2000" i="0" dirty="0">
-                <a:latin typeface="Courier New" panose="02070309020205020404" pitchFamily="49" charset="0"/>
-                <a:cs typeface="Courier New" panose="02070309020205020404" pitchFamily="49" charset="0"/>
-              </a:rPr>
-              <a:t>svn commit [PATH...]</a:t>
-            </a:r>
-          </a:p>
-          <a:p>
-            <a:pPr marL="560928" lvl="1" indent="-209265" algn="just" defTabSz="624078">
-              <a:lnSpc>
-                <a:spcPct val="120000"/>
-              </a:lnSpc>
-              <a:buFont typeface="Wingdings" pitchFamily="2" charset="2"/>
-              <a:buChar char="Ø"/>
-            </a:pPr>
-            <a:r>
-              <a:rPr lang="pt-PT" sz="1600" b="0" i="0" dirty="0"/>
-              <a:t>Submete as alterações da cópia local no repositório com base na pasta atual ou pasta indicada (PATH);</a:t>
-            </a:r>
-          </a:p>
-          <a:p>
-            <a:pPr marL="560928" lvl="1" indent="-209265" algn="just" defTabSz="624078">
-              <a:lnSpc>
-                <a:spcPct val="120000"/>
-              </a:lnSpc>
-              <a:buFont typeface="Wingdings" pitchFamily="2" charset="2"/>
-              <a:buChar char="Ø"/>
-            </a:pPr>
-            <a:r>
-              <a:rPr lang="pt-PT" sz="1600" b="0" i="0" dirty="0"/>
-              <a:t>Inclui passa e sub-pastas. Se a pasta for raiz do repositório, toda a informação é atualizada. Caso seja uma sub-pasta é apenas atualizado no repositório o respetivo ramo;</a:t>
-            </a:r>
-          </a:p>
-          <a:p>
-            <a:pPr marL="560928" lvl="1" indent="-209265" algn="just" defTabSz="624078">
-              <a:lnSpc>
-                <a:spcPct val="120000"/>
-              </a:lnSpc>
-              <a:buFont typeface="Wingdings" pitchFamily="2" charset="2"/>
-              <a:buChar char="Ø"/>
-            </a:pPr>
-            <a:r>
-              <a:rPr lang="pt-PT" sz="1600" b="0" i="0" dirty="0"/>
-              <a:t>Pode ser pedido uma mensagem (texto) de descrição para a versão submetida;</a:t>
-            </a:r>
-          </a:p>
-          <a:p>
-            <a:pPr marL="560928" lvl="1" indent="-209265" algn="just" defTabSz="624078">
-              <a:lnSpc>
-                <a:spcPct val="120000"/>
-              </a:lnSpc>
-              <a:buFont typeface="Wingdings" pitchFamily="2" charset="2"/>
-              <a:buChar char="Ø"/>
-            </a:pPr>
-            <a:r>
-              <a:rPr lang="pt-PT" sz="1600" b="0" i="0" dirty="0"/>
-              <a:t>Todos os ficheiros submetidos ficam com o mesmo número de versão;</a:t>
-            </a:r>
-          </a:p>
-          <a:p>
-            <a:pPr marL="560928" lvl="1" indent="-209265" algn="just" defTabSz="624078">
-              <a:lnSpc>
-                <a:spcPct val="120000"/>
-              </a:lnSpc>
-              <a:buFont typeface="Wingdings" pitchFamily="2" charset="2"/>
-              <a:buChar char="Ø"/>
-            </a:pPr>
-            <a:r>
-              <a:rPr lang="en-GB" sz="1600" b="0" i="0" dirty="0" err="1"/>
-              <a:t>Os</a:t>
-            </a:r>
-            <a:r>
-              <a:rPr lang="en-GB" sz="1600" b="0" i="0" dirty="0"/>
-              <a:t> dados </a:t>
-            </a:r>
-            <a:r>
-              <a:rPr lang="en-GB" sz="1600" b="0" i="0" dirty="0" err="1"/>
-              <a:t>tranferidos</a:t>
-            </a:r>
-            <a:r>
-              <a:rPr lang="en-GB" sz="1600" b="0" i="0" dirty="0"/>
-              <a:t> </a:t>
-            </a:r>
-            <a:r>
-              <a:rPr lang="en-GB" sz="1600" b="0" i="0" dirty="0" err="1"/>
-              <a:t>são</a:t>
-            </a:r>
-            <a:r>
-              <a:rPr lang="en-GB" sz="1600" b="0" i="0" dirty="0"/>
-              <a:t> </a:t>
-            </a:r>
-            <a:r>
-              <a:rPr lang="en-GB" sz="1600" b="0" i="0" dirty="0" err="1"/>
-              <a:t>apenas</a:t>
-            </a:r>
-            <a:r>
-              <a:rPr lang="en-GB" sz="1600" b="0" i="0" dirty="0"/>
-              <a:t> o </a:t>
-            </a:r>
-            <a:r>
-              <a:rPr lang="en-GB" sz="1600" b="0" i="0" dirty="0" err="1"/>
-              <a:t>diferencial</a:t>
-            </a:r>
-            <a:r>
-              <a:rPr lang="en-GB" sz="1600" b="0" i="0" dirty="0"/>
-              <a:t> entre a </a:t>
-            </a:r>
-            <a:r>
-              <a:rPr lang="en-GB" sz="1600" b="0" i="0" dirty="0" err="1"/>
-              <a:t>cópia</a:t>
-            </a:r>
-            <a:r>
-              <a:rPr lang="en-GB" sz="1600" b="0" i="0" dirty="0"/>
-              <a:t> e a </a:t>
-            </a:r>
-            <a:r>
-              <a:rPr lang="en-GB" sz="1600" b="0" i="0" dirty="0" err="1"/>
-              <a:t>versão</a:t>
-            </a:r>
-            <a:r>
-              <a:rPr lang="en-GB" sz="1600" b="0" i="0" dirty="0"/>
-              <a:t> no </a:t>
-            </a:r>
-            <a:r>
-              <a:rPr lang="en-GB" sz="1600" b="0" i="0" dirty="0" err="1"/>
-              <a:t>repositório</a:t>
-            </a:r>
-            <a:r>
-              <a:rPr lang="en-GB" sz="1600" b="0" i="0" dirty="0"/>
-              <a:t> para </a:t>
-            </a:r>
-            <a:r>
-              <a:rPr lang="en-GB" sz="1600" b="0" i="0" dirty="0" err="1"/>
-              <a:t>minimizar</a:t>
-            </a:r>
-            <a:r>
-              <a:rPr lang="en-GB" sz="1600" b="0" i="0" dirty="0"/>
-              <a:t> as </a:t>
-            </a:r>
-            <a:r>
-              <a:rPr lang="en-GB" sz="1600" b="0" i="0" dirty="0" err="1"/>
-              <a:t>comunicações</a:t>
-            </a:r>
-            <a:r>
-              <a:rPr lang="en-GB" sz="1600" b="0" i="0" dirty="0"/>
-              <a:t> e </a:t>
-            </a:r>
-            <a:r>
-              <a:rPr lang="en-GB" sz="1600" b="0" i="0" dirty="0" err="1"/>
-              <a:t>armazenamento</a:t>
-            </a:r>
-            <a:r>
-              <a:rPr lang="en-GB" sz="1600" b="0" i="0" dirty="0"/>
-              <a:t>. </a:t>
-            </a:r>
-            <a:endParaRPr lang="pt-PT" sz="1600" b="0" i="0" dirty="0"/>
-          </a:p>
-        </p:txBody>
-      </p:sp>
-    </p:spTree>
-    <p:extLst>
-      <p:ext uri="{BB962C8B-B14F-4D97-AF65-F5344CB8AC3E}">
-        <p14:creationId xmlns:p14="http://schemas.microsoft.com/office/powerpoint/2010/main" val="2759008747"/>
-      </p:ext>
-    </p:extLst>
-  </p:cSld>
-  <p:clrMapOvr>
-    <a:masterClrMapping/>
-  </p:clrMapOvr>
-  <p:timing>
-    <p:tnLst>
-      <p:par>
-        <p:cTn id="1" dur="indefinite" restart="never" nodeType="tmRoot">
-          <p:childTnLst>
-            <p:seq concurrent="1" nextAc="seek">
-              <p:cTn id="2" dur="indefinite" nodeType="mainSeq">
-                <p:childTnLst>
-                  <p:par>
-                    <p:cTn id="3" fill="hold">
-                      <p:stCondLst>
-                        <p:cond delay="indefinite"/>
-                        <p:cond evt="onBegin" delay="0">
-                          <p:tn val="2"/>
-                        </p:cond>
-                      </p:stCondLst>
-                      <p:childTnLst>
-                        <p:par>
-                          <p:cTn id="4" fill="hold">
-                            <p:stCondLst>
-                              <p:cond delay="0"/>
-                            </p:stCondLst>
-                            <p:childTnLst>
-                              <p:par>
-                                <p:cTn id="5" presetID="42" presetClass="entr" presetSubtype="0" fill="hold" grpId="0" nodeType="afterEffect">
-                                  <p:stCondLst>
-                                    <p:cond delay="0"/>
-                                  </p:stCondLst>
-                                  <p:childTnLst>
-                                    <p:set>
-                                      <p:cBhvr>
-                                        <p:cTn id="6" dur="1" fill="hold">
-                                          <p:stCondLst>
-                                            <p:cond delay="0"/>
-                                          </p:stCondLst>
-                                        </p:cTn>
-                                        <p:tgtEl>
-                                          <p:spTgt spid="4"/>
-                                        </p:tgtEl>
-                                        <p:attrNameLst>
-                                          <p:attrName>style.visibility</p:attrName>
-                                        </p:attrNameLst>
-                                      </p:cBhvr>
-                                      <p:to>
-                                        <p:strVal val="visible"/>
-                                      </p:to>
-                                    </p:set>
-                                    <p:animEffect transition="in" filter="fade">
-                                      <p:cBhvr>
-                                        <p:cTn id="7" dur="500"/>
-                                        <p:tgtEl>
-                                          <p:spTgt spid="4"/>
-                                        </p:tgtEl>
-                                      </p:cBhvr>
-                                    </p:animEffect>
-                                    <p:anim calcmode="lin" valueType="num">
-                                      <p:cBhvr>
-                                        <p:cTn id="8" dur="500" fill="hold"/>
-                                        <p:tgtEl>
-                                          <p:spTgt spid="4"/>
-                                        </p:tgtEl>
-                                        <p:attrNameLst>
-                                          <p:attrName>ppt_x</p:attrName>
-                                        </p:attrNameLst>
-                                      </p:cBhvr>
-                                      <p:tavLst>
-                                        <p:tav tm="0">
-                                          <p:val>
-                                            <p:strVal val="#ppt_x"/>
-                                          </p:val>
-                                        </p:tav>
-                                        <p:tav tm="100000">
-                                          <p:val>
-                                            <p:strVal val="#ppt_x"/>
-                                          </p:val>
-                                        </p:tav>
-                                      </p:tavLst>
-                                    </p:anim>
-                                    <p:anim calcmode="lin" valueType="num">
-                                      <p:cBhvr>
-                                        <p:cTn id="9" dur="500" fill="hold"/>
-                                        <p:tgtEl>
-                                          <p:spTgt spid="4"/>
-                                        </p:tgtEl>
-                                        <p:attrNameLst>
-                                          <p:attrName>ppt_y</p:attrName>
-                                        </p:attrNameLst>
-                                      </p:cBhvr>
-                                      <p:tavLst>
-                                        <p:tav tm="0">
-                                          <p:val>
-                                            <p:strVal val="#ppt_y+.1"/>
-                                          </p:val>
-                                        </p:tav>
-                                        <p:tav tm="100000">
-                                          <p:val>
-                                            <p:strVal val="#ppt_y"/>
-                                          </p:val>
-                                        </p:tav>
-                                      </p:tavLst>
-                                    </p:anim>
-                                  </p:childTnLst>
-                                </p:cTn>
-                              </p:par>
-                            </p:childTnLst>
-                          </p:cTn>
-                        </p:par>
-                      </p:childTnLst>
-                    </p:cTn>
-                  </p:par>
-                </p:childTnLst>
-              </p:cTn>
-              <p:prevCondLst>
-                <p:cond evt="onPrev" delay="0">
-                  <p:tgtEl>
-                    <p:sldTgt/>
-                  </p:tgtEl>
-                </p:cond>
-              </p:prevCondLst>
-              <p:nextCondLst>
-                <p:cond evt="onNext" delay="0">
-                  <p:tgtEl>
-                    <p:sldTgt/>
-                  </p:tgtEl>
-                </p:cond>
-              </p:nextCondLst>
-            </p:seq>
-          </p:childTnLst>
-        </p:cTn>
-      </p:par>
-    </p:tnLst>
-    <p:bldLst>
-      <p:bldP spid="4" grpId="0"/>
-    </p:bldLst>
-  </p:timing>
-</p:sld>
-</file>
-
-<file path=ppt/slides/slide8.xml><?xml version="1.0" encoding="utf-8"?>
-<p:sld xmlns:a="http://schemas.openxmlformats.org/drawingml/2006/main" xmlns:r="http://schemas.openxmlformats.org/officeDocument/2006/relationships" xmlns:p="http://schemas.openxmlformats.org/presentationml/2006/main">
-  <p:cSld>
-    <p:spTree>
-      <p:nvGrpSpPr>
-        <p:cNvPr id="1" name=""/>
-        <p:cNvGrpSpPr/>
-        <p:nvPr/>
-      </p:nvGrpSpPr>
-      <p:grpSpPr>
-        <a:xfrm>
-          <a:off x="0" y="0"/>
-          <a:ext cx="0" cy="0"/>
-          <a:chOff x="0" y="0"/>
-          <a:chExt cx="0" cy="0"/>
-        </a:xfrm>
-      </p:grpSpPr>
-      <p:sp>
-        <p:nvSpPr>
-          <p:cNvPr id="148482" name="Rectangle 2"/>
-          <p:cNvSpPr>
-            <a:spLocks noGrp="1" noChangeArrowheads="1"/>
-          </p:cNvSpPr>
-          <p:nvPr>
-            <p:ph type="title" idx="4294967295"/>
-          </p:nvPr>
-        </p:nvSpPr>
-        <p:spPr bwMode="auto">
-          <a:xfrm>
-            <a:off x="3006330" y="193204"/>
-            <a:ext cx="5310086" cy="432048"/>
-          </a:xfrm>
-          <a:prstGeom prst="rect">
-            <a:avLst/>
-          </a:prstGeom>
-          <a:noFill/>
-          <a:ln>
-            <a:miter lim="800000"/>
-            <a:headEnd/>
-            <a:tailEnd/>
-          </a:ln>
-        </p:spPr>
-        <p:txBody>
-          <a:bodyPr vert="horz" wrap="square" lIns="71323" tIns="35662" rIns="71323" bIns="35662" numCol="1" anchor="t" anchorCtr="0" compatLnSpc="1">
-            <a:prstTxWarp prst="textNoShape">
-              <a:avLst/>
-            </a:prstTxWarp>
-          </a:bodyPr>
-          <a:lstStyle/>
-          <a:p>
-            <a:pPr algn="r"/>
-            <a:r>
-              <a:rPr lang="pt-PT" sz="1000" b="1" i="1" dirty="0">
-                <a:solidFill>
-                  <a:srgbClr val="FF0000"/>
-                </a:solidFill>
-                <a:latin typeface="Arial" charset="0"/>
-              </a:rPr>
-              <a:t>SOP-T2-SFDVC</a:t>
-            </a:r>
-            <a:br>
-              <a:rPr lang="pt-PT" sz="900" b="1" i="1" dirty="0">
-                <a:solidFill>
-                  <a:srgbClr val="FF0000"/>
-                </a:solidFill>
-                <a:latin typeface="Arial" charset="0"/>
-              </a:rPr>
-            </a:br>
-            <a:r>
-              <a:rPr lang="pt-PT" sz="1800" b="1" i="1" cap="small" dirty="0">
-                <a:solidFill>
-                  <a:srgbClr val="FF0000"/>
-                </a:solidFill>
-                <a:latin typeface="Arial" charset="0"/>
-              </a:rPr>
-              <a:t>Exemplo Prático</a:t>
-            </a:r>
-          </a:p>
-        </p:txBody>
-      </p:sp>
-      <p:sp>
-        <p:nvSpPr>
-          <p:cNvPr id="4" name="Rectangle 7"/>
-          <p:cNvSpPr>
-            <a:spLocks noChangeArrowheads="1"/>
-          </p:cNvSpPr>
-          <p:nvPr/>
-        </p:nvSpPr>
-        <p:spPr bwMode="auto">
-          <a:xfrm>
-            <a:off x="539552" y="877094"/>
-            <a:ext cx="8064896" cy="4315528"/>
-          </a:xfrm>
-          <a:prstGeom prst="rect">
-            <a:avLst/>
-          </a:prstGeom>
-          <a:noFill/>
-          <a:ln w="9525">
-            <a:noFill/>
-            <a:miter lim="800000"/>
-            <a:headEnd/>
-            <a:tailEnd/>
-          </a:ln>
-          <a:effectLst/>
-        </p:spPr>
-        <p:txBody>
-          <a:bodyPr wrap="square" lIns="62408" tIns="31204" rIns="62408" bIns="31204">
-            <a:spAutoFit/>
-          </a:bodyPr>
-          <a:lstStyle/>
-          <a:p>
-            <a:pPr algn="just" defTabSz="624078">
-              <a:lnSpc>
-                <a:spcPct val="120000"/>
-              </a:lnSpc>
-            </a:pPr>
-            <a:r>
-              <a:rPr lang="pt-BR" sz="2000" i="0" dirty="0">
-                <a:latin typeface="Courier New" panose="02070309020205020404" pitchFamily="49" charset="0"/>
-                <a:cs typeface="Courier New" panose="02070309020205020404" pitchFamily="49" charset="0"/>
-              </a:rPr>
-              <a:t>svn update [PATH...]</a:t>
-            </a:r>
-          </a:p>
-          <a:p>
-            <a:pPr marL="560928" lvl="1" indent="-209265" algn="just" defTabSz="624078">
-              <a:lnSpc>
-                <a:spcPct val="120000"/>
-              </a:lnSpc>
-              <a:buFont typeface="Wingdings" pitchFamily="2" charset="2"/>
-              <a:buChar char="Ø"/>
-            </a:pPr>
-            <a:r>
-              <a:rPr lang="pt-PT" sz="1600" b="0" i="0" dirty="0"/>
-              <a:t>Obtem as últimas versões do repositório com base na pasta atual ou pasta indicada (PATH) para a cópia local;</a:t>
-            </a:r>
-          </a:p>
-          <a:p>
-            <a:pPr marL="560928" lvl="1" indent="-209265" algn="just" defTabSz="624078">
-              <a:lnSpc>
-                <a:spcPct val="120000"/>
-              </a:lnSpc>
-              <a:buFont typeface="Wingdings" pitchFamily="2" charset="2"/>
-              <a:buChar char="Ø"/>
-            </a:pPr>
-            <a:r>
-              <a:rPr lang="pt-PT" sz="1600" b="0" i="0" dirty="0"/>
-              <a:t>Caso existam sobreposições ou incongruências entre a versão do repositório e a versão local, podem ser são criados ficheiros com cda uma das versões;</a:t>
-            </a:r>
-          </a:p>
-          <a:p>
-            <a:pPr marL="560928" lvl="1" indent="-209265" algn="just" defTabSz="624078">
-              <a:lnSpc>
-                <a:spcPct val="120000"/>
-              </a:lnSpc>
-              <a:buFont typeface="Wingdings" pitchFamily="2" charset="2"/>
-              <a:buChar char="Ø"/>
-            </a:pPr>
-            <a:r>
-              <a:rPr lang="pt-PT" sz="1600" b="0" i="0" dirty="0"/>
-              <a:t>Em ficheiros de texto pode ser feito o “merge” (junção) dos textos das duas versões;</a:t>
-            </a:r>
-          </a:p>
-          <a:p>
-            <a:pPr marL="560928" lvl="1" indent="-209265" algn="just" defTabSz="624078">
-              <a:lnSpc>
-                <a:spcPct val="120000"/>
-              </a:lnSpc>
-              <a:buFont typeface="Wingdings" pitchFamily="2" charset="2"/>
-              <a:buChar char="Ø"/>
-            </a:pPr>
-            <a:r>
-              <a:rPr lang="en-GB" sz="1600" b="0" i="0" dirty="0" err="1"/>
-              <a:t>Os</a:t>
-            </a:r>
-            <a:r>
-              <a:rPr lang="en-GB" sz="1600" b="0" i="0" dirty="0"/>
-              <a:t> dados </a:t>
-            </a:r>
-            <a:r>
-              <a:rPr lang="en-GB" sz="1600" b="0" i="0" dirty="0" err="1"/>
-              <a:t>tranferidos</a:t>
-            </a:r>
-            <a:r>
-              <a:rPr lang="en-GB" sz="1600" b="0" i="0" dirty="0"/>
-              <a:t> </a:t>
-            </a:r>
-            <a:r>
-              <a:rPr lang="en-GB" sz="1600" b="0" i="0" dirty="0" err="1"/>
-              <a:t>são</a:t>
-            </a:r>
-            <a:r>
-              <a:rPr lang="en-GB" sz="1600" b="0" i="0" dirty="0"/>
-              <a:t> o </a:t>
-            </a:r>
-            <a:r>
-              <a:rPr lang="en-GB" sz="1600" b="0" i="0" dirty="0" err="1"/>
-              <a:t>diferencial</a:t>
-            </a:r>
-            <a:r>
-              <a:rPr lang="en-GB" sz="1600" b="0" i="0" dirty="0"/>
-              <a:t> entre a </a:t>
-            </a:r>
-            <a:r>
-              <a:rPr lang="en-GB" sz="1600" b="0" i="0" dirty="0" err="1"/>
-              <a:t>cópia</a:t>
-            </a:r>
-            <a:r>
-              <a:rPr lang="en-GB" sz="1600" b="0" i="0" dirty="0"/>
-              <a:t> no </a:t>
-            </a:r>
-            <a:r>
-              <a:rPr lang="en-GB" sz="1600" b="0" i="0" dirty="0" err="1"/>
-              <a:t>repositório</a:t>
-            </a:r>
-            <a:r>
-              <a:rPr lang="en-GB" sz="1600" b="0" i="0" dirty="0"/>
-              <a:t> e a </a:t>
-            </a:r>
-            <a:r>
-              <a:rPr lang="en-GB" sz="1600" b="0" i="0" dirty="0" err="1"/>
-              <a:t>cópia</a:t>
-            </a:r>
-            <a:r>
-              <a:rPr lang="en-GB" sz="1600" b="0" i="0" dirty="0"/>
-              <a:t> local para </a:t>
-            </a:r>
-            <a:r>
-              <a:rPr lang="en-GB" sz="1600" b="0" i="0" dirty="0" err="1"/>
-              <a:t>minimizar</a:t>
-            </a:r>
-            <a:r>
-              <a:rPr lang="en-GB" sz="1600" b="0" i="0" dirty="0"/>
-              <a:t> as </a:t>
-            </a:r>
-            <a:r>
-              <a:rPr lang="en-GB" sz="1600" b="0" i="0" dirty="0" err="1"/>
-              <a:t>comunicações</a:t>
-            </a:r>
-            <a:r>
-              <a:rPr lang="en-GB" sz="1600" b="0" i="0" dirty="0"/>
-              <a:t> e </a:t>
-            </a:r>
-            <a:r>
-              <a:rPr lang="en-GB" sz="1600" b="0" i="0" dirty="0" err="1"/>
-              <a:t>armazenamento</a:t>
-            </a:r>
-            <a:r>
-              <a:rPr lang="en-GB" sz="1600" b="0" i="0" dirty="0"/>
-              <a:t>.</a:t>
-            </a:r>
-          </a:p>
-          <a:p>
-            <a:pPr algn="just" defTabSz="624078">
-              <a:lnSpc>
-                <a:spcPct val="120000"/>
-              </a:lnSpc>
-            </a:pPr>
-            <a:r>
-              <a:rPr lang="pt-BR" sz="2000" i="0" dirty="0">
-                <a:latin typeface="Courier New" panose="02070309020205020404" pitchFamily="49" charset="0"/>
-                <a:cs typeface="Courier New" panose="02070309020205020404" pitchFamily="49" charset="0"/>
-              </a:rPr>
-              <a:t>svn delete PATH...</a:t>
-            </a:r>
-          </a:p>
-          <a:p>
-            <a:pPr marL="560928" lvl="1" indent="-209265" algn="just" defTabSz="624078">
-              <a:lnSpc>
-                <a:spcPct val="120000"/>
-              </a:lnSpc>
-              <a:buFont typeface="Wingdings" pitchFamily="2" charset="2"/>
-              <a:buChar char="Ø"/>
-            </a:pPr>
-            <a:r>
-              <a:rPr lang="pt-PT" sz="1600" b="0" i="0" dirty="0"/>
-              <a:t>Remove os ficheiros da copia local;</a:t>
-            </a:r>
-          </a:p>
-          <a:p>
-            <a:pPr marL="560928" lvl="1" indent="-209265" algn="just" defTabSz="624078">
-              <a:lnSpc>
-                <a:spcPct val="120000"/>
-              </a:lnSpc>
-              <a:buFont typeface="Wingdings" pitchFamily="2" charset="2"/>
-              <a:buChar char="Ø"/>
-            </a:pPr>
-            <a:r>
-              <a:rPr lang="pt-PT" sz="1600" b="0" i="0" dirty="0"/>
-              <a:t>Os ficheiros só são removidos da versão atual no </a:t>
-            </a:r>
-            <a:r>
-              <a:rPr lang="pt-PT" sz="1600" b="0" i="0" dirty="0" err="1"/>
-              <a:t>reposítorio</a:t>
-            </a:r>
-            <a:r>
-              <a:rPr lang="pt-PT" sz="1600" b="0" i="0" dirty="0"/>
-              <a:t> quando efetuado o  </a:t>
-            </a:r>
-            <a:r>
-              <a:rPr lang="pt-PT" sz="1600" b="0" dirty="0" err="1"/>
-              <a:t>submmit</a:t>
-            </a:r>
-            <a:r>
-              <a:rPr lang="pt-PT" sz="1600" b="0" i="0" dirty="0"/>
-              <a:t>;</a:t>
-            </a:r>
-          </a:p>
-          <a:p>
-            <a:pPr marL="560928" lvl="1" indent="-209265" algn="just" defTabSz="624078">
-              <a:lnSpc>
-                <a:spcPct val="120000"/>
-              </a:lnSpc>
-              <a:buFont typeface="Wingdings" pitchFamily="2" charset="2"/>
-              <a:buChar char="Ø"/>
-            </a:pPr>
-            <a:r>
-              <a:rPr lang="pt-PT" sz="1600" b="0" i="0" dirty="0"/>
-              <a:t>Os ficheiros são mantidos no repositório para as versões anteriores.</a:t>
-            </a:r>
-          </a:p>
-        </p:txBody>
-      </p:sp>
-    </p:spTree>
-    <p:extLst>
-      <p:ext uri="{BB962C8B-B14F-4D97-AF65-F5344CB8AC3E}">
-        <p14:creationId xmlns:p14="http://schemas.microsoft.com/office/powerpoint/2010/main" val="2632657009"/>
-      </p:ext>
-    </p:extLst>
-  </p:cSld>
-  <p:clrMapOvr>
-    <a:masterClrMapping/>
-  </p:clrMapOvr>
-  <p:timing>
-    <p:tnLst>
-      <p:par>
-        <p:cTn id="1" dur="indefinite" restart="never" nodeType="tmRoot">
-          <p:childTnLst>
-            <p:seq concurrent="1" nextAc="seek">
-              <p:cTn id="2" dur="indefinite" nodeType="mainSeq">
-                <p:childTnLst>
-                  <p:par>
-                    <p:cTn id="3" fill="hold">
-                      <p:stCondLst>
-                        <p:cond delay="indefinite"/>
-                        <p:cond evt="onBegin" delay="0">
-                          <p:tn val="2"/>
-                        </p:cond>
-                      </p:stCondLst>
-                      <p:childTnLst>
-                        <p:par>
-                          <p:cTn id="4" fill="hold">
-                            <p:stCondLst>
-                              <p:cond delay="0"/>
-                            </p:stCondLst>
-                            <p:childTnLst>
-                              <p:par>
-                                <p:cTn id="5" presetID="42" presetClass="entr" presetSubtype="0" fill="hold" grpId="0" nodeType="afterEffect">
-                                  <p:stCondLst>
-                                    <p:cond delay="0"/>
-                                  </p:stCondLst>
-                                  <p:childTnLst>
-                                    <p:set>
-                                      <p:cBhvr>
-                                        <p:cTn id="6" dur="1" fill="hold">
-                                          <p:stCondLst>
-                                            <p:cond delay="0"/>
-                                          </p:stCondLst>
-                                        </p:cTn>
-                                        <p:tgtEl>
-                                          <p:spTgt spid="4"/>
-                                        </p:tgtEl>
-                                        <p:attrNameLst>
-                                          <p:attrName>style.visibility</p:attrName>
-                                        </p:attrNameLst>
-                                      </p:cBhvr>
-                                      <p:to>
-                                        <p:strVal val="visible"/>
-                                      </p:to>
-                                    </p:set>
-                                    <p:animEffect transition="in" filter="fade">
-                                      <p:cBhvr>
-                                        <p:cTn id="7" dur="500"/>
-                                        <p:tgtEl>
-                                          <p:spTgt spid="4"/>
-                                        </p:tgtEl>
-                                      </p:cBhvr>
-                                    </p:animEffect>
-                                    <p:anim calcmode="lin" valueType="num">
-                                      <p:cBhvr>
-                                        <p:cTn id="8" dur="500" fill="hold"/>
-                                        <p:tgtEl>
-                                          <p:spTgt spid="4"/>
-                                        </p:tgtEl>
-                                        <p:attrNameLst>
-                                          <p:attrName>ppt_x</p:attrName>
-                                        </p:attrNameLst>
-                                      </p:cBhvr>
-                                      <p:tavLst>
-                                        <p:tav tm="0">
-                                          <p:val>
-                                            <p:strVal val="#ppt_x"/>
-                                          </p:val>
-                                        </p:tav>
-                                        <p:tav tm="100000">
-                                          <p:val>
-                                            <p:strVal val="#ppt_x"/>
-                                          </p:val>
-                                        </p:tav>
-                                      </p:tavLst>
-                                    </p:anim>
-                                    <p:anim calcmode="lin" valueType="num">
-                                      <p:cBhvr>
-                                        <p:cTn id="9" dur="500" fill="hold"/>
-                                        <p:tgtEl>
-                                          <p:spTgt spid="4"/>
-                                        </p:tgtEl>
-                                        <p:attrNameLst>
-                                          <p:attrName>ppt_y</p:attrName>
-                                        </p:attrNameLst>
-                                      </p:cBhvr>
-                                      <p:tavLst>
-                                        <p:tav tm="0">
-                                          <p:val>
-                                            <p:strVal val="#ppt_y+.1"/>
-                                          </p:val>
-                                        </p:tav>
-                                        <p:tav tm="100000">
-                                          <p:val>
-                                            <p:strVal val="#ppt_y"/>
-                                          </p:val>
-                                        </p:tav>
-                                      </p:tavLst>
-                                    </p:anim>
-                                  </p:childTnLst>
-                                </p:cTn>
-                              </p:par>
-                            </p:childTnLst>
-                          </p:cTn>
-                        </p:par>
-                      </p:childTnLst>
-                    </p:cTn>
-                  </p:par>
-                </p:childTnLst>
-              </p:cTn>
-              <p:prevCondLst>
-                <p:cond evt="onPrev" delay="0">
-                  <p:tgtEl>
-                    <p:sldTgt/>
-                  </p:tgtEl>
-                </p:cond>
-              </p:prevCondLst>
-              <p:nextCondLst>
-                <p:cond evt="onNext" delay="0">
-                  <p:tgtEl>
-                    <p:sldTgt/>
-                  </p:tgtEl>
-                </p:cond>
-              </p:nextCondLst>
-            </p:seq>
-          </p:childTnLst>
-        </p:cTn>
-      </p:par>
-    </p:tnLst>
-    <p:bldLst>
-      <p:bldP spid="4" grpId="0"/>
-    </p:bldLst>
-  </p:timing>
-</p:sld>
-</file>
-
-<file path=ppt/slides/slide9.xml><?xml version="1.0" encoding="utf-8"?>
-<p:sld xmlns:a="http://schemas.openxmlformats.org/drawingml/2006/main" xmlns:r="http://schemas.openxmlformats.org/officeDocument/2006/relationships" xmlns:p="http://schemas.openxmlformats.org/presentationml/2006/main">
-  <p:cSld>
-    <p:spTree>
-      <p:nvGrpSpPr>
-        <p:cNvPr id="1" name=""/>
-        <p:cNvGrpSpPr/>
-        <p:nvPr/>
-      </p:nvGrpSpPr>
-      <p:grpSpPr>
-        <a:xfrm>
-          <a:off x="0" y="0"/>
-          <a:ext cx="0" cy="0"/>
-          <a:chOff x="0" y="0"/>
-          <a:chExt cx="0" cy="0"/>
-        </a:xfrm>
-      </p:grpSpPr>
-      <p:sp>
-        <p:nvSpPr>
-          <p:cNvPr id="148482" name="Rectangle 2"/>
-          <p:cNvSpPr>
-            <a:spLocks noGrp="1" noChangeArrowheads="1"/>
-          </p:cNvSpPr>
-          <p:nvPr>
-            <p:ph type="title" idx="4294967295"/>
-          </p:nvPr>
-        </p:nvSpPr>
-        <p:spPr bwMode="auto">
-          <a:xfrm>
-            <a:off x="3006330" y="193204"/>
-            <a:ext cx="5310086" cy="432048"/>
-          </a:xfrm>
-          <a:prstGeom prst="rect">
-            <a:avLst/>
-          </a:prstGeom>
-          <a:noFill/>
-          <a:ln>
-            <a:miter lim="800000"/>
-            <a:headEnd/>
-            <a:tailEnd/>
-          </a:ln>
-        </p:spPr>
-        <p:txBody>
-          <a:bodyPr vert="horz" wrap="square" lIns="71323" tIns="35662" rIns="71323" bIns="35662" numCol="1" anchor="t" anchorCtr="0" compatLnSpc="1">
-            <a:prstTxWarp prst="textNoShape">
-              <a:avLst/>
-            </a:prstTxWarp>
-          </a:bodyPr>
-          <a:lstStyle/>
-          <a:p>
-            <a:pPr algn="r"/>
-            <a:br>
-              <a:rPr lang="pt-PT" sz="1000" b="1" i="1" dirty="0">
-                <a:solidFill>
-                  <a:srgbClr val="FF0000"/>
-                </a:solidFill>
-                <a:latin typeface="Arial" charset="0"/>
-              </a:rPr>
-            </a:br>
-            <a:r>
-              <a:rPr lang="pt-PT" sz="1800" b="1" i="1" cap="small" dirty="0">
-                <a:solidFill>
-                  <a:srgbClr val="FF0000"/>
-                </a:solidFill>
-                <a:latin typeface="Arial" charset="0"/>
-              </a:rPr>
-              <a:t>Alinhamento</a:t>
-            </a:r>
-          </a:p>
-        </p:txBody>
-      </p:sp>
-      <p:sp>
-        <p:nvSpPr>
-          <p:cNvPr id="148483" name="Rectangle 3"/>
-          <p:cNvSpPr>
-            <a:spLocks noChangeArrowheads="1"/>
-          </p:cNvSpPr>
-          <p:nvPr/>
-        </p:nvSpPr>
-        <p:spPr bwMode="auto">
-          <a:xfrm>
-            <a:off x="540000" y="900000"/>
-            <a:ext cx="8136456" cy="1877938"/>
-          </a:xfrm>
-          <a:prstGeom prst="rect">
-            <a:avLst/>
-          </a:prstGeom>
-          <a:noFill/>
-          <a:ln w="9525">
-            <a:noFill/>
-            <a:miter lim="800000"/>
-            <a:headEnd/>
-            <a:tailEnd/>
-          </a:ln>
-          <a:effectLst/>
-        </p:spPr>
-        <p:txBody>
-          <a:bodyPr wrap="square" lIns="62408" tIns="31204" rIns="62408" bIns="31204">
-            <a:spAutoFit/>
-          </a:bodyPr>
-          <a:lstStyle/>
-          <a:p>
-            <a:pPr marL="271463" indent="-271463" algn="l" defTabSz="800100">
-              <a:lnSpc>
-                <a:spcPct val="120000"/>
-              </a:lnSpc>
-              <a:buFont typeface="Wingdings" pitchFamily="2" charset="2"/>
-              <a:buChar char="Ø"/>
-            </a:pPr>
-            <a:r>
-              <a:rPr lang="pt-PT" sz="2000" i="0" dirty="0">
-                <a:solidFill>
-                  <a:srgbClr val="0033CC"/>
-                </a:solidFill>
-              </a:rPr>
-              <a:t>Armazenamento </a:t>
-            </a:r>
-            <a:r>
-              <a:rPr lang="pt-PT" sz="2000" i="0" dirty="0" err="1">
-                <a:solidFill>
-                  <a:srgbClr val="0033CC"/>
-                </a:solidFill>
-              </a:rPr>
-              <a:t>Cloud</a:t>
-            </a:r>
-            <a:r>
-              <a:rPr lang="pt-PT" sz="2000" i="0" dirty="0"/>
-              <a:t>:</a:t>
-            </a:r>
-          </a:p>
-          <a:p>
-            <a:pPr marL="719138" lvl="1" indent="-268288" algn="just" defTabSz="800100">
-              <a:lnSpc>
-                <a:spcPct val="120000"/>
-              </a:lnSpc>
-              <a:buFont typeface="Wingdings" pitchFamily="2" charset="2"/>
-              <a:buChar char="Ø"/>
-            </a:pPr>
-            <a:r>
-              <a:rPr lang="pt-PT" sz="1600" b="0" i="0" dirty="0"/>
-              <a:t>Todos os ficheiros residem na </a:t>
-            </a:r>
-            <a:r>
-              <a:rPr lang="pt-PT" sz="1600" b="0" i="0" dirty="0" err="1"/>
-              <a:t>Cloud</a:t>
-            </a:r>
-            <a:r>
-              <a:rPr lang="pt-PT" sz="1600" b="0" i="0" dirty="0"/>
-              <a:t> da entidade que fornece o serviço (e.g. 1 TB para alunos da UTAD no serviço OneDrive da Microsoft);</a:t>
-            </a:r>
-          </a:p>
-          <a:p>
-            <a:pPr marL="719138" lvl="1" indent="-268288" algn="just" defTabSz="800100">
-              <a:lnSpc>
-                <a:spcPct val="120000"/>
-              </a:lnSpc>
-              <a:buFont typeface="Wingdings" pitchFamily="2" charset="2"/>
-              <a:buChar char="Ø"/>
-            </a:pPr>
-            <a:r>
-              <a:rPr lang="pt-PT" sz="1600" b="0" i="0" dirty="0"/>
-              <a:t>Os ficheiros pode ter uma cópia local (armazenamento local do dispositivo);</a:t>
-            </a:r>
-          </a:p>
-          <a:p>
-            <a:pPr marL="719138" lvl="1" indent="-268288" algn="just" defTabSz="800100">
-              <a:lnSpc>
-                <a:spcPct val="120000"/>
-              </a:lnSpc>
-              <a:buFont typeface="Wingdings" pitchFamily="2" charset="2"/>
-              <a:buChar char="Ø"/>
-            </a:pPr>
-            <a:r>
-              <a:rPr lang="pt-PT" sz="1600" b="0" i="0" dirty="0"/>
-              <a:t>O sincronismo é feito pelo sistema operativo/serviço: Obter uma cópia quando ficheiro é utilizado, guardar alteração pouco depois de alterar a cópia local;</a:t>
-            </a:r>
-          </a:p>
-        </p:txBody>
-      </p:sp>
-    </p:spTree>
-    <p:extLst>
-      <p:ext uri="{BB962C8B-B14F-4D97-AF65-F5344CB8AC3E}">
-        <p14:creationId xmlns:p14="http://schemas.microsoft.com/office/powerpoint/2010/main" val="369839087"/>
-      </p:ext>
-    </p:extLst>
-  </p:cSld>
-  <p:clrMapOvr>
-    <a:masterClrMapping/>
-  </p:clrMapOvr>
-  <p:timing>
-    <p:tnLst>
-      <p:par>
-        <p:cTn id="1" dur="indefinite" restart="never" nodeType="tmRoot">
-          <p:childTnLst>
-            <p:seq concurrent="1" nextAc="seek">
-              <p:cTn id="2" dur="indefinite" nodeType="mainSeq">
-                <p:childTnLst>
-                  <p:par>
-                    <p:cTn id="3" fill="hold">
-                      <p:stCondLst>
-                        <p:cond delay="indefinite"/>
-                        <p:cond evt="onBegin" delay="0">
-                          <p:tn val="2"/>
-                        </p:cond>
-                      </p:stCondLst>
-                      <p:childTnLst>
-                        <p:par>
-                          <p:cTn id="4" fill="hold">
-                            <p:stCondLst>
-                              <p:cond delay="0"/>
-                            </p:stCondLst>
-                            <p:childTnLst>
-                              <p:par>
-                                <p:cTn id="5" presetID="42" presetClass="entr" presetSubtype="0" fill="hold" grpId="0" nodeType="afterEffect">
-                                  <p:stCondLst>
-                                    <p:cond delay="0"/>
-                                  </p:stCondLst>
-                                  <p:childTnLst>
-                                    <p:set>
-                                      <p:cBhvr>
-                                        <p:cTn id="6" dur="1" fill="hold">
-                                          <p:stCondLst>
-                                            <p:cond delay="0"/>
-                                          </p:stCondLst>
-                                        </p:cTn>
-                                        <p:tgtEl>
-                                          <p:spTgt spid="148483"/>
-                                        </p:tgtEl>
-                                        <p:attrNameLst>
-                                          <p:attrName>style.visibility</p:attrName>
-                                        </p:attrNameLst>
-                                      </p:cBhvr>
-                                      <p:to>
-                                        <p:strVal val="visible"/>
-                                      </p:to>
-                                    </p:set>
-                                    <p:animEffect transition="in" filter="fade">
-                                      <p:cBhvr>
-                                        <p:cTn id="7" dur="500"/>
-                                        <p:tgtEl>
-                                          <p:spTgt spid="148483"/>
-                                        </p:tgtEl>
-                                      </p:cBhvr>
-                                    </p:animEffect>
-                                    <p:anim calcmode="lin" valueType="num">
-                                      <p:cBhvr>
-                                        <p:cTn id="8" dur="500" fill="hold"/>
-                                        <p:tgtEl>
-                                          <p:spTgt spid="148483"/>
-                                        </p:tgtEl>
-                                        <p:attrNameLst>
-                                          <p:attrName>ppt_x</p:attrName>
-                                        </p:attrNameLst>
-                                      </p:cBhvr>
-                                      <p:tavLst>
-                                        <p:tav tm="0">
-                                          <p:val>
-                                            <p:strVal val="#ppt_x"/>
-                                          </p:val>
-                                        </p:tav>
-                                        <p:tav tm="100000">
-                                          <p:val>
-                                            <p:strVal val="#ppt_x"/>
-                                          </p:val>
-                                        </p:tav>
-                                      </p:tavLst>
-                                    </p:anim>
-                                    <p:anim calcmode="lin" valueType="num">
-                                      <p:cBhvr>
-                                        <p:cTn id="9" dur="500" fill="hold"/>
-                                        <p:tgtEl>
-                                          <p:spTgt spid="148483"/>
-                                        </p:tgtEl>
-                                        <p:attrNameLst>
-                                          <p:attrName>ppt_y</p:attrName>
-                                        </p:attrNameLst>
-                                      </p:cBhvr>
-                                      <p:tavLst>
-                                        <p:tav tm="0">
-                                          <p:val>
-                                            <p:strVal val="#ppt_y+.1"/>
-                                          </p:val>
-                                        </p:tav>
-                                        <p:tav tm="100000">
-                                          <p:val>
-                                            <p:strVal val="#ppt_y"/>
-                                          </p:val>
-                                        </p:tav>
-                                      </p:tavLst>
-                                    </p:anim>
-                                  </p:childTnLst>
-                                </p:cTn>
-                              </p:par>
-                            </p:childTnLst>
-                          </p:cTn>
-                        </p:par>
-                      </p:childTnLst>
-                    </p:cTn>
-                  </p:par>
-                </p:childTnLst>
-              </p:cTn>
-              <p:prevCondLst>
-                <p:cond evt="onPrev" delay="0">
-                  <p:tgtEl>
-                    <p:sldTgt/>
-                  </p:tgtEl>
-                </p:cond>
-              </p:prevCondLst>
-              <p:nextCondLst>
-                <p:cond evt="onNext" delay="0">
-                  <p:tgtEl>
-                    <p:sldTgt/>
-                  </p:tgtEl>
-                </p:cond>
-              </p:nextCondLst>
-            </p:seq>
-          </p:childTnLst>
-        </p:cTn>
-      </p:par>
-    </p:tnLst>
-    <p:bldLst>
-      <p:bldP spid="148483" grpId="0"/>
     </p:bldLst>
   </p:timing>
 </p:sld>
